--- a/docs/presentation.pptx
+++ b/docs/presentation.pptx
@@ -111,10 +111,1988 @@
       </a:defRPr>
     </a:lvl9pPr>
   </p:defaultTextStyle>
+  <p:extLst>
+    <p:ext uri="{EFAFB233-063F-42B5-8137-9DF3F51BA10A}">
+      <p15:sldGuideLst xmlns:p15="http://schemas.microsoft.com/office/powerpoint/2012/main"/>
+    </p:ext>
+  </p:extLst>
 </p:presentation>
 </file>
 
+<file path=ppt/revisionInfo.xml><?xml version="1.0" encoding="utf-8"?>
+<p1510:revInfo xmlns:a="http://schemas.openxmlformats.org/drawingml/2006/main" xmlns:r="http://schemas.openxmlformats.org/officeDocument/2006/relationships" xmlns:p1510="http://schemas.microsoft.com/office/powerpoint/2015/10/main">
+  <p1510:revLst>
+    <p1510:client id="{94102F98-C996-4647-A399-EDC1A2D5FD8F}" v="142" dt="2024-08-01T08:48:41.859"/>
+  </p1510:revLst>
+</p1510:revInfo>
+</file>
+
+<file path=ppt/changesInfos/changesInfo1.xml><?xml version="1.0" encoding="utf-8"?>
+<pc:chgInfo xmlns:a="http://schemas.openxmlformats.org/drawingml/2006/main" xmlns:r="http://schemas.openxmlformats.org/officeDocument/2006/relationships" xmlns:ac="http://schemas.microsoft.com/office/drawing/2013/main/command" xmlns:pc="http://schemas.microsoft.com/office/powerpoint/2013/main/command">
+  <pc:docChgLst>
+    <pc:chgData name="Liam Driscoll" userId="5ea41ec7-39f4-4f21-9bfb-fdaf136f9dc4" providerId="ADAL" clId="{94102F98-C996-4647-A399-EDC1A2D5FD8F}"/>
+    <pc:docChg chg="undo custSel modSld">
+      <pc:chgData name="Liam Driscoll" userId="5ea41ec7-39f4-4f21-9bfb-fdaf136f9dc4" providerId="ADAL" clId="{94102F98-C996-4647-A399-EDC1A2D5FD8F}" dt="2024-08-01T08:50:36.012" v="560" actId="20577"/>
+      <pc:docMkLst>
+        <pc:docMk/>
+      </pc:docMkLst>
+      <pc:sldChg chg="addSp delSp modSp mod delDesignElem chgLayout">
+        <pc:chgData name="Liam Driscoll" userId="5ea41ec7-39f4-4f21-9bfb-fdaf136f9dc4" providerId="ADAL" clId="{94102F98-C996-4647-A399-EDC1A2D5FD8F}" dt="2024-08-01T08:44:55.324" v="516" actId="9405"/>
+        <pc:sldMkLst>
+          <pc:docMk/>
+          <pc:sldMk cId="739690071" sldId="256"/>
+        </pc:sldMkLst>
+        <pc:spChg chg="mod ord">
+          <ac:chgData name="Liam Driscoll" userId="5ea41ec7-39f4-4f21-9bfb-fdaf136f9dc4" providerId="ADAL" clId="{94102F98-C996-4647-A399-EDC1A2D5FD8F}" dt="2024-08-01T08:16:37.559" v="51" actId="700"/>
+          <ac:spMkLst>
+            <pc:docMk/>
+            <pc:sldMk cId="739690071" sldId="256"/>
+            <ac:spMk id="2" creationId="{288B1F70-7CC0-5336-C724-0D8A2512E2A6}"/>
+          </ac:spMkLst>
+        </pc:spChg>
+        <pc:spChg chg="add del mod ord">
+          <ac:chgData name="Liam Driscoll" userId="5ea41ec7-39f4-4f21-9bfb-fdaf136f9dc4" providerId="ADAL" clId="{94102F98-C996-4647-A399-EDC1A2D5FD8F}" dt="2024-08-01T08:16:27.570" v="48" actId="700"/>
+          <ac:spMkLst>
+            <pc:docMk/>
+            <pc:sldMk cId="739690071" sldId="256"/>
+            <ac:spMk id="3" creationId="{4CB0451B-FCD1-BE98-A4EA-D1556E871C66}"/>
+          </ac:spMkLst>
+        </pc:spChg>
+        <pc:spChg chg="add del mod ord">
+          <ac:chgData name="Liam Driscoll" userId="5ea41ec7-39f4-4f21-9bfb-fdaf136f9dc4" providerId="ADAL" clId="{94102F98-C996-4647-A399-EDC1A2D5FD8F}" dt="2024-08-01T08:16:37.559" v="51" actId="700"/>
+          <ac:spMkLst>
+            <pc:docMk/>
+            <pc:sldMk cId="739690071" sldId="256"/>
+            <ac:spMk id="4" creationId="{D40DCCF1-CB6E-50CB-9193-BFE3812D6D9C}"/>
+          </ac:spMkLst>
+        </pc:spChg>
+        <pc:spChg chg="add mod">
+          <ac:chgData name="Liam Driscoll" userId="5ea41ec7-39f4-4f21-9bfb-fdaf136f9dc4" providerId="ADAL" clId="{94102F98-C996-4647-A399-EDC1A2D5FD8F}" dt="2024-08-01T08:17:22.675" v="119" actId="1037"/>
+          <ac:spMkLst>
+            <pc:docMk/>
+            <pc:sldMk cId="739690071" sldId="256"/>
+            <ac:spMk id="5" creationId="{65A88138-2DF9-ABFD-FB1B-5AA2759989DC}"/>
+          </ac:spMkLst>
+        </pc:spChg>
+        <pc:spChg chg="add del">
+          <ac:chgData name="Liam Driscoll" userId="5ea41ec7-39f4-4f21-9bfb-fdaf136f9dc4" providerId="ADAL" clId="{94102F98-C996-4647-A399-EDC1A2D5FD8F}" dt="2024-08-01T08:16:37.559" v="51" actId="700"/>
+          <ac:spMkLst>
+            <pc:docMk/>
+            <pc:sldMk cId="739690071" sldId="256"/>
+            <ac:spMk id="7" creationId="{C3896A03-3945-419A-B66B-4EE266EDD152}"/>
+          </ac:spMkLst>
+        </pc:spChg>
+        <pc:spChg chg="add del">
+          <ac:chgData name="Liam Driscoll" userId="5ea41ec7-39f4-4f21-9bfb-fdaf136f9dc4" providerId="ADAL" clId="{94102F98-C996-4647-A399-EDC1A2D5FD8F}" dt="2024-08-01T08:16:37.559" v="51" actId="700"/>
+          <ac:spMkLst>
+            <pc:docMk/>
+            <pc:sldMk cId="739690071" sldId="256"/>
+            <ac:spMk id="9" creationId="{B34F5AD2-EDBD-4BBD-A55C-EAFFD0C7097A}"/>
+          </ac:spMkLst>
+        </pc:spChg>
+        <pc:spChg chg="add del">
+          <ac:chgData name="Liam Driscoll" userId="5ea41ec7-39f4-4f21-9bfb-fdaf136f9dc4" providerId="ADAL" clId="{94102F98-C996-4647-A399-EDC1A2D5FD8F}" dt="2024-08-01T08:16:37.559" v="51" actId="700"/>
+          <ac:spMkLst>
+            <pc:docMk/>
+            <pc:sldMk cId="739690071" sldId="256"/>
+            <ac:spMk id="11" creationId="{6832F003-FCA6-4CFB-A2EA-308F3AA257D1}"/>
+          </ac:spMkLst>
+        </pc:spChg>
+        <pc:grpChg chg="mod">
+          <ac:chgData name="Liam Driscoll" userId="5ea41ec7-39f4-4f21-9bfb-fdaf136f9dc4" providerId="ADAL" clId="{94102F98-C996-4647-A399-EDC1A2D5FD8F}" dt="2024-08-01T08:28:45.910" v="261"/>
+          <ac:grpSpMkLst>
+            <pc:docMk/>
+            <pc:sldMk cId="739690071" sldId="256"/>
+            <ac:grpSpMk id="10" creationId="{C02116A3-AE2D-07C8-3D39-159F56001EE5}"/>
+          </ac:grpSpMkLst>
+        </pc:grpChg>
+        <pc:grpChg chg="add del mod">
+          <ac:chgData name="Liam Driscoll" userId="5ea41ec7-39f4-4f21-9bfb-fdaf136f9dc4" providerId="ADAL" clId="{94102F98-C996-4647-A399-EDC1A2D5FD8F}" dt="2024-08-01T08:29:00.989" v="281"/>
+          <ac:grpSpMkLst>
+            <pc:docMk/>
+            <pc:sldMk cId="739690071" sldId="256"/>
+            <ac:grpSpMk id="17" creationId="{9FB65568-47EA-75D4-A6AC-482FE8A62532}"/>
+          </ac:grpSpMkLst>
+        </pc:grpChg>
+        <pc:grpChg chg="mod">
+          <ac:chgData name="Liam Driscoll" userId="5ea41ec7-39f4-4f21-9bfb-fdaf136f9dc4" providerId="ADAL" clId="{94102F98-C996-4647-A399-EDC1A2D5FD8F}" dt="2024-08-01T08:29:00.759" v="279"/>
+          <ac:grpSpMkLst>
+            <pc:docMk/>
+            <pc:sldMk cId="739690071" sldId="256"/>
+            <ac:grpSpMk id="20" creationId="{5C8F046D-C7CE-F46F-B807-DD42F8BD7E3F}"/>
+          </ac:grpSpMkLst>
+        </pc:grpChg>
+        <pc:grpChg chg="mod">
+          <ac:chgData name="Liam Driscoll" userId="5ea41ec7-39f4-4f21-9bfb-fdaf136f9dc4" providerId="ADAL" clId="{94102F98-C996-4647-A399-EDC1A2D5FD8F}" dt="2024-08-01T08:29:38.112" v="315"/>
+          <ac:grpSpMkLst>
+            <pc:docMk/>
+            <pc:sldMk cId="739690071" sldId="256"/>
+            <ac:grpSpMk id="38" creationId="{B9310F6A-6FDB-7C5C-9586-C86D16B4EB67}"/>
+          </ac:grpSpMkLst>
+        </pc:grpChg>
+        <pc:grpChg chg="mod">
+          <ac:chgData name="Liam Driscoll" userId="5ea41ec7-39f4-4f21-9bfb-fdaf136f9dc4" providerId="ADAL" clId="{94102F98-C996-4647-A399-EDC1A2D5FD8F}" dt="2024-08-01T08:29:58.639" v="342"/>
+          <ac:grpSpMkLst>
+            <pc:docMk/>
+            <pc:sldMk cId="739690071" sldId="256"/>
+            <ac:grpSpMk id="51" creationId="{E8CCA24C-8D25-500A-7F45-2E3D858F7ED5}"/>
+          </ac:grpSpMkLst>
+        </pc:grpChg>
+        <pc:grpChg chg="mod">
+          <ac:chgData name="Liam Driscoll" userId="5ea41ec7-39f4-4f21-9bfb-fdaf136f9dc4" providerId="ADAL" clId="{94102F98-C996-4647-A399-EDC1A2D5FD8F}" dt="2024-08-01T08:30:24.463" v="368"/>
+          <ac:grpSpMkLst>
+            <pc:docMk/>
+            <pc:sldMk cId="739690071" sldId="256"/>
+            <ac:grpSpMk id="65" creationId="{D93E99D6-8B8D-A9A3-3D3E-DCE12F3D9342}"/>
+          </ac:grpSpMkLst>
+        </pc:grpChg>
+        <pc:grpChg chg="mod">
+          <ac:chgData name="Liam Driscoll" userId="5ea41ec7-39f4-4f21-9bfb-fdaf136f9dc4" providerId="ADAL" clId="{94102F98-C996-4647-A399-EDC1A2D5FD8F}" dt="2024-08-01T08:41:32.542" v="378"/>
+          <ac:grpSpMkLst>
+            <pc:docMk/>
+            <pc:sldMk cId="739690071" sldId="256"/>
+            <ac:grpSpMk id="70" creationId="{C3CD352B-2B6C-0EE2-DE4D-DD1E1DB46262}"/>
+          </ac:grpSpMkLst>
+        </pc:grpChg>
+        <pc:grpChg chg="add del mod">
+          <ac:chgData name="Liam Driscoll" userId="5ea41ec7-39f4-4f21-9bfb-fdaf136f9dc4" providerId="ADAL" clId="{94102F98-C996-4647-A399-EDC1A2D5FD8F}" dt="2024-08-01T08:43:39.545" v="476"/>
+          <ac:grpSpMkLst>
+            <pc:docMk/>
+            <pc:sldMk cId="739690071" sldId="256"/>
+            <ac:grpSpMk id="76" creationId="{C28FD143-A262-C715-E271-8C9D474813F9}"/>
+          </ac:grpSpMkLst>
+        </pc:grpChg>
+        <pc:grpChg chg="mod">
+          <ac:chgData name="Liam Driscoll" userId="5ea41ec7-39f4-4f21-9bfb-fdaf136f9dc4" providerId="ADAL" clId="{94102F98-C996-4647-A399-EDC1A2D5FD8F}" dt="2024-08-01T08:42:25.408" v="424"/>
+          <ac:grpSpMkLst>
+            <pc:docMk/>
+            <pc:sldMk cId="739690071" sldId="256"/>
+            <ac:grpSpMk id="94" creationId="{1291F27D-0697-8E3A-E1C4-5D742B7B6DF2}"/>
+          </ac:grpSpMkLst>
+        </pc:grpChg>
+        <pc:grpChg chg="mod">
+          <ac:chgData name="Liam Driscoll" userId="5ea41ec7-39f4-4f21-9bfb-fdaf136f9dc4" providerId="ADAL" clId="{94102F98-C996-4647-A399-EDC1A2D5FD8F}" dt="2024-08-01T08:44:26.356" v="507"/>
+          <ac:grpSpMkLst>
+            <pc:docMk/>
+            <pc:sldMk cId="739690071" sldId="256"/>
+            <ac:grpSpMk id="135" creationId="{C413E7EA-9907-C0D9-E426-FEEAFB4F42C3}"/>
+          </ac:grpSpMkLst>
+        </pc:grpChg>
+        <pc:inkChg chg="add del mod">
+          <ac:chgData name="Liam Driscoll" userId="5ea41ec7-39f4-4f21-9bfb-fdaf136f9dc4" providerId="ADAL" clId="{94102F98-C996-4647-A399-EDC1A2D5FD8F}" dt="2024-08-01T08:28:46.399" v="262" actId="9405"/>
+          <ac:inkMkLst>
+            <pc:docMk/>
+            <pc:sldMk cId="739690071" sldId="256"/>
+            <ac:inkMk id="6" creationId="{8714E3FD-6D9B-EFED-795D-B34FD67720EF}"/>
+          </ac:inkMkLst>
+        </pc:inkChg>
+        <pc:inkChg chg="add del mod">
+          <ac:chgData name="Liam Driscoll" userId="5ea41ec7-39f4-4f21-9bfb-fdaf136f9dc4" providerId="ADAL" clId="{94102F98-C996-4647-A399-EDC1A2D5FD8F}" dt="2024-08-01T08:28:45.910" v="261"/>
+          <ac:inkMkLst>
+            <pc:docMk/>
+            <pc:sldMk cId="739690071" sldId="256"/>
+            <ac:inkMk id="8" creationId="{EED70BAA-C0B8-C532-903A-C5A4499D6755}"/>
+          </ac:inkMkLst>
+        </pc:inkChg>
+        <pc:inkChg chg="add del mod">
+          <ac:chgData name="Liam Driscoll" userId="5ea41ec7-39f4-4f21-9bfb-fdaf136f9dc4" providerId="ADAL" clId="{94102F98-C996-4647-A399-EDC1A2D5FD8F}" dt="2024-08-01T08:29:01.430" v="282" actId="9405"/>
+          <ac:inkMkLst>
+            <pc:docMk/>
+            <pc:sldMk cId="739690071" sldId="256"/>
+            <ac:inkMk id="12" creationId="{C9E934E5-885D-88FC-7D6A-343D79C5BEFE}"/>
+          </ac:inkMkLst>
+        </pc:inkChg>
+        <pc:inkChg chg="add del">
+          <ac:chgData name="Liam Driscoll" userId="5ea41ec7-39f4-4f21-9bfb-fdaf136f9dc4" providerId="ADAL" clId="{94102F98-C996-4647-A399-EDC1A2D5FD8F}" dt="2024-08-01T08:28:52.474" v="267" actId="9405"/>
+          <ac:inkMkLst>
+            <pc:docMk/>
+            <pc:sldMk cId="739690071" sldId="256"/>
+            <ac:inkMk id="13" creationId="{F8EDAB6D-7365-2B30-0EEA-E1BE86482828}"/>
+          </ac:inkMkLst>
+        </pc:inkChg>
+        <pc:inkChg chg="add del">
+          <ac:chgData name="Liam Driscoll" userId="5ea41ec7-39f4-4f21-9bfb-fdaf136f9dc4" providerId="ADAL" clId="{94102F98-C996-4647-A399-EDC1A2D5FD8F}" dt="2024-08-01T08:28:52.075" v="266" actId="9405"/>
+          <ac:inkMkLst>
+            <pc:docMk/>
+            <pc:sldMk cId="739690071" sldId="256"/>
+            <ac:inkMk id="14" creationId="{8ED62538-321D-3F13-1CDF-D6D612C07F07}"/>
+          </ac:inkMkLst>
+        </pc:inkChg>
+        <pc:inkChg chg="add del mod">
+          <ac:chgData name="Liam Driscoll" userId="5ea41ec7-39f4-4f21-9bfb-fdaf136f9dc4" providerId="ADAL" clId="{94102F98-C996-4647-A399-EDC1A2D5FD8F}" dt="2024-08-01T08:29:00.989" v="281"/>
+          <ac:inkMkLst>
+            <pc:docMk/>
+            <pc:sldMk cId="739690071" sldId="256"/>
+            <ac:inkMk id="15" creationId="{E8B08B44-F0C8-B445-6687-8F83B9789558}"/>
+          </ac:inkMkLst>
+        </pc:inkChg>
+        <pc:inkChg chg="add del">
+          <ac:chgData name="Liam Driscoll" userId="5ea41ec7-39f4-4f21-9bfb-fdaf136f9dc4" providerId="ADAL" clId="{94102F98-C996-4647-A399-EDC1A2D5FD8F}" dt="2024-08-01T08:28:54.821" v="270" actId="9405"/>
+          <ac:inkMkLst>
+            <pc:docMk/>
+            <pc:sldMk cId="739690071" sldId="256"/>
+            <ac:inkMk id="16" creationId="{40D6C503-068D-78D9-4217-0845B09EC28A}"/>
+          </ac:inkMkLst>
+        </pc:inkChg>
+        <pc:inkChg chg="add del mod">
+          <ac:chgData name="Liam Driscoll" userId="5ea41ec7-39f4-4f21-9bfb-fdaf136f9dc4" providerId="ADAL" clId="{94102F98-C996-4647-A399-EDC1A2D5FD8F}" dt="2024-08-01T08:29:00.759" v="279"/>
+          <ac:inkMkLst>
+            <pc:docMk/>
+            <pc:sldMk cId="739690071" sldId="256"/>
+            <ac:inkMk id="18" creationId="{0008D456-1224-4FB9-2342-E2F3173F9207}"/>
+          </ac:inkMkLst>
+        </pc:inkChg>
+        <pc:inkChg chg="add del">
+          <ac:chgData name="Liam Driscoll" userId="5ea41ec7-39f4-4f21-9bfb-fdaf136f9dc4" providerId="ADAL" clId="{94102F98-C996-4647-A399-EDC1A2D5FD8F}" dt="2024-08-01T08:28:58.492" v="274" actId="9405"/>
+          <ac:inkMkLst>
+            <pc:docMk/>
+            <pc:sldMk cId="739690071" sldId="256"/>
+            <ac:inkMk id="19" creationId="{794D8068-6C55-9FAE-8B4B-DC2C1DB2417D}"/>
+          </ac:inkMkLst>
+        </pc:inkChg>
+        <pc:inkChg chg="add del">
+          <ac:chgData name="Liam Driscoll" userId="5ea41ec7-39f4-4f21-9bfb-fdaf136f9dc4" providerId="ADAL" clId="{94102F98-C996-4647-A399-EDC1A2D5FD8F}" dt="2024-08-01T08:29:00.525" v="277" actId="9405"/>
+          <ac:inkMkLst>
+            <pc:docMk/>
+            <pc:sldMk cId="739690071" sldId="256"/>
+            <ac:inkMk id="21" creationId="{7E2BD399-2B5D-EB09-9432-3A16D182EB98}"/>
+          </ac:inkMkLst>
+        </pc:inkChg>
+        <pc:inkChg chg="add del">
+          <ac:chgData name="Liam Driscoll" userId="5ea41ec7-39f4-4f21-9bfb-fdaf136f9dc4" providerId="ADAL" clId="{94102F98-C996-4647-A399-EDC1A2D5FD8F}" dt="2024-08-01T08:29:04.678" v="284" actId="9405"/>
+          <ac:inkMkLst>
+            <pc:docMk/>
+            <pc:sldMk cId="739690071" sldId="256"/>
+            <ac:inkMk id="22" creationId="{3ADF616C-13A8-7B4C-B4A7-B950B5B043C7}"/>
+          </ac:inkMkLst>
+        </pc:inkChg>
+        <pc:inkChg chg="add del">
+          <ac:chgData name="Liam Driscoll" userId="5ea41ec7-39f4-4f21-9bfb-fdaf136f9dc4" providerId="ADAL" clId="{94102F98-C996-4647-A399-EDC1A2D5FD8F}" dt="2024-08-01T08:29:06.408" v="286" actId="9405"/>
+          <ac:inkMkLst>
+            <pc:docMk/>
+            <pc:sldMk cId="739690071" sldId="256"/>
+            <ac:inkMk id="23" creationId="{D589F6BB-B6D8-7786-16B5-B7EA17239A14}"/>
+          </ac:inkMkLst>
+        </pc:inkChg>
+        <pc:inkChg chg="add del">
+          <ac:chgData name="Liam Driscoll" userId="5ea41ec7-39f4-4f21-9bfb-fdaf136f9dc4" providerId="ADAL" clId="{94102F98-C996-4647-A399-EDC1A2D5FD8F}" dt="2024-08-01T08:29:09.900" v="288" actId="9405"/>
+          <ac:inkMkLst>
+            <pc:docMk/>
+            <pc:sldMk cId="739690071" sldId="256"/>
+            <ac:inkMk id="24" creationId="{190B55A8-400B-B3A9-AD03-6A0B039C3960}"/>
+          </ac:inkMkLst>
+        </pc:inkChg>
+        <pc:inkChg chg="add del">
+          <ac:chgData name="Liam Driscoll" userId="5ea41ec7-39f4-4f21-9bfb-fdaf136f9dc4" providerId="ADAL" clId="{94102F98-C996-4647-A399-EDC1A2D5FD8F}" dt="2024-08-01T08:29:12.877" v="290" actId="9405"/>
+          <ac:inkMkLst>
+            <pc:docMk/>
+            <pc:sldMk cId="739690071" sldId="256"/>
+            <ac:inkMk id="25" creationId="{B90E43F9-D15A-BDD4-E183-93D8E2385604}"/>
+          </ac:inkMkLst>
+        </pc:inkChg>
+        <pc:inkChg chg="add del">
+          <ac:chgData name="Liam Driscoll" userId="5ea41ec7-39f4-4f21-9bfb-fdaf136f9dc4" providerId="ADAL" clId="{94102F98-C996-4647-A399-EDC1A2D5FD8F}" dt="2024-08-01T08:29:17.286" v="292" actId="9405"/>
+          <ac:inkMkLst>
+            <pc:docMk/>
+            <pc:sldMk cId="739690071" sldId="256"/>
+            <ac:inkMk id="26" creationId="{1EB59F25-5D4C-78FA-0DB7-3FA4094CCA78}"/>
+          </ac:inkMkLst>
+        </pc:inkChg>
+        <pc:inkChg chg="add del">
+          <ac:chgData name="Liam Driscoll" userId="5ea41ec7-39f4-4f21-9bfb-fdaf136f9dc4" providerId="ADAL" clId="{94102F98-C996-4647-A399-EDC1A2D5FD8F}" dt="2024-08-01T08:29:20.125" v="294" actId="9405"/>
+          <ac:inkMkLst>
+            <pc:docMk/>
+            <pc:sldMk cId="739690071" sldId="256"/>
+            <ac:inkMk id="27" creationId="{0F7A0286-66A7-E3EE-83FE-B376002C0BED}"/>
+          </ac:inkMkLst>
+        </pc:inkChg>
+        <pc:inkChg chg="add del">
+          <ac:chgData name="Liam Driscoll" userId="5ea41ec7-39f4-4f21-9bfb-fdaf136f9dc4" providerId="ADAL" clId="{94102F98-C996-4647-A399-EDC1A2D5FD8F}" dt="2024-08-01T08:29:21.809" v="296" actId="9405"/>
+          <ac:inkMkLst>
+            <pc:docMk/>
+            <pc:sldMk cId="739690071" sldId="256"/>
+            <ac:inkMk id="28" creationId="{CA1D547B-55A2-4989-397F-EBBA7E3A8915}"/>
+          </ac:inkMkLst>
+        </pc:inkChg>
+        <pc:inkChg chg="add del">
+          <ac:chgData name="Liam Driscoll" userId="5ea41ec7-39f4-4f21-9bfb-fdaf136f9dc4" providerId="ADAL" clId="{94102F98-C996-4647-A399-EDC1A2D5FD8F}" dt="2024-08-01T08:29:23.246" v="298" actId="9405"/>
+          <ac:inkMkLst>
+            <pc:docMk/>
+            <pc:sldMk cId="739690071" sldId="256"/>
+            <ac:inkMk id="29" creationId="{1128D145-20FB-222A-CABF-B733C6C258E8}"/>
+          </ac:inkMkLst>
+        </pc:inkChg>
+        <pc:inkChg chg="add del">
+          <ac:chgData name="Liam Driscoll" userId="5ea41ec7-39f4-4f21-9bfb-fdaf136f9dc4" providerId="ADAL" clId="{94102F98-C996-4647-A399-EDC1A2D5FD8F}" dt="2024-08-01T08:29:24.708" v="300" actId="9405"/>
+          <ac:inkMkLst>
+            <pc:docMk/>
+            <pc:sldMk cId="739690071" sldId="256"/>
+            <ac:inkMk id="30" creationId="{DAC98AF9-E801-88EB-2B45-B49F0C83D5D1}"/>
+          </ac:inkMkLst>
+        </pc:inkChg>
+        <pc:inkChg chg="add del">
+          <ac:chgData name="Liam Driscoll" userId="5ea41ec7-39f4-4f21-9bfb-fdaf136f9dc4" providerId="ADAL" clId="{94102F98-C996-4647-A399-EDC1A2D5FD8F}" dt="2024-08-01T08:29:28.824" v="302" actId="9405"/>
+          <ac:inkMkLst>
+            <pc:docMk/>
+            <pc:sldMk cId="739690071" sldId="256"/>
+            <ac:inkMk id="31" creationId="{688088A0-A41D-4AAE-73CF-66675994CFF4}"/>
+          </ac:inkMkLst>
+        </pc:inkChg>
+        <pc:inkChg chg="add del">
+          <ac:chgData name="Liam Driscoll" userId="5ea41ec7-39f4-4f21-9bfb-fdaf136f9dc4" providerId="ADAL" clId="{94102F98-C996-4647-A399-EDC1A2D5FD8F}" dt="2024-08-01T08:29:31.120" v="304" actId="9405"/>
+          <ac:inkMkLst>
+            <pc:docMk/>
+            <pc:sldMk cId="739690071" sldId="256"/>
+            <ac:inkMk id="32" creationId="{D045115F-24E0-BCD5-5E08-2A822E89F95D}"/>
+          </ac:inkMkLst>
+        </pc:inkChg>
+        <pc:inkChg chg="add del">
+          <ac:chgData name="Liam Driscoll" userId="5ea41ec7-39f4-4f21-9bfb-fdaf136f9dc4" providerId="ADAL" clId="{94102F98-C996-4647-A399-EDC1A2D5FD8F}" dt="2024-08-01T08:29:32.556" v="306" actId="9405"/>
+          <ac:inkMkLst>
+            <pc:docMk/>
+            <pc:sldMk cId="739690071" sldId="256"/>
+            <ac:inkMk id="33" creationId="{F70CE784-E844-3417-97E4-21070E8FCCAF}"/>
+          </ac:inkMkLst>
+        </pc:inkChg>
+        <pc:inkChg chg="add del">
+          <ac:chgData name="Liam Driscoll" userId="5ea41ec7-39f4-4f21-9bfb-fdaf136f9dc4" providerId="ADAL" clId="{94102F98-C996-4647-A399-EDC1A2D5FD8F}" dt="2024-08-01T08:29:34.116" v="308" actId="9405"/>
+          <ac:inkMkLst>
+            <pc:docMk/>
+            <pc:sldMk cId="739690071" sldId="256"/>
+            <ac:inkMk id="34" creationId="{681E4B86-48A3-39C8-DE7F-92ECA36ACB3C}"/>
+          </ac:inkMkLst>
+        </pc:inkChg>
+        <pc:inkChg chg="add del mod">
+          <ac:chgData name="Liam Driscoll" userId="5ea41ec7-39f4-4f21-9bfb-fdaf136f9dc4" providerId="ADAL" clId="{94102F98-C996-4647-A399-EDC1A2D5FD8F}" dt="2024-08-01T08:30:28.821" v="372" actId="9405"/>
+          <ac:inkMkLst>
+            <pc:docMk/>
+            <pc:sldMk cId="739690071" sldId="256"/>
+            <ac:inkMk id="35" creationId="{8F74E87C-9564-07F7-51EC-F2420C9379C9}"/>
+          </ac:inkMkLst>
+        </pc:inkChg>
+        <pc:inkChg chg="add del mod">
+          <ac:chgData name="Liam Driscoll" userId="5ea41ec7-39f4-4f21-9bfb-fdaf136f9dc4" providerId="ADAL" clId="{94102F98-C996-4647-A399-EDC1A2D5FD8F}" dt="2024-08-01T08:29:38.112" v="315"/>
+          <ac:inkMkLst>
+            <pc:docMk/>
+            <pc:sldMk cId="739690071" sldId="256"/>
+            <ac:inkMk id="36" creationId="{62AE8A11-4CB7-1628-35AA-4E01FD4FF00A}"/>
+          </ac:inkMkLst>
+        </pc:inkChg>
+        <pc:inkChg chg="add del">
+          <ac:chgData name="Liam Driscoll" userId="5ea41ec7-39f4-4f21-9bfb-fdaf136f9dc4" providerId="ADAL" clId="{94102F98-C996-4647-A399-EDC1A2D5FD8F}" dt="2024-08-01T08:29:37.782" v="312" actId="9405"/>
+          <ac:inkMkLst>
+            <pc:docMk/>
+            <pc:sldMk cId="739690071" sldId="256"/>
+            <ac:inkMk id="37" creationId="{7FD4409F-5E35-4D62-DF52-92F501E035AF}"/>
+          </ac:inkMkLst>
+        </pc:inkChg>
+        <pc:inkChg chg="add del">
+          <ac:chgData name="Liam Driscoll" userId="5ea41ec7-39f4-4f21-9bfb-fdaf136f9dc4" providerId="ADAL" clId="{94102F98-C996-4647-A399-EDC1A2D5FD8F}" dt="2024-08-01T08:29:39.619" v="317" actId="9405"/>
+          <ac:inkMkLst>
+            <pc:docMk/>
+            <pc:sldMk cId="739690071" sldId="256"/>
+            <ac:inkMk id="39" creationId="{FF2069B4-AC8F-4AA5-B5DB-F2B643F63C5E}"/>
+          </ac:inkMkLst>
+        </pc:inkChg>
+        <pc:inkChg chg="add del">
+          <ac:chgData name="Liam Driscoll" userId="5ea41ec7-39f4-4f21-9bfb-fdaf136f9dc4" providerId="ADAL" clId="{94102F98-C996-4647-A399-EDC1A2D5FD8F}" dt="2024-08-01T08:29:41.745" v="321" actId="9405"/>
+          <ac:inkMkLst>
+            <pc:docMk/>
+            <pc:sldMk cId="739690071" sldId="256"/>
+            <ac:inkMk id="40" creationId="{29CF6FF3-76DE-1F33-E112-E773CD3D9712}"/>
+          </ac:inkMkLst>
+        </pc:inkChg>
+        <pc:inkChg chg="add del">
+          <ac:chgData name="Liam Driscoll" userId="5ea41ec7-39f4-4f21-9bfb-fdaf136f9dc4" providerId="ADAL" clId="{94102F98-C996-4647-A399-EDC1A2D5FD8F}" dt="2024-08-01T08:29:41.126" v="320" actId="9405"/>
+          <ac:inkMkLst>
+            <pc:docMk/>
+            <pc:sldMk cId="739690071" sldId="256"/>
+            <ac:inkMk id="41" creationId="{CE120EE0-67F3-573C-CC2E-9BA7DD59DD19}"/>
+          </ac:inkMkLst>
+        </pc:inkChg>
+        <pc:inkChg chg="add del">
+          <ac:chgData name="Liam Driscoll" userId="5ea41ec7-39f4-4f21-9bfb-fdaf136f9dc4" providerId="ADAL" clId="{94102F98-C996-4647-A399-EDC1A2D5FD8F}" dt="2024-08-01T08:29:43.166" v="323" actId="9405"/>
+          <ac:inkMkLst>
+            <pc:docMk/>
+            <pc:sldMk cId="739690071" sldId="256"/>
+            <ac:inkMk id="42" creationId="{279B10A0-EDBE-CAB8-F6F5-197030879F1E}"/>
+          </ac:inkMkLst>
+        </pc:inkChg>
+        <pc:inkChg chg="add del">
+          <ac:chgData name="Liam Driscoll" userId="5ea41ec7-39f4-4f21-9bfb-fdaf136f9dc4" providerId="ADAL" clId="{94102F98-C996-4647-A399-EDC1A2D5FD8F}" dt="2024-08-01T08:29:48.541" v="327" actId="9405"/>
+          <ac:inkMkLst>
+            <pc:docMk/>
+            <pc:sldMk cId="739690071" sldId="256"/>
+            <ac:inkMk id="43" creationId="{5DF5E730-E338-80F7-D7B9-54818CDCFE02}"/>
+          </ac:inkMkLst>
+        </pc:inkChg>
+        <pc:inkChg chg="add del">
+          <ac:chgData name="Liam Driscoll" userId="5ea41ec7-39f4-4f21-9bfb-fdaf136f9dc4" providerId="ADAL" clId="{94102F98-C996-4647-A399-EDC1A2D5FD8F}" dt="2024-08-01T08:29:46.436" v="326" actId="9405"/>
+          <ac:inkMkLst>
+            <pc:docMk/>
+            <pc:sldMk cId="739690071" sldId="256"/>
+            <ac:inkMk id="44" creationId="{E85B8EA6-C16E-3DAE-C924-C2F96AE8759D}"/>
+          </ac:inkMkLst>
+        </pc:inkChg>
+        <pc:inkChg chg="add del">
+          <ac:chgData name="Liam Driscoll" userId="5ea41ec7-39f4-4f21-9bfb-fdaf136f9dc4" providerId="ADAL" clId="{94102F98-C996-4647-A399-EDC1A2D5FD8F}" dt="2024-08-01T08:29:50.964" v="331" actId="9405"/>
+          <ac:inkMkLst>
+            <pc:docMk/>
+            <pc:sldMk cId="739690071" sldId="256"/>
+            <ac:inkMk id="45" creationId="{AF1750EC-4872-8306-40FC-79AE3F7030EC}"/>
+          </ac:inkMkLst>
+        </pc:inkChg>
+        <pc:inkChg chg="add del">
+          <ac:chgData name="Liam Driscoll" userId="5ea41ec7-39f4-4f21-9bfb-fdaf136f9dc4" providerId="ADAL" clId="{94102F98-C996-4647-A399-EDC1A2D5FD8F}" dt="2024-08-01T08:29:50.615" v="330" actId="9405"/>
+          <ac:inkMkLst>
+            <pc:docMk/>
+            <pc:sldMk cId="739690071" sldId="256"/>
+            <ac:inkMk id="46" creationId="{7CE98814-D132-4CAB-F909-E5D678EE8E72}"/>
+          </ac:inkMkLst>
+        </pc:inkChg>
+        <pc:inkChg chg="add del">
+          <ac:chgData name="Liam Driscoll" userId="5ea41ec7-39f4-4f21-9bfb-fdaf136f9dc4" providerId="ADAL" clId="{94102F98-C996-4647-A399-EDC1A2D5FD8F}" dt="2024-08-01T08:29:53.437" v="335" actId="9405"/>
+          <ac:inkMkLst>
+            <pc:docMk/>
+            <pc:sldMk cId="739690071" sldId="256"/>
+            <ac:inkMk id="47" creationId="{C7B594FA-3AD1-9CF0-63FB-3288C86CDCB9}"/>
+          </ac:inkMkLst>
+        </pc:inkChg>
+        <pc:inkChg chg="add del">
+          <ac:chgData name="Liam Driscoll" userId="5ea41ec7-39f4-4f21-9bfb-fdaf136f9dc4" providerId="ADAL" clId="{94102F98-C996-4647-A399-EDC1A2D5FD8F}" dt="2024-08-01T08:29:53.046" v="334" actId="9405"/>
+          <ac:inkMkLst>
+            <pc:docMk/>
+            <pc:sldMk cId="739690071" sldId="256"/>
+            <ac:inkMk id="48" creationId="{171481C5-F7D2-ED15-923F-D5EC716DFC58}"/>
+          </ac:inkMkLst>
+        </pc:inkChg>
+        <pc:inkChg chg="add del mod">
+          <ac:chgData name="Liam Driscoll" userId="5ea41ec7-39f4-4f21-9bfb-fdaf136f9dc4" providerId="ADAL" clId="{94102F98-C996-4647-A399-EDC1A2D5FD8F}" dt="2024-08-01T08:29:58.965" v="343" actId="9405"/>
+          <ac:inkMkLst>
+            <pc:docMk/>
+            <pc:sldMk cId="739690071" sldId="256"/>
+            <ac:inkMk id="49" creationId="{30168B37-4D6B-2BDB-8307-3E9676BCC0B9}"/>
+          </ac:inkMkLst>
+        </pc:inkChg>
+        <pc:inkChg chg="add del mod">
+          <ac:chgData name="Liam Driscoll" userId="5ea41ec7-39f4-4f21-9bfb-fdaf136f9dc4" providerId="ADAL" clId="{94102F98-C996-4647-A399-EDC1A2D5FD8F}" dt="2024-08-01T08:29:58.639" v="342"/>
+          <ac:inkMkLst>
+            <pc:docMk/>
+            <pc:sldMk cId="739690071" sldId="256"/>
+            <ac:inkMk id="50" creationId="{5B359332-E000-0251-AABB-B41F4E537191}"/>
+          </ac:inkMkLst>
+        </pc:inkChg>
+        <pc:inkChg chg="add del">
+          <ac:chgData name="Liam Driscoll" userId="5ea41ec7-39f4-4f21-9bfb-fdaf136f9dc4" providerId="ADAL" clId="{94102F98-C996-4647-A399-EDC1A2D5FD8F}" dt="2024-08-01T08:29:58.150" v="340" actId="9405"/>
+          <ac:inkMkLst>
+            <pc:docMk/>
+            <pc:sldMk cId="739690071" sldId="256"/>
+            <ac:inkMk id="52" creationId="{9E714054-2E4B-7148-6639-8692295EABAE}"/>
+          </ac:inkMkLst>
+        </pc:inkChg>
+        <pc:inkChg chg="add del">
+          <ac:chgData name="Liam Driscoll" userId="5ea41ec7-39f4-4f21-9bfb-fdaf136f9dc4" providerId="ADAL" clId="{94102F98-C996-4647-A399-EDC1A2D5FD8F}" dt="2024-08-01T08:30:00.748" v="345" actId="9405"/>
+          <ac:inkMkLst>
+            <pc:docMk/>
+            <pc:sldMk cId="739690071" sldId="256"/>
+            <ac:inkMk id="53" creationId="{3EC0D150-1E5E-1371-CB16-E1D2D33E66E6}"/>
+          </ac:inkMkLst>
+        </pc:inkChg>
+        <pc:inkChg chg="add del">
+          <ac:chgData name="Liam Driscoll" userId="5ea41ec7-39f4-4f21-9bfb-fdaf136f9dc4" providerId="ADAL" clId="{94102F98-C996-4647-A399-EDC1A2D5FD8F}" dt="2024-08-01T08:30:03.086" v="349" actId="9405"/>
+          <ac:inkMkLst>
+            <pc:docMk/>
+            <pc:sldMk cId="739690071" sldId="256"/>
+            <ac:inkMk id="54" creationId="{A1B3580F-C756-8CCA-1ED2-6B09956C381C}"/>
+          </ac:inkMkLst>
+        </pc:inkChg>
+        <pc:inkChg chg="add del">
+          <ac:chgData name="Liam Driscoll" userId="5ea41ec7-39f4-4f21-9bfb-fdaf136f9dc4" providerId="ADAL" clId="{94102F98-C996-4647-A399-EDC1A2D5FD8F}" dt="2024-08-01T08:30:02.790" v="348" actId="9405"/>
+          <ac:inkMkLst>
+            <pc:docMk/>
+            <pc:sldMk cId="739690071" sldId="256"/>
+            <ac:inkMk id="55" creationId="{0D320B30-47B4-CFBB-CADE-262827CD5C6E}"/>
+          </ac:inkMkLst>
+        </pc:inkChg>
+        <pc:inkChg chg="add del">
+          <ac:chgData name="Liam Driscoll" userId="5ea41ec7-39f4-4f21-9bfb-fdaf136f9dc4" providerId="ADAL" clId="{94102F98-C996-4647-A399-EDC1A2D5FD8F}" dt="2024-08-01T08:30:05.309" v="353" actId="9405"/>
+          <ac:inkMkLst>
+            <pc:docMk/>
+            <pc:sldMk cId="739690071" sldId="256"/>
+            <ac:inkMk id="56" creationId="{A8FE1E04-16C0-3673-2E48-914ED07BFCAD}"/>
+          </ac:inkMkLst>
+        </pc:inkChg>
+        <pc:inkChg chg="add del">
+          <ac:chgData name="Liam Driscoll" userId="5ea41ec7-39f4-4f21-9bfb-fdaf136f9dc4" providerId="ADAL" clId="{94102F98-C996-4647-A399-EDC1A2D5FD8F}" dt="2024-08-01T08:30:05.076" v="352" actId="9405"/>
+          <ac:inkMkLst>
+            <pc:docMk/>
+            <pc:sldMk cId="739690071" sldId="256"/>
+            <ac:inkMk id="57" creationId="{43083E36-D1A8-9FC8-4B98-A03E51EC7EF1}"/>
+          </ac:inkMkLst>
+        </pc:inkChg>
+        <pc:inkChg chg="add del">
+          <ac:chgData name="Liam Driscoll" userId="5ea41ec7-39f4-4f21-9bfb-fdaf136f9dc4" providerId="ADAL" clId="{94102F98-C996-4647-A399-EDC1A2D5FD8F}" dt="2024-08-01T08:30:10.301" v="359" actId="9405"/>
+          <ac:inkMkLst>
+            <pc:docMk/>
+            <pc:sldMk cId="739690071" sldId="256"/>
+            <ac:inkMk id="58" creationId="{0A7AA3E5-00E2-5DF6-BF8F-3D11A3EE887A}"/>
+          </ac:inkMkLst>
+        </pc:inkChg>
+        <pc:inkChg chg="add del">
+          <ac:chgData name="Liam Driscoll" userId="5ea41ec7-39f4-4f21-9bfb-fdaf136f9dc4" providerId="ADAL" clId="{94102F98-C996-4647-A399-EDC1A2D5FD8F}" dt="2024-08-01T08:30:08.151" v="356" actId="9405"/>
+          <ac:inkMkLst>
+            <pc:docMk/>
+            <pc:sldMk cId="739690071" sldId="256"/>
+            <ac:inkMk id="59" creationId="{059DC3AD-F6C1-1A7E-B9EC-8C4A726BD206}"/>
+          </ac:inkMkLst>
+        </pc:inkChg>
+        <pc:inkChg chg="add del">
+          <ac:chgData name="Liam Driscoll" userId="5ea41ec7-39f4-4f21-9bfb-fdaf136f9dc4" providerId="ADAL" clId="{94102F98-C996-4647-A399-EDC1A2D5FD8F}" dt="2024-08-01T08:30:09.941" v="358" actId="9405"/>
+          <ac:inkMkLst>
+            <pc:docMk/>
+            <pc:sldMk cId="739690071" sldId="256"/>
+            <ac:inkMk id="60" creationId="{DEA233D4-A9C7-F013-5A99-6D55249E7998}"/>
+          </ac:inkMkLst>
+        </pc:inkChg>
+        <pc:inkChg chg="add del">
+          <ac:chgData name="Liam Driscoll" userId="5ea41ec7-39f4-4f21-9bfb-fdaf136f9dc4" providerId="ADAL" clId="{94102F98-C996-4647-A399-EDC1A2D5FD8F}" dt="2024-08-01T08:30:11.431" v="361" actId="9405"/>
+          <ac:inkMkLst>
+            <pc:docMk/>
+            <pc:sldMk cId="739690071" sldId="256"/>
+            <ac:inkMk id="61" creationId="{DF0D99EE-70F4-2739-2542-882DBD0E8CEC}"/>
+          </ac:inkMkLst>
+        </pc:inkChg>
+        <pc:inkChg chg="add del">
+          <ac:chgData name="Liam Driscoll" userId="5ea41ec7-39f4-4f21-9bfb-fdaf136f9dc4" providerId="ADAL" clId="{94102F98-C996-4647-A399-EDC1A2D5FD8F}" dt="2024-08-01T08:30:12.407" v="363" actId="9405"/>
+          <ac:inkMkLst>
+            <pc:docMk/>
+            <pc:sldMk cId="739690071" sldId="256"/>
+            <ac:inkMk id="62" creationId="{62BE284A-6DE7-D4B3-C216-99A0262B2E57}"/>
+          </ac:inkMkLst>
+        </pc:inkChg>
+        <pc:inkChg chg="add del mod">
+          <ac:chgData name="Liam Driscoll" userId="5ea41ec7-39f4-4f21-9bfb-fdaf136f9dc4" providerId="ADAL" clId="{94102F98-C996-4647-A399-EDC1A2D5FD8F}" dt="2024-08-01T08:30:27.645" v="371" actId="9405"/>
+          <ac:inkMkLst>
+            <pc:docMk/>
+            <pc:sldMk cId="739690071" sldId="256"/>
+            <ac:inkMk id="63" creationId="{91F29B74-E757-4552-E858-B652C5A187E2}"/>
+          </ac:inkMkLst>
+        </pc:inkChg>
+        <pc:inkChg chg="add del mod">
+          <ac:chgData name="Liam Driscoll" userId="5ea41ec7-39f4-4f21-9bfb-fdaf136f9dc4" providerId="ADAL" clId="{94102F98-C996-4647-A399-EDC1A2D5FD8F}" dt="2024-08-01T08:30:24.463" v="368"/>
+          <ac:inkMkLst>
+            <pc:docMk/>
+            <pc:sldMk cId="739690071" sldId="256"/>
+            <ac:inkMk id="64" creationId="{7F7C7E55-9D9F-014A-6626-64C8785B49E8}"/>
+          </ac:inkMkLst>
+        </pc:inkChg>
+        <pc:inkChg chg="add del">
+          <ac:chgData name="Liam Driscoll" userId="5ea41ec7-39f4-4f21-9bfb-fdaf136f9dc4" providerId="ADAL" clId="{94102F98-C996-4647-A399-EDC1A2D5FD8F}" dt="2024-08-01T08:30:27.285" v="370" actId="9405"/>
+          <ac:inkMkLst>
+            <pc:docMk/>
+            <pc:sldMk cId="739690071" sldId="256"/>
+            <ac:inkMk id="66" creationId="{1608E2D4-28EC-E8A9-2854-A9C1A0A0B1E9}"/>
+          </ac:inkMkLst>
+        </pc:inkChg>
+        <pc:inkChg chg="add del mod">
+          <ac:chgData name="Liam Driscoll" userId="5ea41ec7-39f4-4f21-9bfb-fdaf136f9dc4" providerId="ADAL" clId="{94102F98-C996-4647-A399-EDC1A2D5FD8F}" dt="2024-08-01T08:43:39.872" v="478" actId="9405"/>
+          <ac:inkMkLst>
+            <pc:docMk/>
+            <pc:sldMk cId="739690071" sldId="256"/>
+            <ac:inkMk id="67" creationId="{5947578B-BABE-979F-A630-5AB60A023A33}"/>
+          </ac:inkMkLst>
+        </pc:inkChg>
+        <pc:inkChg chg="add del mod">
+          <ac:chgData name="Liam Driscoll" userId="5ea41ec7-39f4-4f21-9bfb-fdaf136f9dc4" providerId="ADAL" clId="{94102F98-C996-4647-A399-EDC1A2D5FD8F}" dt="2024-08-01T08:43:39.692" v="477" actId="9405"/>
+          <ac:inkMkLst>
+            <pc:docMk/>
+            <pc:sldMk cId="739690071" sldId="256"/>
+            <ac:inkMk id="68" creationId="{5784958F-89AB-5900-FBD3-9D2B4EE10F6A}"/>
+          </ac:inkMkLst>
+        </pc:inkChg>
+        <pc:inkChg chg="add del mod">
+          <ac:chgData name="Liam Driscoll" userId="5ea41ec7-39f4-4f21-9bfb-fdaf136f9dc4" providerId="ADAL" clId="{94102F98-C996-4647-A399-EDC1A2D5FD8F}" dt="2024-08-01T08:41:32.542" v="378"/>
+          <ac:inkMkLst>
+            <pc:docMk/>
+            <pc:sldMk cId="739690071" sldId="256"/>
+            <ac:inkMk id="69" creationId="{1976C622-9082-F80A-0795-DD35AF3F86A2}"/>
+          </ac:inkMkLst>
+        </pc:inkChg>
+        <pc:inkChg chg="add del">
+          <ac:chgData name="Liam Driscoll" userId="5ea41ec7-39f4-4f21-9bfb-fdaf136f9dc4" providerId="ADAL" clId="{94102F98-C996-4647-A399-EDC1A2D5FD8F}" dt="2024-08-01T08:41:35.116" v="380" actId="9405"/>
+          <ac:inkMkLst>
+            <pc:docMk/>
+            <pc:sldMk cId="739690071" sldId="256"/>
+            <ac:inkMk id="71" creationId="{158CECD4-9BBC-B214-3883-07567D5AFF32}"/>
+          </ac:inkMkLst>
+        </pc:inkChg>
+        <pc:inkChg chg="add del">
+          <ac:chgData name="Liam Driscoll" userId="5ea41ec7-39f4-4f21-9bfb-fdaf136f9dc4" providerId="ADAL" clId="{94102F98-C996-4647-A399-EDC1A2D5FD8F}" dt="2024-08-01T08:41:36.189" v="382" actId="9405"/>
+          <ac:inkMkLst>
+            <pc:docMk/>
+            <pc:sldMk cId="739690071" sldId="256"/>
+            <ac:inkMk id="72" creationId="{DBD116B0-2DEE-579C-8FA3-0FA5AF12DDCF}"/>
+          </ac:inkMkLst>
+        </pc:inkChg>
+        <pc:inkChg chg="add del">
+          <ac:chgData name="Liam Driscoll" userId="5ea41ec7-39f4-4f21-9bfb-fdaf136f9dc4" providerId="ADAL" clId="{94102F98-C996-4647-A399-EDC1A2D5FD8F}" dt="2024-08-01T08:41:37.583" v="384" actId="9405"/>
+          <ac:inkMkLst>
+            <pc:docMk/>
+            <pc:sldMk cId="739690071" sldId="256"/>
+            <ac:inkMk id="73" creationId="{7CD0EF2C-E59A-7873-DE58-613FB88D02C3}"/>
+          </ac:inkMkLst>
+        </pc:inkChg>
+        <pc:inkChg chg="add del mod">
+          <ac:chgData name="Liam Driscoll" userId="5ea41ec7-39f4-4f21-9bfb-fdaf136f9dc4" providerId="ADAL" clId="{94102F98-C996-4647-A399-EDC1A2D5FD8F}" dt="2024-08-01T08:43:39.545" v="476"/>
+          <ac:inkMkLst>
+            <pc:docMk/>
+            <pc:sldMk cId="739690071" sldId="256"/>
+            <ac:inkMk id="74" creationId="{19B2412E-8D3C-E746-DD4B-E9C58478130A}"/>
+          </ac:inkMkLst>
+        </pc:inkChg>
+        <pc:inkChg chg="add del">
+          <ac:chgData name="Liam Driscoll" userId="5ea41ec7-39f4-4f21-9bfb-fdaf136f9dc4" providerId="ADAL" clId="{94102F98-C996-4647-A399-EDC1A2D5FD8F}" dt="2024-08-01T08:41:40.436" v="387" actId="9405"/>
+          <ac:inkMkLst>
+            <pc:docMk/>
+            <pc:sldMk cId="739690071" sldId="256"/>
+            <ac:inkMk id="75" creationId="{5017A625-80B8-3741-0A6C-FD28FD409C53}"/>
+          </ac:inkMkLst>
+        </pc:inkChg>
+        <pc:inkChg chg="add del">
+          <ac:chgData name="Liam Driscoll" userId="5ea41ec7-39f4-4f21-9bfb-fdaf136f9dc4" providerId="ADAL" clId="{94102F98-C996-4647-A399-EDC1A2D5FD8F}" dt="2024-08-01T08:41:42.373" v="390" actId="9405"/>
+          <ac:inkMkLst>
+            <pc:docMk/>
+            <pc:sldMk cId="739690071" sldId="256"/>
+            <ac:inkMk id="77" creationId="{620DC2D1-7E95-9DD2-85E4-B7916758587E}"/>
+          </ac:inkMkLst>
+        </pc:inkChg>
+        <pc:inkChg chg="add del">
+          <ac:chgData name="Liam Driscoll" userId="5ea41ec7-39f4-4f21-9bfb-fdaf136f9dc4" providerId="ADAL" clId="{94102F98-C996-4647-A399-EDC1A2D5FD8F}" dt="2024-08-01T08:41:43.623" v="392" actId="9405"/>
+          <ac:inkMkLst>
+            <pc:docMk/>
+            <pc:sldMk cId="739690071" sldId="256"/>
+            <ac:inkMk id="78" creationId="{5DB27F3F-FD73-75FA-92A4-B455D2EC2452}"/>
+          </ac:inkMkLst>
+        </pc:inkChg>
+        <pc:inkChg chg="add del">
+          <ac:chgData name="Liam Driscoll" userId="5ea41ec7-39f4-4f21-9bfb-fdaf136f9dc4" providerId="ADAL" clId="{94102F98-C996-4647-A399-EDC1A2D5FD8F}" dt="2024-08-01T08:41:48.228" v="394" actId="9405"/>
+          <ac:inkMkLst>
+            <pc:docMk/>
+            <pc:sldMk cId="739690071" sldId="256"/>
+            <ac:inkMk id="79" creationId="{425D5462-BF9A-127A-802F-DA79BDA6A6C3}"/>
+          </ac:inkMkLst>
+        </pc:inkChg>
+        <pc:inkChg chg="add del">
+          <ac:chgData name="Liam Driscoll" userId="5ea41ec7-39f4-4f21-9bfb-fdaf136f9dc4" providerId="ADAL" clId="{94102F98-C996-4647-A399-EDC1A2D5FD8F}" dt="2024-08-01T08:41:49.726" v="396" actId="9405"/>
+          <ac:inkMkLst>
+            <pc:docMk/>
+            <pc:sldMk cId="739690071" sldId="256"/>
+            <ac:inkMk id="80" creationId="{5A92C7C1-B8CE-C701-3082-59AEB2A428BA}"/>
+          </ac:inkMkLst>
+        </pc:inkChg>
+        <pc:inkChg chg="add del">
+          <ac:chgData name="Liam Driscoll" userId="5ea41ec7-39f4-4f21-9bfb-fdaf136f9dc4" providerId="ADAL" clId="{94102F98-C996-4647-A399-EDC1A2D5FD8F}" dt="2024-08-01T08:41:51.510" v="398" actId="9405"/>
+          <ac:inkMkLst>
+            <pc:docMk/>
+            <pc:sldMk cId="739690071" sldId="256"/>
+            <ac:inkMk id="81" creationId="{2EC77399-23E5-10F0-CAA2-6170EAB27827}"/>
+          </ac:inkMkLst>
+        </pc:inkChg>
+        <pc:inkChg chg="add del">
+          <ac:chgData name="Liam Driscoll" userId="5ea41ec7-39f4-4f21-9bfb-fdaf136f9dc4" providerId="ADAL" clId="{94102F98-C996-4647-A399-EDC1A2D5FD8F}" dt="2024-08-01T08:41:55.644" v="400" actId="9405"/>
+          <ac:inkMkLst>
+            <pc:docMk/>
+            <pc:sldMk cId="739690071" sldId="256"/>
+            <ac:inkMk id="82" creationId="{D9DD1EAB-09A9-C9E6-56A4-8744DE2DB01B}"/>
+          </ac:inkMkLst>
+        </pc:inkChg>
+        <pc:inkChg chg="add del">
+          <ac:chgData name="Liam Driscoll" userId="5ea41ec7-39f4-4f21-9bfb-fdaf136f9dc4" providerId="ADAL" clId="{94102F98-C996-4647-A399-EDC1A2D5FD8F}" dt="2024-08-01T08:41:58.631" v="402" actId="9405"/>
+          <ac:inkMkLst>
+            <pc:docMk/>
+            <pc:sldMk cId="739690071" sldId="256"/>
+            <ac:inkMk id="83" creationId="{F86BFA8D-00B8-6437-656B-E5256B08D898}"/>
+          </ac:inkMkLst>
+        </pc:inkChg>
+        <pc:inkChg chg="add del">
+          <ac:chgData name="Liam Driscoll" userId="5ea41ec7-39f4-4f21-9bfb-fdaf136f9dc4" providerId="ADAL" clId="{94102F98-C996-4647-A399-EDC1A2D5FD8F}" dt="2024-08-01T08:42:00.780" v="404" actId="9405"/>
+          <ac:inkMkLst>
+            <pc:docMk/>
+            <pc:sldMk cId="739690071" sldId="256"/>
+            <ac:inkMk id="84" creationId="{AD8C8EB8-9554-5986-3475-80FC82641A0B}"/>
+          </ac:inkMkLst>
+        </pc:inkChg>
+        <pc:inkChg chg="add del">
+          <ac:chgData name="Liam Driscoll" userId="5ea41ec7-39f4-4f21-9bfb-fdaf136f9dc4" providerId="ADAL" clId="{94102F98-C996-4647-A399-EDC1A2D5FD8F}" dt="2024-08-01T08:42:02.802" v="406" actId="9405"/>
+          <ac:inkMkLst>
+            <pc:docMk/>
+            <pc:sldMk cId="739690071" sldId="256"/>
+            <ac:inkMk id="85" creationId="{1E402935-6961-D6AB-7F9B-FE7FE3E4225A}"/>
+          </ac:inkMkLst>
+        </pc:inkChg>
+        <pc:inkChg chg="add del">
+          <ac:chgData name="Liam Driscoll" userId="5ea41ec7-39f4-4f21-9bfb-fdaf136f9dc4" providerId="ADAL" clId="{94102F98-C996-4647-A399-EDC1A2D5FD8F}" dt="2024-08-01T08:42:04.509" v="408" actId="9405"/>
+          <ac:inkMkLst>
+            <pc:docMk/>
+            <pc:sldMk cId="739690071" sldId="256"/>
+            <ac:inkMk id="86" creationId="{DDE62384-FBE9-E14E-0634-3473A11BE4C4}"/>
+          </ac:inkMkLst>
+        </pc:inkChg>
+        <pc:inkChg chg="add del">
+          <ac:chgData name="Liam Driscoll" userId="5ea41ec7-39f4-4f21-9bfb-fdaf136f9dc4" providerId="ADAL" clId="{94102F98-C996-4647-A399-EDC1A2D5FD8F}" dt="2024-08-01T08:42:08.948" v="410" actId="9405"/>
+          <ac:inkMkLst>
+            <pc:docMk/>
+            <pc:sldMk cId="739690071" sldId="256"/>
+            <ac:inkMk id="87" creationId="{E6920788-83C6-8717-F466-46CF7794C1EF}"/>
+          </ac:inkMkLst>
+        </pc:inkChg>
+        <pc:inkChg chg="add del">
+          <ac:chgData name="Liam Driscoll" userId="5ea41ec7-39f4-4f21-9bfb-fdaf136f9dc4" providerId="ADAL" clId="{94102F98-C996-4647-A399-EDC1A2D5FD8F}" dt="2024-08-01T08:42:14.894" v="412" actId="9405"/>
+          <ac:inkMkLst>
+            <pc:docMk/>
+            <pc:sldMk cId="739690071" sldId="256"/>
+            <ac:inkMk id="88" creationId="{973C1E2F-DAB0-CC3C-5ECB-5EFF34C0A720}"/>
+          </ac:inkMkLst>
+        </pc:inkChg>
+        <pc:inkChg chg="add del">
+          <ac:chgData name="Liam Driscoll" userId="5ea41ec7-39f4-4f21-9bfb-fdaf136f9dc4" providerId="ADAL" clId="{94102F98-C996-4647-A399-EDC1A2D5FD8F}" dt="2024-08-01T08:42:16.614" v="414" actId="9405"/>
+          <ac:inkMkLst>
+            <pc:docMk/>
+            <pc:sldMk cId="739690071" sldId="256"/>
+            <ac:inkMk id="89" creationId="{B9D82049-15B4-D3A2-9A52-49FA38F5034E}"/>
+          </ac:inkMkLst>
+        </pc:inkChg>
+        <pc:inkChg chg="add del">
+          <ac:chgData name="Liam Driscoll" userId="5ea41ec7-39f4-4f21-9bfb-fdaf136f9dc4" providerId="ADAL" clId="{94102F98-C996-4647-A399-EDC1A2D5FD8F}" dt="2024-08-01T08:42:18.063" v="416" actId="9405"/>
+          <ac:inkMkLst>
+            <pc:docMk/>
+            <pc:sldMk cId="739690071" sldId="256"/>
+            <ac:inkMk id="90" creationId="{CA4AAB2C-7D5F-480E-EF95-EB1915633086}"/>
+          </ac:inkMkLst>
+        </pc:inkChg>
+        <pc:inkChg chg="add del">
+          <ac:chgData name="Liam Driscoll" userId="5ea41ec7-39f4-4f21-9bfb-fdaf136f9dc4" providerId="ADAL" clId="{94102F98-C996-4647-A399-EDC1A2D5FD8F}" dt="2024-08-01T08:42:19.200" v="418" actId="9405"/>
+          <ac:inkMkLst>
+            <pc:docMk/>
+            <pc:sldMk cId="739690071" sldId="256"/>
+            <ac:inkMk id="91" creationId="{AD1935EC-0BED-4AA1-3381-562DFC69C6E2}"/>
+          </ac:inkMkLst>
+        </pc:inkChg>
+        <pc:inkChg chg="add del">
+          <ac:chgData name="Liam Driscoll" userId="5ea41ec7-39f4-4f21-9bfb-fdaf136f9dc4" providerId="ADAL" clId="{94102F98-C996-4647-A399-EDC1A2D5FD8F}" dt="2024-08-01T08:42:21.766" v="420" actId="9405"/>
+          <ac:inkMkLst>
+            <pc:docMk/>
+            <pc:sldMk cId="739690071" sldId="256"/>
+            <ac:inkMk id="92" creationId="{0326B859-CE31-AF0C-3205-10C3F484DE7A}"/>
+          </ac:inkMkLst>
+        </pc:inkChg>
+        <pc:inkChg chg="add del mod">
+          <ac:chgData name="Liam Driscoll" userId="5ea41ec7-39f4-4f21-9bfb-fdaf136f9dc4" providerId="ADAL" clId="{94102F98-C996-4647-A399-EDC1A2D5FD8F}" dt="2024-08-01T08:42:25.408" v="424"/>
+          <ac:inkMkLst>
+            <pc:docMk/>
+            <pc:sldMk cId="739690071" sldId="256"/>
+            <ac:inkMk id="93" creationId="{E6FE91EA-23A1-0591-5457-CE6A917B555D}"/>
+          </ac:inkMkLst>
+        </pc:inkChg>
+        <pc:inkChg chg="add del">
+          <ac:chgData name="Liam Driscoll" userId="5ea41ec7-39f4-4f21-9bfb-fdaf136f9dc4" providerId="ADAL" clId="{94102F98-C996-4647-A399-EDC1A2D5FD8F}" dt="2024-08-01T08:42:27.190" v="426" actId="9405"/>
+          <ac:inkMkLst>
+            <pc:docMk/>
+            <pc:sldMk cId="739690071" sldId="256"/>
+            <ac:inkMk id="95" creationId="{3A5E8F16-39BE-0AED-9B68-F75A60E98081}"/>
+          </ac:inkMkLst>
+        </pc:inkChg>
+        <pc:inkChg chg="add del">
+          <ac:chgData name="Liam Driscoll" userId="5ea41ec7-39f4-4f21-9bfb-fdaf136f9dc4" providerId="ADAL" clId="{94102F98-C996-4647-A399-EDC1A2D5FD8F}" dt="2024-08-01T08:42:28.700" v="428" actId="9405"/>
+          <ac:inkMkLst>
+            <pc:docMk/>
+            <pc:sldMk cId="739690071" sldId="256"/>
+            <ac:inkMk id="96" creationId="{20E13FD5-A322-5C2A-8FC4-B0E42F606EF6}"/>
+          </ac:inkMkLst>
+        </pc:inkChg>
+        <pc:inkChg chg="add del">
+          <ac:chgData name="Liam Driscoll" userId="5ea41ec7-39f4-4f21-9bfb-fdaf136f9dc4" providerId="ADAL" clId="{94102F98-C996-4647-A399-EDC1A2D5FD8F}" dt="2024-08-01T08:42:30.980" v="430" actId="9405"/>
+          <ac:inkMkLst>
+            <pc:docMk/>
+            <pc:sldMk cId="739690071" sldId="256"/>
+            <ac:inkMk id="97" creationId="{AF4488F4-B0C4-3B30-B18E-B849D7E639B9}"/>
+          </ac:inkMkLst>
+        </pc:inkChg>
+        <pc:inkChg chg="add del">
+          <ac:chgData name="Liam Driscoll" userId="5ea41ec7-39f4-4f21-9bfb-fdaf136f9dc4" providerId="ADAL" clId="{94102F98-C996-4647-A399-EDC1A2D5FD8F}" dt="2024-08-01T08:42:37.333" v="432" actId="9405"/>
+          <ac:inkMkLst>
+            <pc:docMk/>
+            <pc:sldMk cId="739690071" sldId="256"/>
+            <ac:inkMk id="98" creationId="{65E24A53-9180-F7E6-0AF2-68031443867B}"/>
+          </ac:inkMkLst>
+        </pc:inkChg>
+        <pc:inkChg chg="add del">
+          <ac:chgData name="Liam Driscoll" userId="5ea41ec7-39f4-4f21-9bfb-fdaf136f9dc4" providerId="ADAL" clId="{94102F98-C996-4647-A399-EDC1A2D5FD8F}" dt="2024-08-01T08:42:39.918" v="434" actId="9405"/>
+          <ac:inkMkLst>
+            <pc:docMk/>
+            <pc:sldMk cId="739690071" sldId="256"/>
+            <ac:inkMk id="99" creationId="{0433A564-6087-706B-8FA3-17873A51F10D}"/>
+          </ac:inkMkLst>
+        </pc:inkChg>
+        <pc:inkChg chg="add del">
+          <ac:chgData name="Liam Driscoll" userId="5ea41ec7-39f4-4f21-9bfb-fdaf136f9dc4" providerId="ADAL" clId="{94102F98-C996-4647-A399-EDC1A2D5FD8F}" dt="2024-08-01T08:42:47.246" v="436" actId="9405"/>
+          <ac:inkMkLst>
+            <pc:docMk/>
+            <pc:sldMk cId="739690071" sldId="256"/>
+            <ac:inkMk id="100" creationId="{42C7400D-FD69-F0C1-67D8-495E546E33D2}"/>
+          </ac:inkMkLst>
+        </pc:inkChg>
+        <pc:inkChg chg="add del">
+          <ac:chgData name="Liam Driscoll" userId="5ea41ec7-39f4-4f21-9bfb-fdaf136f9dc4" providerId="ADAL" clId="{94102F98-C996-4647-A399-EDC1A2D5FD8F}" dt="2024-08-01T08:42:49.116" v="438" actId="9405"/>
+          <ac:inkMkLst>
+            <pc:docMk/>
+            <pc:sldMk cId="739690071" sldId="256"/>
+            <ac:inkMk id="101" creationId="{4C727031-F2E7-8C47-6F57-D37270096769}"/>
+          </ac:inkMkLst>
+        </pc:inkChg>
+        <pc:inkChg chg="add del">
+          <ac:chgData name="Liam Driscoll" userId="5ea41ec7-39f4-4f21-9bfb-fdaf136f9dc4" providerId="ADAL" clId="{94102F98-C996-4647-A399-EDC1A2D5FD8F}" dt="2024-08-01T08:42:50.948" v="440" actId="9405"/>
+          <ac:inkMkLst>
+            <pc:docMk/>
+            <pc:sldMk cId="739690071" sldId="256"/>
+            <ac:inkMk id="102" creationId="{3E2163CD-CF53-31D4-62E5-0C6A67820AD0}"/>
+          </ac:inkMkLst>
+        </pc:inkChg>
+        <pc:inkChg chg="add del">
+          <ac:chgData name="Liam Driscoll" userId="5ea41ec7-39f4-4f21-9bfb-fdaf136f9dc4" providerId="ADAL" clId="{94102F98-C996-4647-A399-EDC1A2D5FD8F}" dt="2024-08-01T08:42:54.159" v="442" actId="9405"/>
+          <ac:inkMkLst>
+            <pc:docMk/>
+            <pc:sldMk cId="739690071" sldId="256"/>
+            <ac:inkMk id="103" creationId="{349E7B46-E292-9113-BCB2-F2C8CE84E1F1}"/>
+          </ac:inkMkLst>
+        </pc:inkChg>
+        <pc:inkChg chg="add del">
+          <ac:chgData name="Liam Driscoll" userId="5ea41ec7-39f4-4f21-9bfb-fdaf136f9dc4" providerId="ADAL" clId="{94102F98-C996-4647-A399-EDC1A2D5FD8F}" dt="2024-08-01T08:42:57.222" v="444" actId="9405"/>
+          <ac:inkMkLst>
+            <pc:docMk/>
+            <pc:sldMk cId="739690071" sldId="256"/>
+            <ac:inkMk id="104" creationId="{2CC3C999-3471-51C6-2A5B-DDE77E66809B}"/>
+          </ac:inkMkLst>
+        </pc:inkChg>
+        <pc:inkChg chg="add del">
+          <ac:chgData name="Liam Driscoll" userId="5ea41ec7-39f4-4f21-9bfb-fdaf136f9dc4" providerId="ADAL" clId="{94102F98-C996-4647-A399-EDC1A2D5FD8F}" dt="2024-08-01T08:42:59.904" v="446" actId="9405"/>
+          <ac:inkMkLst>
+            <pc:docMk/>
+            <pc:sldMk cId="739690071" sldId="256"/>
+            <ac:inkMk id="105" creationId="{F6CD49DD-DDDF-DED1-0E3C-491568A19710}"/>
+          </ac:inkMkLst>
+        </pc:inkChg>
+        <pc:inkChg chg="add del">
+          <ac:chgData name="Liam Driscoll" userId="5ea41ec7-39f4-4f21-9bfb-fdaf136f9dc4" providerId="ADAL" clId="{94102F98-C996-4647-A399-EDC1A2D5FD8F}" dt="2024-08-01T08:43:02.236" v="448" actId="9405"/>
+          <ac:inkMkLst>
+            <pc:docMk/>
+            <pc:sldMk cId="739690071" sldId="256"/>
+            <ac:inkMk id="106" creationId="{A5253BF0-A8CA-DB71-623D-2EE7AD99095E}"/>
+          </ac:inkMkLst>
+        </pc:inkChg>
+        <pc:inkChg chg="add del">
+          <ac:chgData name="Liam Driscoll" userId="5ea41ec7-39f4-4f21-9bfb-fdaf136f9dc4" providerId="ADAL" clId="{94102F98-C996-4647-A399-EDC1A2D5FD8F}" dt="2024-08-01T08:43:03.958" v="450" actId="9405"/>
+          <ac:inkMkLst>
+            <pc:docMk/>
+            <pc:sldMk cId="739690071" sldId="256"/>
+            <ac:inkMk id="107" creationId="{A9FC71D7-086F-7710-F554-D1185C5C7116}"/>
+          </ac:inkMkLst>
+        </pc:inkChg>
+        <pc:inkChg chg="add del">
+          <ac:chgData name="Liam Driscoll" userId="5ea41ec7-39f4-4f21-9bfb-fdaf136f9dc4" providerId="ADAL" clId="{94102F98-C996-4647-A399-EDC1A2D5FD8F}" dt="2024-08-01T08:43:05.700" v="452" actId="9405"/>
+          <ac:inkMkLst>
+            <pc:docMk/>
+            <pc:sldMk cId="739690071" sldId="256"/>
+            <ac:inkMk id="108" creationId="{CE4B9456-168F-EDA8-6848-8A5CA4CF56B5}"/>
+          </ac:inkMkLst>
+        </pc:inkChg>
+        <pc:inkChg chg="add del">
+          <ac:chgData name="Liam Driscoll" userId="5ea41ec7-39f4-4f21-9bfb-fdaf136f9dc4" providerId="ADAL" clId="{94102F98-C996-4647-A399-EDC1A2D5FD8F}" dt="2024-08-01T08:43:12.256" v="454" actId="9405"/>
+          <ac:inkMkLst>
+            <pc:docMk/>
+            <pc:sldMk cId="739690071" sldId="256"/>
+            <ac:inkMk id="109" creationId="{1F92249C-C99F-3310-3C4E-A52DDA037A92}"/>
+          </ac:inkMkLst>
+        </pc:inkChg>
+        <pc:inkChg chg="add del">
+          <ac:chgData name="Liam Driscoll" userId="5ea41ec7-39f4-4f21-9bfb-fdaf136f9dc4" providerId="ADAL" clId="{94102F98-C996-4647-A399-EDC1A2D5FD8F}" dt="2024-08-01T08:43:16.012" v="456" actId="9405"/>
+          <ac:inkMkLst>
+            <pc:docMk/>
+            <pc:sldMk cId="739690071" sldId="256"/>
+            <ac:inkMk id="110" creationId="{9CCD7B70-EA06-3DFC-98A7-66EDEFFC539E}"/>
+          </ac:inkMkLst>
+        </pc:inkChg>
+        <pc:inkChg chg="add del">
+          <ac:chgData name="Liam Driscoll" userId="5ea41ec7-39f4-4f21-9bfb-fdaf136f9dc4" providerId="ADAL" clId="{94102F98-C996-4647-A399-EDC1A2D5FD8F}" dt="2024-08-01T08:43:19.353" v="458" actId="9405"/>
+          <ac:inkMkLst>
+            <pc:docMk/>
+            <pc:sldMk cId="739690071" sldId="256"/>
+            <ac:inkMk id="111" creationId="{623E2857-E97B-BAAC-D371-96D634A1E2C6}"/>
+          </ac:inkMkLst>
+        </pc:inkChg>
+        <pc:inkChg chg="add del">
+          <ac:chgData name="Liam Driscoll" userId="5ea41ec7-39f4-4f21-9bfb-fdaf136f9dc4" providerId="ADAL" clId="{94102F98-C996-4647-A399-EDC1A2D5FD8F}" dt="2024-08-01T08:43:21.821" v="460" actId="9405"/>
+          <ac:inkMkLst>
+            <pc:docMk/>
+            <pc:sldMk cId="739690071" sldId="256"/>
+            <ac:inkMk id="112" creationId="{9C565E8E-352A-FCA9-05D8-89D20805ABC4}"/>
+          </ac:inkMkLst>
+        </pc:inkChg>
+        <pc:inkChg chg="add del">
+          <ac:chgData name="Liam Driscoll" userId="5ea41ec7-39f4-4f21-9bfb-fdaf136f9dc4" providerId="ADAL" clId="{94102F98-C996-4647-A399-EDC1A2D5FD8F}" dt="2024-08-01T08:43:23.733" v="462" actId="9405"/>
+          <ac:inkMkLst>
+            <pc:docMk/>
+            <pc:sldMk cId="739690071" sldId="256"/>
+            <ac:inkMk id="113" creationId="{2A1E3CE3-32E2-6ABF-3A9C-43A36EDC2159}"/>
+          </ac:inkMkLst>
+        </pc:inkChg>
+        <pc:inkChg chg="add del">
+          <ac:chgData name="Liam Driscoll" userId="5ea41ec7-39f4-4f21-9bfb-fdaf136f9dc4" providerId="ADAL" clId="{94102F98-C996-4647-A399-EDC1A2D5FD8F}" dt="2024-08-01T08:43:25.176" v="464" actId="9405"/>
+          <ac:inkMkLst>
+            <pc:docMk/>
+            <pc:sldMk cId="739690071" sldId="256"/>
+            <ac:inkMk id="114" creationId="{770C4663-3326-86A5-525F-19C45558B385}"/>
+          </ac:inkMkLst>
+        </pc:inkChg>
+        <pc:inkChg chg="add del">
+          <ac:chgData name="Liam Driscoll" userId="5ea41ec7-39f4-4f21-9bfb-fdaf136f9dc4" providerId="ADAL" clId="{94102F98-C996-4647-A399-EDC1A2D5FD8F}" dt="2024-08-01T08:43:26.672" v="466" actId="9405"/>
+          <ac:inkMkLst>
+            <pc:docMk/>
+            <pc:sldMk cId="739690071" sldId="256"/>
+            <ac:inkMk id="115" creationId="{A7A34D0D-9D49-CD69-48F3-845D0FFEC37F}"/>
+          </ac:inkMkLst>
+        </pc:inkChg>
+        <pc:inkChg chg="add del">
+          <ac:chgData name="Liam Driscoll" userId="5ea41ec7-39f4-4f21-9bfb-fdaf136f9dc4" providerId="ADAL" clId="{94102F98-C996-4647-A399-EDC1A2D5FD8F}" dt="2024-08-01T08:43:28.644" v="468" actId="9405"/>
+          <ac:inkMkLst>
+            <pc:docMk/>
+            <pc:sldMk cId="739690071" sldId="256"/>
+            <ac:inkMk id="116" creationId="{FF7B698B-0417-4303-ADE4-49851B544EE3}"/>
+          </ac:inkMkLst>
+        </pc:inkChg>
+        <pc:inkChg chg="add del">
+          <ac:chgData name="Liam Driscoll" userId="5ea41ec7-39f4-4f21-9bfb-fdaf136f9dc4" providerId="ADAL" clId="{94102F98-C996-4647-A399-EDC1A2D5FD8F}" dt="2024-08-01T08:43:32.135" v="472" actId="9405"/>
+          <ac:inkMkLst>
+            <pc:docMk/>
+            <pc:sldMk cId="739690071" sldId="256"/>
+            <ac:inkMk id="117" creationId="{9129D482-B601-6766-277B-1024F5B256CE}"/>
+          </ac:inkMkLst>
+        </pc:inkChg>
+        <pc:inkChg chg="add del">
+          <ac:chgData name="Liam Driscoll" userId="5ea41ec7-39f4-4f21-9bfb-fdaf136f9dc4" providerId="ADAL" clId="{94102F98-C996-4647-A399-EDC1A2D5FD8F}" dt="2024-08-01T08:43:31.319" v="471" actId="9405"/>
+          <ac:inkMkLst>
+            <pc:docMk/>
+            <pc:sldMk cId="739690071" sldId="256"/>
+            <ac:inkMk id="118" creationId="{CA4F58AE-4D03-62B7-4FB3-B69E678C3975}"/>
+          </ac:inkMkLst>
+        </pc:inkChg>
+        <pc:inkChg chg="add del">
+          <ac:chgData name="Liam Driscoll" userId="5ea41ec7-39f4-4f21-9bfb-fdaf136f9dc4" providerId="ADAL" clId="{94102F98-C996-4647-A399-EDC1A2D5FD8F}" dt="2024-08-01T08:43:39.347" v="474" actId="9405"/>
+          <ac:inkMkLst>
+            <pc:docMk/>
+            <pc:sldMk cId="739690071" sldId="256"/>
+            <ac:inkMk id="119" creationId="{AECBFA0F-BA4A-F2E2-3DC5-F6B155072DC8}"/>
+          </ac:inkMkLst>
+        </pc:inkChg>
+        <pc:inkChg chg="add del">
+          <ac:chgData name="Liam Driscoll" userId="5ea41ec7-39f4-4f21-9bfb-fdaf136f9dc4" providerId="ADAL" clId="{94102F98-C996-4647-A399-EDC1A2D5FD8F}" dt="2024-08-01T08:43:51.830" v="480" actId="9405"/>
+          <ac:inkMkLst>
+            <pc:docMk/>
+            <pc:sldMk cId="739690071" sldId="256"/>
+            <ac:inkMk id="120" creationId="{FCA3C0DA-39BA-9A3D-62C6-349FCEC5D513}"/>
+          </ac:inkMkLst>
+        </pc:inkChg>
+        <pc:inkChg chg="add del">
+          <ac:chgData name="Liam Driscoll" userId="5ea41ec7-39f4-4f21-9bfb-fdaf136f9dc4" providerId="ADAL" clId="{94102F98-C996-4647-A399-EDC1A2D5FD8F}" dt="2024-08-01T08:43:53.949" v="482" actId="9405"/>
+          <ac:inkMkLst>
+            <pc:docMk/>
+            <pc:sldMk cId="739690071" sldId="256"/>
+            <ac:inkMk id="121" creationId="{FD2A4DED-8027-702B-0326-DAB5EA068605}"/>
+          </ac:inkMkLst>
+        </pc:inkChg>
+        <pc:inkChg chg="add del">
+          <ac:chgData name="Liam Driscoll" userId="5ea41ec7-39f4-4f21-9bfb-fdaf136f9dc4" providerId="ADAL" clId="{94102F98-C996-4647-A399-EDC1A2D5FD8F}" dt="2024-08-01T08:43:56.372" v="484" actId="9405"/>
+          <ac:inkMkLst>
+            <pc:docMk/>
+            <pc:sldMk cId="739690071" sldId="256"/>
+            <ac:inkMk id="122" creationId="{6655C89B-36E0-2A7D-2820-BCBFF4F3EE50}"/>
+          </ac:inkMkLst>
+        </pc:inkChg>
+        <pc:inkChg chg="add del">
+          <ac:chgData name="Liam Driscoll" userId="5ea41ec7-39f4-4f21-9bfb-fdaf136f9dc4" providerId="ADAL" clId="{94102F98-C996-4647-A399-EDC1A2D5FD8F}" dt="2024-08-01T08:43:58.228" v="486" actId="9405"/>
+          <ac:inkMkLst>
+            <pc:docMk/>
+            <pc:sldMk cId="739690071" sldId="256"/>
+            <ac:inkMk id="123" creationId="{E24525D0-8231-69E0-12A8-07326FD0249E}"/>
+          </ac:inkMkLst>
+        </pc:inkChg>
+        <pc:inkChg chg="add del">
+          <ac:chgData name="Liam Driscoll" userId="5ea41ec7-39f4-4f21-9bfb-fdaf136f9dc4" providerId="ADAL" clId="{94102F98-C996-4647-A399-EDC1A2D5FD8F}" dt="2024-08-01T08:43:59.453" v="488" actId="9405"/>
+          <ac:inkMkLst>
+            <pc:docMk/>
+            <pc:sldMk cId="739690071" sldId="256"/>
+            <ac:inkMk id="124" creationId="{A226423C-FC0E-856F-92CF-2A9C8D314A88}"/>
+          </ac:inkMkLst>
+        </pc:inkChg>
+        <pc:inkChg chg="add del">
+          <ac:chgData name="Liam Driscoll" userId="5ea41ec7-39f4-4f21-9bfb-fdaf136f9dc4" providerId="ADAL" clId="{94102F98-C996-4647-A399-EDC1A2D5FD8F}" dt="2024-08-01T08:44:01.127" v="490" actId="9405"/>
+          <ac:inkMkLst>
+            <pc:docMk/>
+            <pc:sldMk cId="739690071" sldId="256"/>
+            <ac:inkMk id="125" creationId="{B5808C21-7D97-0AB0-B74E-67ADC50BA75C}"/>
+          </ac:inkMkLst>
+        </pc:inkChg>
+        <pc:inkChg chg="add del">
+          <ac:chgData name="Liam Driscoll" userId="5ea41ec7-39f4-4f21-9bfb-fdaf136f9dc4" providerId="ADAL" clId="{94102F98-C996-4647-A399-EDC1A2D5FD8F}" dt="2024-08-01T08:44:10.500" v="496" actId="9405"/>
+          <ac:inkMkLst>
+            <pc:docMk/>
+            <pc:sldMk cId="739690071" sldId="256"/>
+            <ac:inkMk id="126" creationId="{A1C911E7-B698-32FD-E438-89E6B72FBFBC}"/>
+          </ac:inkMkLst>
+        </pc:inkChg>
+        <pc:inkChg chg="add del">
+          <ac:chgData name="Liam Driscoll" userId="5ea41ec7-39f4-4f21-9bfb-fdaf136f9dc4" providerId="ADAL" clId="{94102F98-C996-4647-A399-EDC1A2D5FD8F}" dt="2024-08-01T08:44:10.156" v="495" actId="9405"/>
+          <ac:inkMkLst>
+            <pc:docMk/>
+            <pc:sldMk cId="739690071" sldId="256"/>
+            <ac:inkMk id="127" creationId="{AC8BA6FF-7AD3-1FA3-030E-F1C0DFA1A446}"/>
+          </ac:inkMkLst>
+        </pc:inkChg>
+        <pc:inkChg chg="add del">
+          <ac:chgData name="Liam Driscoll" userId="5ea41ec7-39f4-4f21-9bfb-fdaf136f9dc4" providerId="ADAL" clId="{94102F98-C996-4647-A399-EDC1A2D5FD8F}" dt="2024-08-01T08:44:09.846" v="494" actId="9405"/>
+          <ac:inkMkLst>
+            <pc:docMk/>
+            <pc:sldMk cId="739690071" sldId="256"/>
+            <ac:inkMk id="128" creationId="{D592ED84-FBEF-DACE-102C-EC5B9CAA7E9F}"/>
+          </ac:inkMkLst>
+        </pc:inkChg>
+        <pc:inkChg chg="add del">
+          <ac:chgData name="Liam Driscoll" userId="5ea41ec7-39f4-4f21-9bfb-fdaf136f9dc4" providerId="ADAL" clId="{94102F98-C996-4647-A399-EDC1A2D5FD8F}" dt="2024-08-01T08:44:19.903" v="498" actId="9405"/>
+          <ac:inkMkLst>
+            <pc:docMk/>
+            <pc:sldMk cId="739690071" sldId="256"/>
+            <ac:inkMk id="129" creationId="{18F08A62-CA19-A017-FF47-010901641279}"/>
+          </ac:inkMkLst>
+        </pc:inkChg>
+        <pc:inkChg chg="add del">
+          <ac:chgData name="Liam Driscoll" userId="5ea41ec7-39f4-4f21-9bfb-fdaf136f9dc4" providerId="ADAL" clId="{94102F98-C996-4647-A399-EDC1A2D5FD8F}" dt="2024-08-01T08:44:21.423" v="500" actId="9405"/>
+          <ac:inkMkLst>
+            <pc:docMk/>
+            <pc:sldMk cId="739690071" sldId="256"/>
+            <ac:inkMk id="130" creationId="{EA9BF340-DCA4-B89B-4B8F-AF93B65892F2}"/>
+          </ac:inkMkLst>
+        </pc:inkChg>
+        <pc:inkChg chg="add del mod">
+          <ac:chgData name="Liam Driscoll" userId="5ea41ec7-39f4-4f21-9bfb-fdaf136f9dc4" providerId="ADAL" clId="{94102F98-C996-4647-A399-EDC1A2D5FD8F}" dt="2024-08-01T08:44:27.157" v="510" actId="9405"/>
+          <ac:inkMkLst>
+            <pc:docMk/>
+            <pc:sldMk cId="739690071" sldId="256"/>
+            <ac:inkMk id="131" creationId="{3BADC6A8-4816-2CB1-D7AD-02FA815E5C97}"/>
+          </ac:inkMkLst>
+        </pc:inkChg>
+        <pc:inkChg chg="add del mod">
+          <ac:chgData name="Liam Driscoll" userId="5ea41ec7-39f4-4f21-9bfb-fdaf136f9dc4" providerId="ADAL" clId="{94102F98-C996-4647-A399-EDC1A2D5FD8F}" dt="2024-08-01T08:44:26.782" v="509" actId="9405"/>
+          <ac:inkMkLst>
+            <pc:docMk/>
+            <pc:sldMk cId="739690071" sldId="256"/>
+            <ac:inkMk id="132" creationId="{2FF7AA5D-EFB6-55E6-9573-5E6FD30ACA02}"/>
+          </ac:inkMkLst>
+        </pc:inkChg>
+        <pc:inkChg chg="add del mod">
+          <ac:chgData name="Liam Driscoll" userId="5ea41ec7-39f4-4f21-9bfb-fdaf136f9dc4" providerId="ADAL" clId="{94102F98-C996-4647-A399-EDC1A2D5FD8F}" dt="2024-08-01T08:44:26.564" v="508" actId="9405"/>
+          <ac:inkMkLst>
+            <pc:docMk/>
+            <pc:sldMk cId="739690071" sldId="256"/>
+            <ac:inkMk id="133" creationId="{E899DB2D-862D-839A-81E1-2B161323695F}"/>
+          </ac:inkMkLst>
+        </pc:inkChg>
+        <pc:inkChg chg="add del mod">
+          <ac:chgData name="Liam Driscoll" userId="5ea41ec7-39f4-4f21-9bfb-fdaf136f9dc4" providerId="ADAL" clId="{94102F98-C996-4647-A399-EDC1A2D5FD8F}" dt="2024-08-01T08:44:26.356" v="507"/>
+          <ac:inkMkLst>
+            <pc:docMk/>
+            <pc:sldMk cId="739690071" sldId="256"/>
+            <ac:inkMk id="134" creationId="{B459D1FC-15D7-ACD1-036C-3DE44D945A53}"/>
+          </ac:inkMkLst>
+        </pc:inkChg>
+        <pc:inkChg chg="add del">
+          <ac:chgData name="Liam Driscoll" userId="5ea41ec7-39f4-4f21-9bfb-fdaf136f9dc4" providerId="ADAL" clId="{94102F98-C996-4647-A399-EDC1A2D5FD8F}" dt="2024-08-01T08:44:35.462" v="512" actId="9405"/>
+          <ac:inkMkLst>
+            <pc:docMk/>
+            <pc:sldMk cId="739690071" sldId="256"/>
+            <ac:inkMk id="136" creationId="{E37B3EE9-9B81-2888-AC52-6C967559868E}"/>
+          </ac:inkMkLst>
+        </pc:inkChg>
+        <pc:inkChg chg="add del">
+          <ac:chgData name="Liam Driscoll" userId="5ea41ec7-39f4-4f21-9bfb-fdaf136f9dc4" providerId="ADAL" clId="{94102F98-C996-4647-A399-EDC1A2D5FD8F}" dt="2024-08-01T08:44:55.324" v="516" actId="9405"/>
+          <ac:inkMkLst>
+            <pc:docMk/>
+            <pc:sldMk cId="739690071" sldId="256"/>
+            <ac:inkMk id="137" creationId="{544AA421-57BD-E8E1-365F-A28B8EF36DC4}"/>
+          </ac:inkMkLst>
+        </pc:inkChg>
+        <pc:inkChg chg="add del">
+          <ac:chgData name="Liam Driscoll" userId="5ea41ec7-39f4-4f21-9bfb-fdaf136f9dc4" providerId="ADAL" clId="{94102F98-C996-4647-A399-EDC1A2D5FD8F}" dt="2024-08-01T08:44:54.949" v="515" actId="9405"/>
+          <ac:inkMkLst>
+            <pc:docMk/>
+            <pc:sldMk cId="739690071" sldId="256"/>
+            <ac:inkMk id="138" creationId="{8424B92E-6729-3EEF-3762-43B41B87FF3E}"/>
+          </ac:inkMkLst>
+        </pc:inkChg>
+      </pc:sldChg>
+      <pc:sldChg chg="modSp mod">
+        <pc:chgData name="Liam Driscoll" userId="5ea41ec7-39f4-4f21-9bfb-fdaf136f9dc4" providerId="ADAL" clId="{94102F98-C996-4647-A399-EDC1A2D5FD8F}" dt="2024-08-01T08:50:36.012" v="560" actId="20577"/>
+        <pc:sldMkLst>
+          <pc:docMk/>
+          <pc:sldMk cId="416625979" sldId="261"/>
+        </pc:sldMkLst>
+        <pc:spChg chg="mod">
+          <ac:chgData name="Liam Driscoll" userId="5ea41ec7-39f4-4f21-9bfb-fdaf136f9dc4" providerId="ADAL" clId="{94102F98-C996-4647-A399-EDC1A2D5FD8F}" dt="2024-08-01T08:50:36.012" v="560" actId="20577"/>
+          <ac:spMkLst>
+            <pc:docMk/>
+            <pc:sldMk cId="416625979" sldId="261"/>
+            <ac:spMk id="3" creationId="{CFF8DEB9-31CC-ACA4-9470-408EB5CD36F4}"/>
+          </ac:spMkLst>
+        </pc:spChg>
+      </pc:sldChg>
+      <pc:sldChg chg="addSp delSp modSp mod">
+        <pc:chgData name="Liam Driscoll" userId="5ea41ec7-39f4-4f21-9bfb-fdaf136f9dc4" providerId="ADAL" clId="{94102F98-C996-4647-A399-EDC1A2D5FD8F}" dt="2024-08-01T08:48:43.437" v="530" actId="9405"/>
+        <pc:sldMkLst>
+          <pc:docMk/>
+          <pc:sldMk cId="2150208301" sldId="262"/>
+        </pc:sldMkLst>
+        <pc:grpChg chg="mod">
+          <ac:chgData name="Liam Driscoll" userId="5ea41ec7-39f4-4f21-9bfb-fdaf136f9dc4" providerId="ADAL" clId="{94102F98-C996-4647-A399-EDC1A2D5FD8F}" dt="2024-08-01T08:48:41.859" v="526"/>
+          <ac:grpSpMkLst>
+            <pc:docMk/>
+            <pc:sldMk cId="2150208301" sldId="262"/>
+            <ac:grpSpMk id="11" creationId="{CEEA2234-1DD0-5F68-C7A0-6DD8488CF072}"/>
+          </ac:grpSpMkLst>
+        </pc:grpChg>
+        <pc:inkChg chg="add del">
+          <ac:chgData name="Liam Driscoll" userId="5ea41ec7-39f4-4f21-9bfb-fdaf136f9dc4" providerId="ADAL" clId="{94102F98-C996-4647-A399-EDC1A2D5FD8F}" dt="2024-08-01T08:48:39.028" v="518" actId="9405"/>
+          <ac:inkMkLst>
+            <pc:docMk/>
+            <pc:sldMk cId="2150208301" sldId="262"/>
+            <ac:inkMk id="3" creationId="{747E3AB6-4499-5717-61AC-B1FDB020AE35}"/>
+          </ac:inkMkLst>
+        </pc:inkChg>
+        <pc:inkChg chg="add del">
+          <ac:chgData name="Liam Driscoll" userId="5ea41ec7-39f4-4f21-9bfb-fdaf136f9dc4" providerId="ADAL" clId="{94102F98-C996-4647-A399-EDC1A2D5FD8F}" dt="2024-08-01T08:48:43.437" v="530" actId="9405"/>
+          <ac:inkMkLst>
+            <pc:docMk/>
+            <pc:sldMk cId="2150208301" sldId="262"/>
+            <ac:inkMk id="4" creationId="{83D88A8F-8663-0D8C-734A-0ECEB8053E40}"/>
+          </ac:inkMkLst>
+        </pc:inkChg>
+        <pc:inkChg chg="add del mod">
+          <ac:chgData name="Liam Driscoll" userId="5ea41ec7-39f4-4f21-9bfb-fdaf136f9dc4" providerId="ADAL" clId="{94102F98-C996-4647-A399-EDC1A2D5FD8F}" dt="2024-08-01T08:48:43.060" v="529" actId="9405"/>
+          <ac:inkMkLst>
+            <pc:docMk/>
+            <pc:sldMk cId="2150208301" sldId="262"/>
+            <ac:inkMk id="5" creationId="{5ED8E28E-DB81-5C54-6821-92C53C1D0ED1}"/>
+          </ac:inkMkLst>
+        </pc:inkChg>
+        <pc:inkChg chg="add del mod">
+          <ac:chgData name="Liam Driscoll" userId="5ea41ec7-39f4-4f21-9bfb-fdaf136f9dc4" providerId="ADAL" clId="{94102F98-C996-4647-A399-EDC1A2D5FD8F}" dt="2024-08-01T08:48:42.638" v="528" actId="9405"/>
+          <ac:inkMkLst>
+            <pc:docMk/>
+            <pc:sldMk cId="2150208301" sldId="262"/>
+            <ac:inkMk id="6" creationId="{9B31787C-8B62-C139-1ED0-19C1C09B8F15}"/>
+          </ac:inkMkLst>
+        </pc:inkChg>
+        <pc:inkChg chg="add del mod">
+          <ac:chgData name="Liam Driscoll" userId="5ea41ec7-39f4-4f21-9bfb-fdaf136f9dc4" providerId="ADAL" clId="{94102F98-C996-4647-A399-EDC1A2D5FD8F}" dt="2024-08-01T08:48:42.300" v="527" actId="9405"/>
+          <ac:inkMkLst>
+            <pc:docMk/>
+            <pc:sldMk cId="2150208301" sldId="262"/>
+            <ac:inkMk id="7" creationId="{83FEBE7F-1B9F-0A5F-36DF-AFB448F893A7}"/>
+          </ac:inkMkLst>
+        </pc:inkChg>
+        <pc:inkChg chg="add del">
+          <ac:chgData name="Liam Driscoll" userId="5ea41ec7-39f4-4f21-9bfb-fdaf136f9dc4" providerId="ADAL" clId="{94102F98-C996-4647-A399-EDC1A2D5FD8F}" dt="2024-08-01T08:48:41.859" v="526"/>
+          <ac:inkMkLst>
+            <pc:docMk/>
+            <pc:sldMk cId="2150208301" sldId="262"/>
+            <ac:inkMk id="9" creationId="{9C3D2BC9-ABA3-9AFA-0739-C19737E742FF}"/>
+          </ac:inkMkLst>
+        </pc:inkChg>
+      </pc:sldChg>
+      <pc:sldChg chg="addSp delSp modSp mod">
+        <pc:chgData name="Liam Driscoll" userId="5ea41ec7-39f4-4f21-9bfb-fdaf136f9dc4" providerId="ADAL" clId="{94102F98-C996-4647-A399-EDC1A2D5FD8F}" dt="2024-08-01T08:28:19.539" v="256" actId="20577"/>
+        <pc:sldMkLst>
+          <pc:docMk/>
+          <pc:sldMk cId="4053993705" sldId="263"/>
+        </pc:sldMkLst>
+        <pc:spChg chg="del mod">
+          <ac:chgData name="Liam Driscoll" userId="5ea41ec7-39f4-4f21-9bfb-fdaf136f9dc4" providerId="ADAL" clId="{94102F98-C996-4647-A399-EDC1A2D5FD8F}" dt="2024-08-01T08:20:22.327" v="139" actId="26606"/>
+          <ac:spMkLst>
+            <pc:docMk/>
+            <pc:sldMk cId="4053993705" sldId="263"/>
+            <ac:spMk id="3" creationId="{21968073-9636-E97F-CA5D-6A6F7A5B1AE8}"/>
+          </ac:spMkLst>
+        </pc:spChg>
+        <pc:graphicFrameChg chg="add mod">
+          <ac:chgData name="Liam Driscoll" userId="5ea41ec7-39f4-4f21-9bfb-fdaf136f9dc4" providerId="ADAL" clId="{94102F98-C996-4647-A399-EDC1A2D5FD8F}" dt="2024-08-01T08:28:19.539" v="256" actId="20577"/>
+          <ac:graphicFrameMkLst>
+            <pc:docMk/>
+            <pc:sldMk cId="4053993705" sldId="263"/>
+            <ac:graphicFrameMk id="14" creationId="{3BF562FD-B185-243F-75B7-29C1F79464EE}"/>
+          </ac:graphicFrameMkLst>
+        </pc:graphicFrameChg>
+      </pc:sldChg>
+    </pc:docChg>
+  </pc:docChgLst>
+</pc:chgInfo>
+</file>
+
 <file path=ppt/diagrams/colors1.xml><?xml version="1.0" encoding="utf-8"?>
+<dgm:colorsDef xmlns:dgm="http://schemas.openxmlformats.org/drawingml/2006/diagram" xmlns:a="http://schemas.openxmlformats.org/drawingml/2006/main" uniqueId="urn:microsoft.com/office/officeart/2005/8/colors/accent1_2">
+  <dgm:title val=""/>
+  <dgm:desc val=""/>
+  <dgm:catLst>
+    <dgm:cat type="accent1" pri="11200"/>
+  </dgm:catLst>
+  <dgm:styleLbl name="node0">
+    <dgm:fillClrLst meth="repeat">
+      <a:schemeClr val="accent1"/>
+    </dgm:fillClrLst>
+    <dgm:linClrLst meth="repeat">
+      <a:schemeClr val="lt1"/>
+    </dgm:linClrLst>
+    <dgm:effectClrLst/>
+    <dgm:txLinClrLst/>
+    <dgm:txFillClrLst/>
+    <dgm:txEffectClrLst/>
+  </dgm:styleLbl>
+  <dgm:styleLbl name="alignNode1">
+    <dgm:fillClrLst meth="repeat">
+      <a:schemeClr val="accent1"/>
+    </dgm:fillClrLst>
+    <dgm:linClrLst meth="repeat">
+      <a:schemeClr val="accent1"/>
+    </dgm:linClrLst>
+    <dgm:effectClrLst/>
+    <dgm:txLinClrLst/>
+    <dgm:txFillClrLst/>
+    <dgm:txEffectClrLst/>
+  </dgm:styleLbl>
+  <dgm:styleLbl name="node1">
+    <dgm:fillClrLst meth="repeat">
+      <a:schemeClr val="accent1"/>
+    </dgm:fillClrLst>
+    <dgm:linClrLst meth="repeat">
+      <a:schemeClr val="lt1"/>
+    </dgm:linClrLst>
+    <dgm:effectClrLst/>
+    <dgm:txLinClrLst/>
+    <dgm:txFillClrLst/>
+    <dgm:txEffectClrLst/>
+  </dgm:styleLbl>
+  <dgm:styleLbl name="lnNode1">
+    <dgm:fillClrLst meth="repeat">
+      <a:schemeClr val="accent1"/>
+    </dgm:fillClrLst>
+    <dgm:linClrLst meth="repeat">
+      <a:schemeClr val="lt1"/>
+    </dgm:linClrLst>
+    <dgm:effectClrLst/>
+    <dgm:txLinClrLst/>
+    <dgm:txFillClrLst/>
+    <dgm:txEffectClrLst/>
+  </dgm:styleLbl>
+  <dgm:styleLbl name="vennNode1">
+    <dgm:fillClrLst meth="repeat">
+      <a:schemeClr val="accent1">
+        <a:alpha val="50000"/>
+      </a:schemeClr>
+    </dgm:fillClrLst>
+    <dgm:linClrLst meth="repeat">
+      <a:schemeClr val="lt1"/>
+    </dgm:linClrLst>
+    <dgm:effectClrLst/>
+    <dgm:txLinClrLst/>
+    <dgm:txFillClrLst/>
+    <dgm:txEffectClrLst/>
+  </dgm:styleLbl>
+  <dgm:styleLbl name="node2">
+    <dgm:fillClrLst meth="repeat">
+      <a:schemeClr val="accent1"/>
+    </dgm:fillClrLst>
+    <dgm:linClrLst meth="repeat">
+      <a:schemeClr val="lt1"/>
+    </dgm:linClrLst>
+    <dgm:effectClrLst/>
+    <dgm:txLinClrLst/>
+    <dgm:txFillClrLst/>
+    <dgm:txEffectClrLst/>
+  </dgm:styleLbl>
+  <dgm:styleLbl name="node3">
+    <dgm:fillClrLst meth="repeat">
+      <a:schemeClr val="accent1"/>
+    </dgm:fillClrLst>
+    <dgm:linClrLst meth="repeat">
+      <a:schemeClr val="lt1"/>
+    </dgm:linClrLst>
+    <dgm:effectClrLst/>
+    <dgm:txLinClrLst/>
+    <dgm:txFillClrLst/>
+    <dgm:txEffectClrLst/>
+  </dgm:styleLbl>
+  <dgm:styleLbl name="node4">
+    <dgm:fillClrLst meth="repeat">
+      <a:schemeClr val="accent1"/>
+    </dgm:fillClrLst>
+    <dgm:linClrLst meth="repeat">
+      <a:schemeClr val="lt1"/>
+    </dgm:linClrLst>
+    <dgm:effectClrLst/>
+    <dgm:txLinClrLst/>
+    <dgm:txFillClrLst/>
+    <dgm:txEffectClrLst/>
+  </dgm:styleLbl>
+  <dgm:styleLbl name="fgImgPlace1">
+    <dgm:fillClrLst meth="repeat">
+      <a:schemeClr val="accent1">
+        <a:tint val="50000"/>
+      </a:schemeClr>
+    </dgm:fillClrLst>
+    <dgm:linClrLst meth="repeat">
+      <a:schemeClr val="lt1"/>
+    </dgm:linClrLst>
+    <dgm:effectClrLst/>
+    <dgm:txLinClrLst/>
+    <dgm:txFillClrLst meth="repeat">
+      <a:schemeClr val="lt1"/>
+    </dgm:txFillClrLst>
+    <dgm:txEffectClrLst/>
+  </dgm:styleLbl>
+  <dgm:styleLbl name="alignImgPlace1">
+    <dgm:fillClrLst meth="repeat">
+      <a:schemeClr val="accent1">
+        <a:tint val="50000"/>
+      </a:schemeClr>
+    </dgm:fillClrLst>
+    <dgm:linClrLst meth="repeat">
+      <a:schemeClr val="lt1"/>
+    </dgm:linClrLst>
+    <dgm:effectClrLst/>
+    <dgm:txLinClrLst/>
+    <dgm:txFillClrLst meth="repeat">
+      <a:schemeClr val="lt1"/>
+    </dgm:txFillClrLst>
+    <dgm:txEffectClrLst/>
+  </dgm:styleLbl>
+  <dgm:styleLbl name="bgImgPlace1">
+    <dgm:fillClrLst meth="repeat">
+      <a:schemeClr val="accent1">
+        <a:tint val="50000"/>
+      </a:schemeClr>
+    </dgm:fillClrLst>
+    <dgm:linClrLst meth="repeat">
+      <a:schemeClr val="lt1"/>
+    </dgm:linClrLst>
+    <dgm:effectClrLst/>
+    <dgm:txLinClrLst/>
+    <dgm:txFillClrLst meth="repeat">
+      <a:schemeClr val="lt1"/>
+    </dgm:txFillClrLst>
+    <dgm:txEffectClrLst/>
+  </dgm:styleLbl>
+  <dgm:styleLbl name="sibTrans2D1">
+    <dgm:fillClrLst meth="repeat">
+      <a:schemeClr val="accent1">
+        <a:tint val="60000"/>
+      </a:schemeClr>
+    </dgm:fillClrLst>
+    <dgm:linClrLst meth="repeat">
+      <a:schemeClr val="accent1">
+        <a:tint val="60000"/>
+      </a:schemeClr>
+    </dgm:linClrLst>
+    <dgm:effectClrLst/>
+    <dgm:txLinClrLst/>
+    <dgm:txFillClrLst/>
+    <dgm:txEffectClrLst/>
+  </dgm:styleLbl>
+  <dgm:styleLbl name="fgSibTrans2D1">
+    <dgm:fillClrLst meth="repeat">
+      <a:schemeClr val="accent1">
+        <a:tint val="60000"/>
+      </a:schemeClr>
+    </dgm:fillClrLst>
+    <dgm:linClrLst meth="repeat">
+      <a:schemeClr val="accent1">
+        <a:tint val="60000"/>
+      </a:schemeClr>
+    </dgm:linClrLst>
+    <dgm:effectClrLst/>
+    <dgm:txLinClrLst/>
+    <dgm:txFillClrLst/>
+    <dgm:txEffectClrLst/>
+  </dgm:styleLbl>
+  <dgm:styleLbl name="bgSibTrans2D1">
+    <dgm:fillClrLst meth="repeat">
+      <a:schemeClr val="accent1">
+        <a:tint val="60000"/>
+      </a:schemeClr>
+    </dgm:fillClrLst>
+    <dgm:linClrLst meth="repeat">
+      <a:schemeClr val="accent1">
+        <a:tint val="60000"/>
+      </a:schemeClr>
+    </dgm:linClrLst>
+    <dgm:effectClrLst/>
+    <dgm:txLinClrLst/>
+    <dgm:txFillClrLst/>
+    <dgm:txEffectClrLst/>
+  </dgm:styleLbl>
+  <dgm:styleLbl name="sibTrans1D1">
+    <dgm:fillClrLst meth="repeat">
+      <a:schemeClr val="accent1"/>
+    </dgm:fillClrLst>
+    <dgm:linClrLst meth="repeat">
+      <a:schemeClr val="accent1"/>
+    </dgm:linClrLst>
+    <dgm:effectClrLst/>
+    <dgm:txLinClrLst/>
+    <dgm:txFillClrLst meth="repeat">
+      <a:schemeClr val="tx1"/>
+    </dgm:txFillClrLst>
+    <dgm:txEffectClrLst/>
+  </dgm:styleLbl>
+  <dgm:styleLbl name="callout">
+    <dgm:fillClrLst meth="repeat">
+      <a:schemeClr val="accent1"/>
+    </dgm:fillClrLst>
+    <dgm:linClrLst meth="repeat">
+      <a:schemeClr val="accent1">
+        <a:tint val="50000"/>
+      </a:schemeClr>
+    </dgm:linClrLst>
+    <dgm:effectClrLst/>
+    <dgm:txLinClrLst/>
+    <dgm:txFillClrLst meth="repeat">
+      <a:schemeClr val="tx1"/>
+    </dgm:txFillClrLst>
+    <dgm:txEffectClrLst/>
+  </dgm:styleLbl>
+  <dgm:styleLbl name="asst0">
+    <dgm:fillClrLst meth="repeat">
+      <a:schemeClr val="accent1"/>
+    </dgm:fillClrLst>
+    <dgm:linClrLst meth="repeat">
+      <a:schemeClr val="lt1"/>
+    </dgm:linClrLst>
+    <dgm:effectClrLst/>
+    <dgm:txLinClrLst/>
+    <dgm:txFillClrLst/>
+    <dgm:txEffectClrLst/>
+  </dgm:styleLbl>
+  <dgm:styleLbl name="asst1">
+    <dgm:fillClrLst meth="repeat">
+      <a:schemeClr val="accent1"/>
+    </dgm:fillClrLst>
+    <dgm:linClrLst meth="repeat">
+      <a:schemeClr val="lt1"/>
+    </dgm:linClrLst>
+    <dgm:effectClrLst/>
+    <dgm:txLinClrLst/>
+    <dgm:txFillClrLst/>
+    <dgm:txEffectClrLst/>
+  </dgm:styleLbl>
+  <dgm:styleLbl name="asst2">
+    <dgm:fillClrLst meth="repeat">
+      <a:schemeClr val="accent1"/>
+    </dgm:fillClrLst>
+    <dgm:linClrLst meth="repeat">
+      <a:schemeClr val="lt1"/>
+    </dgm:linClrLst>
+    <dgm:effectClrLst/>
+    <dgm:txLinClrLst/>
+    <dgm:txFillClrLst/>
+    <dgm:txEffectClrLst/>
+  </dgm:styleLbl>
+  <dgm:styleLbl name="asst3">
+    <dgm:fillClrLst meth="repeat">
+      <a:schemeClr val="accent1"/>
+    </dgm:fillClrLst>
+    <dgm:linClrLst meth="repeat">
+      <a:schemeClr val="lt1"/>
+    </dgm:linClrLst>
+    <dgm:effectClrLst/>
+    <dgm:txLinClrLst/>
+    <dgm:txFillClrLst/>
+    <dgm:txEffectClrLst/>
+  </dgm:styleLbl>
+  <dgm:styleLbl name="asst4">
+    <dgm:fillClrLst meth="repeat">
+      <a:schemeClr val="accent1"/>
+    </dgm:fillClrLst>
+    <dgm:linClrLst meth="repeat">
+      <a:schemeClr val="lt1"/>
+    </dgm:linClrLst>
+    <dgm:effectClrLst/>
+    <dgm:txLinClrLst/>
+    <dgm:txFillClrLst/>
+    <dgm:txEffectClrLst/>
+  </dgm:styleLbl>
+  <dgm:styleLbl name="parChTrans2D1">
+    <dgm:fillClrLst meth="repeat">
+      <a:schemeClr val="accent1">
+        <a:tint val="60000"/>
+      </a:schemeClr>
+    </dgm:fillClrLst>
+    <dgm:linClrLst meth="repeat">
+      <a:schemeClr val="accent1">
+        <a:tint val="60000"/>
+      </a:schemeClr>
+    </dgm:linClrLst>
+    <dgm:effectClrLst/>
+    <dgm:txLinClrLst/>
+    <dgm:txFillClrLst meth="repeat">
+      <a:schemeClr val="lt1"/>
+    </dgm:txFillClrLst>
+    <dgm:txEffectClrLst/>
+  </dgm:styleLbl>
+  <dgm:styleLbl name="parChTrans2D2">
+    <dgm:fillClrLst meth="repeat">
+      <a:schemeClr val="accent1"/>
+    </dgm:fillClrLst>
+    <dgm:linClrLst meth="repeat">
+      <a:schemeClr val="accent1"/>
+    </dgm:linClrLst>
+    <dgm:effectClrLst/>
+    <dgm:txLinClrLst/>
+    <dgm:txFillClrLst meth="repeat">
+      <a:schemeClr val="lt1"/>
+    </dgm:txFillClrLst>
+    <dgm:txEffectClrLst/>
+  </dgm:styleLbl>
+  <dgm:styleLbl name="parChTrans2D3">
+    <dgm:fillClrLst meth="repeat">
+      <a:schemeClr val="accent1"/>
+    </dgm:fillClrLst>
+    <dgm:linClrLst meth="repeat">
+      <a:schemeClr val="accent1"/>
+    </dgm:linClrLst>
+    <dgm:effectClrLst/>
+    <dgm:txLinClrLst/>
+    <dgm:txFillClrLst meth="repeat">
+      <a:schemeClr val="lt1"/>
+    </dgm:txFillClrLst>
+    <dgm:txEffectClrLst/>
+  </dgm:styleLbl>
+  <dgm:styleLbl name="parChTrans2D4">
+    <dgm:fillClrLst meth="repeat">
+      <a:schemeClr val="accent1"/>
+    </dgm:fillClrLst>
+    <dgm:linClrLst meth="repeat">
+      <a:schemeClr val="accent1"/>
+    </dgm:linClrLst>
+    <dgm:effectClrLst/>
+    <dgm:txLinClrLst/>
+    <dgm:txFillClrLst meth="repeat">
+      <a:schemeClr val="lt1"/>
+    </dgm:txFillClrLst>
+    <dgm:txEffectClrLst/>
+  </dgm:styleLbl>
+  <dgm:styleLbl name="parChTrans1D1">
+    <dgm:fillClrLst meth="repeat">
+      <a:schemeClr val="accent1"/>
+    </dgm:fillClrLst>
+    <dgm:linClrLst meth="repeat">
+      <a:schemeClr val="accent1">
+        <a:shade val="60000"/>
+      </a:schemeClr>
+    </dgm:linClrLst>
+    <dgm:effectClrLst/>
+    <dgm:txLinClrLst/>
+    <dgm:txFillClrLst meth="repeat">
+      <a:schemeClr val="tx1"/>
+    </dgm:txFillClrLst>
+    <dgm:txEffectClrLst/>
+  </dgm:styleLbl>
+  <dgm:styleLbl name="parChTrans1D2">
+    <dgm:fillClrLst meth="repeat">
+      <a:schemeClr val="accent1"/>
+    </dgm:fillClrLst>
+    <dgm:linClrLst meth="repeat">
+      <a:schemeClr val="accent1">
+        <a:shade val="60000"/>
+      </a:schemeClr>
+    </dgm:linClrLst>
+    <dgm:effectClrLst/>
+    <dgm:txLinClrLst/>
+    <dgm:txFillClrLst meth="repeat">
+      <a:schemeClr val="tx1"/>
+    </dgm:txFillClrLst>
+    <dgm:txEffectClrLst/>
+  </dgm:styleLbl>
+  <dgm:styleLbl name="parChTrans1D3">
+    <dgm:fillClrLst meth="repeat">
+      <a:schemeClr val="accent1"/>
+    </dgm:fillClrLst>
+    <dgm:linClrLst meth="repeat">
+      <a:schemeClr val="accent1">
+        <a:shade val="80000"/>
+      </a:schemeClr>
+    </dgm:linClrLst>
+    <dgm:effectClrLst/>
+    <dgm:txLinClrLst/>
+    <dgm:txFillClrLst meth="repeat">
+      <a:schemeClr val="tx1"/>
+    </dgm:txFillClrLst>
+    <dgm:txEffectClrLst/>
+  </dgm:styleLbl>
+  <dgm:styleLbl name="parChTrans1D4">
+    <dgm:fillClrLst meth="repeat">
+      <a:schemeClr val="accent1"/>
+    </dgm:fillClrLst>
+    <dgm:linClrLst meth="repeat">
+      <a:schemeClr val="accent1">
+        <a:shade val="80000"/>
+      </a:schemeClr>
+    </dgm:linClrLst>
+    <dgm:effectClrLst/>
+    <dgm:txLinClrLst/>
+    <dgm:txFillClrLst meth="repeat">
+      <a:schemeClr val="tx1"/>
+    </dgm:txFillClrLst>
+    <dgm:txEffectClrLst/>
+  </dgm:styleLbl>
+  <dgm:styleLbl name="fgAcc1">
+    <dgm:fillClrLst meth="repeat">
+      <a:schemeClr val="lt1">
+        <a:alpha val="90000"/>
+      </a:schemeClr>
+    </dgm:fillClrLst>
+    <dgm:linClrLst meth="repeat">
+      <a:schemeClr val="accent1"/>
+    </dgm:linClrLst>
+    <dgm:effectClrLst/>
+    <dgm:txLinClrLst/>
+    <dgm:txFillClrLst meth="repeat">
+      <a:schemeClr val="dk1"/>
+    </dgm:txFillClrLst>
+    <dgm:txEffectClrLst/>
+  </dgm:styleLbl>
+  <dgm:styleLbl name="conFgAcc1">
+    <dgm:fillClrLst meth="repeat">
+      <a:schemeClr val="lt1">
+        <a:alpha val="90000"/>
+      </a:schemeClr>
+    </dgm:fillClrLst>
+    <dgm:linClrLst meth="repeat">
+      <a:schemeClr val="accent1"/>
+    </dgm:linClrLst>
+    <dgm:effectClrLst/>
+    <dgm:txLinClrLst/>
+    <dgm:txFillClrLst meth="repeat">
+      <a:schemeClr val="dk1"/>
+    </dgm:txFillClrLst>
+    <dgm:txEffectClrLst/>
+  </dgm:styleLbl>
+  <dgm:styleLbl name="alignAcc1">
+    <dgm:fillClrLst meth="repeat">
+      <a:schemeClr val="lt1">
+        <a:alpha val="90000"/>
+      </a:schemeClr>
+    </dgm:fillClrLst>
+    <dgm:linClrLst meth="repeat">
+      <a:schemeClr val="accent1"/>
+    </dgm:linClrLst>
+    <dgm:effectClrLst/>
+    <dgm:txLinClrLst/>
+    <dgm:txFillClrLst meth="repeat">
+      <a:schemeClr val="dk1"/>
+    </dgm:txFillClrLst>
+    <dgm:txEffectClrLst/>
+  </dgm:styleLbl>
+  <dgm:styleLbl name="trAlignAcc1">
+    <dgm:fillClrLst meth="repeat">
+      <a:schemeClr val="lt1">
+        <a:alpha val="40000"/>
+      </a:schemeClr>
+    </dgm:fillClrLst>
+    <dgm:linClrLst meth="repeat">
+      <a:schemeClr val="accent1"/>
+    </dgm:linClrLst>
+    <dgm:effectClrLst/>
+    <dgm:txLinClrLst/>
+    <dgm:txFillClrLst meth="repeat">
+      <a:schemeClr val="dk1"/>
+    </dgm:txFillClrLst>
+    <dgm:txEffectClrLst/>
+  </dgm:styleLbl>
+  <dgm:styleLbl name="bgAcc1">
+    <dgm:fillClrLst meth="repeat">
+      <a:schemeClr val="lt1">
+        <a:alpha val="90000"/>
+      </a:schemeClr>
+    </dgm:fillClrLst>
+    <dgm:linClrLst meth="repeat">
+      <a:schemeClr val="accent1"/>
+    </dgm:linClrLst>
+    <dgm:effectClrLst/>
+    <dgm:txLinClrLst/>
+    <dgm:txFillClrLst meth="repeat">
+      <a:schemeClr val="dk1"/>
+    </dgm:txFillClrLst>
+    <dgm:txEffectClrLst/>
+  </dgm:styleLbl>
+  <dgm:styleLbl name="solidFgAcc1">
+    <dgm:fillClrLst meth="repeat">
+      <a:schemeClr val="lt1"/>
+    </dgm:fillClrLst>
+    <dgm:linClrLst meth="repeat">
+      <a:schemeClr val="accent1"/>
+    </dgm:linClrLst>
+    <dgm:effectClrLst/>
+    <dgm:txLinClrLst/>
+    <dgm:txFillClrLst meth="repeat">
+      <a:schemeClr val="dk1"/>
+    </dgm:txFillClrLst>
+    <dgm:txEffectClrLst/>
+  </dgm:styleLbl>
+  <dgm:styleLbl name="solidAlignAcc1">
+    <dgm:fillClrLst meth="repeat">
+      <a:schemeClr val="lt1"/>
+    </dgm:fillClrLst>
+    <dgm:linClrLst meth="repeat">
+      <a:schemeClr val="accent1"/>
+    </dgm:linClrLst>
+    <dgm:effectClrLst/>
+    <dgm:txLinClrLst/>
+    <dgm:txFillClrLst meth="repeat">
+      <a:schemeClr val="dk1"/>
+    </dgm:txFillClrLst>
+    <dgm:txEffectClrLst/>
+  </dgm:styleLbl>
+  <dgm:styleLbl name="solidBgAcc1">
+    <dgm:fillClrLst meth="repeat">
+      <a:schemeClr val="lt1"/>
+    </dgm:fillClrLst>
+    <dgm:linClrLst meth="repeat">
+      <a:schemeClr val="accent1"/>
+    </dgm:linClrLst>
+    <dgm:effectClrLst/>
+    <dgm:txLinClrLst/>
+    <dgm:txFillClrLst meth="repeat">
+      <a:schemeClr val="dk1"/>
+    </dgm:txFillClrLst>
+    <dgm:txEffectClrLst/>
+  </dgm:styleLbl>
+  <dgm:styleLbl name="fgAccFollowNode1">
+    <dgm:fillClrLst meth="repeat">
+      <a:schemeClr val="accent1">
+        <a:alpha val="90000"/>
+        <a:tint val="40000"/>
+      </a:schemeClr>
+    </dgm:fillClrLst>
+    <dgm:linClrLst meth="repeat">
+      <a:schemeClr val="accent1">
+        <a:alpha val="90000"/>
+        <a:tint val="40000"/>
+      </a:schemeClr>
+    </dgm:linClrLst>
+    <dgm:effectClrLst/>
+    <dgm:txLinClrLst/>
+    <dgm:txFillClrLst meth="repeat">
+      <a:schemeClr val="dk1"/>
+    </dgm:txFillClrLst>
+    <dgm:txEffectClrLst/>
+  </dgm:styleLbl>
+  <dgm:styleLbl name="alignAccFollowNode1">
+    <dgm:fillClrLst meth="repeat">
+      <a:schemeClr val="accent1">
+        <a:alpha val="90000"/>
+        <a:tint val="40000"/>
+      </a:schemeClr>
+    </dgm:fillClrLst>
+    <dgm:linClrLst meth="repeat">
+      <a:schemeClr val="accent1">
+        <a:alpha val="90000"/>
+        <a:tint val="40000"/>
+      </a:schemeClr>
+    </dgm:linClrLst>
+    <dgm:effectClrLst/>
+    <dgm:txLinClrLst/>
+    <dgm:txFillClrLst meth="repeat">
+      <a:schemeClr val="dk1"/>
+    </dgm:txFillClrLst>
+    <dgm:txEffectClrLst/>
+  </dgm:styleLbl>
+  <dgm:styleLbl name="bgAccFollowNode1">
+    <dgm:fillClrLst meth="repeat">
+      <a:schemeClr val="accent1">
+        <a:alpha val="90000"/>
+        <a:tint val="40000"/>
+      </a:schemeClr>
+    </dgm:fillClrLst>
+    <dgm:linClrLst meth="repeat">
+      <a:schemeClr val="accent1">
+        <a:alpha val="90000"/>
+        <a:tint val="40000"/>
+      </a:schemeClr>
+    </dgm:linClrLst>
+    <dgm:effectClrLst/>
+    <dgm:txLinClrLst/>
+    <dgm:txFillClrLst meth="repeat">
+      <a:schemeClr val="dk1"/>
+    </dgm:txFillClrLst>
+    <dgm:txEffectClrLst/>
+  </dgm:styleLbl>
+  <dgm:styleLbl name="fgAcc0">
+    <dgm:fillClrLst meth="repeat">
+      <a:schemeClr val="lt1">
+        <a:alpha val="90000"/>
+      </a:schemeClr>
+    </dgm:fillClrLst>
+    <dgm:linClrLst meth="repeat">
+      <a:schemeClr val="accent1"/>
+    </dgm:linClrLst>
+    <dgm:effectClrLst/>
+    <dgm:txLinClrLst/>
+    <dgm:txFillClrLst meth="repeat">
+      <a:schemeClr val="dk1"/>
+    </dgm:txFillClrLst>
+    <dgm:txEffectClrLst/>
+  </dgm:styleLbl>
+  <dgm:styleLbl name="fgAcc2">
+    <dgm:fillClrLst meth="repeat">
+      <a:schemeClr val="lt1">
+        <a:alpha val="90000"/>
+      </a:schemeClr>
+    </dgm:fillClrLst>
+    <dgm:linClrLst meth="repeat">
+      <a:schemeClr val="accent1"/>
+    </dgm:linClrLst>
+    <dgm:effectClrLst/>
+    <dgm:txLinClrLst/>
+    <dgm:txFillClrLst meth="repeat">
+      <a:schemeClr val="dk1"/>
+    </dgm:txFillClrLst>
+    <dgm:txEffectClrLst/>
+  </dgm:styleLbl>
+  <dgm:styleLbl name="fgAcc3">
+    <dgm:fillClrLst meth="repeat">
+      <a:schemeClr val="lt1">
+        <a:alpha val="90000"/>
+      </a:schemeClr>
+    </dgm:fillClrLst>
+    <dgm:linClrLst meth="repeat">
+      <a:schemeClr val="accent1"/>
+    </dgm:linClrLst>
+    <dgm:effectClrLst/>
+    <dgm:txLinClrLst/>
+    <dgm:txFillClrLst meth="repeat">
+      <a:schemeClr val="dk1"/>
+    </dgm:txFillClrLst>
+    <dgm:txEffectClrLst/>
+  </dgm:styleLbl>
+  <dgm:styleLbl name="fgAcc4">
+    <dgm:fillClrLst meth="repeat">
+      <a:schemeClr val="lt1">
+        <a:alpha val="90000"/>
+      </a:schemeClr>
+    </dgm:fillClrLst>
+    <dgm:linClrLst meth="repeat">
+      <a:schemeClr val="accent1"/>
+    </dgm:linClrLst>
+    <dgm:effectClrLst/>
+    <dgm:txLinClrLst/>
+    <dgm:txFillClrLst meth="repeat">
+      <a:schemeClr val="dk1"/>
+    </dgm:txFillClrLst>
+    <dgm:txEffectClrLst/>
+  </dgm:styleLbl>
+  <dgm:styleLbl name="bgShp">
+    <dgm:fillClrLst meth="repeat">
+      <a:schemeClr val="accent1">
+        <a:tint val="40000"/>
+      </a:schemeClr>
+    </dgm:fillClrLst>
+    <dgm:linClrLst meth="repeat">
+      <a:schemeClr val="accent1"/>
+    </dgm:linClrLst>
+    <dgm:effectClrLst/>
+    <dgm:txLinClrLst/>
+    <dgm:txFillClrLst meth="repeat">
+      <a:schemeClr val="dk1"/>
+    </dgm:txFillClrLst>
+    <dgm:txEffectClrLst/>
+  </dgm:styleLbl>
+  <dgm:styleLbl name="dkBgShp">
+    <dgm:fillClrLst meth="repeat">
+      <a:schemeClr val="accent1">
+        <a:shade val="80000"/>
+      </a:schemeClr>
+    </dgm:fillClrLst>
+    <dgm:linClrLst meth="repeat">
+      <a:schemeClr val="accent1"/>
+    </dgm:linClrLst>
+    <dgm:effectClrLst/>
+    <dgm:txLinClrLst/>
+    <dgm:txFillClrLst meth="repeat">
+      <a:schemeClr val="lt1"/>
+    </dgm:txFillClrLst>
+    <dgm:txEffectClrLst/>
+  </dgm:styleLbl>
+  <dgm:styleLbl name="trBgShp">
+    <dgm:fillClrLst meth="repeat">
+      <a:schemeClr val="accent1">
+        <a:tint val="50000"/>
+        <a:alpha val="40000"/>
+      </a:schemeClr>
+    </dgm:fillClrLst>
+    <dgm:linClrLst meth="repeat">
+      <a:schemeClr val="accent1"/>
+    </dgm:linClrLst>
+    <dgm:effectClrLst/>
+    <dgm:txLinClrLst/>
+    <dgm:txFillClrLst meth="repeat">
+      <a:schemeClr val="lt1"/>
+    </dgm:txFillClrLst>
+    <dgm:txEffectClrLst/>
+  </dgm:styleLbl>
+  <dgm:styleLbl name="fgShp">
+    <dgm:fillClrLst meth="repeat">
+      <a:schemeClr val="accent1">
+        <a:tint val="60000"/>
+      </a:schemeClr>
+    </dgm:fillClrLst>
+    <dgm:linClrLst meth="repeat">
+      <a:schemeClr val="lt1"/>
+    </dgm:linClrLst>
+    <dgm:effectClrLst/>
+    <dgm:txLinClrLst/>
+    <dgm:txFillClrLst meth="repeat">
+      <a:schemeClr val="dk1"/>
+    </dgm:txFillClrLst>
+    <dgm:txEffectClrLst/>
+  </dgm:styleLbl>
+  <dgm:styleLbl name="revTx">
+    <dgm:fillClrLst meth="repeat">
+      <a:schemeClr val="lt1">
+        <a:alpha val="0"/>
+      </a:schemeClr>
+    </dgm:fillClrLst>
+    <dgm:linClrLst meth="repeat">
+      <a:schemeClr val="dk1">
+        <a:alpha val="0"/>
+      </a:schemeClr>
+    </dgm:linClrLst>
+    <dgm:effectClrLst/>
+    <dgm:txLinClrLst/>
+    <dgm:txFillClrLst meth="repeat">
+      <a:schemeClr val="tx1"/>
+    </dgm:txFillClrLst>
+    <dgm:txEffectClrLst/>
+  </dgm:styleLbl>
+</dgm:colorsDef>
+</file>
+
+<file path=ppt/diagrams/colors2.xml><?xml version="1.0" encoding="utf-8"?>
 <dgm:colorsDef xmlns:dgm="http://schemas.openxmlformats.org/drawingml/2006/diagram" xmlns:a="http://schemas.openxmlformats.org/drawingml/2006/main" uniqueId="urn:microsoft.com/office/officeart/2005/8/colors/accent1_2">
   <dgm:title val=""/>
   <dgm:desc val=""/>
@@ -1656,6 +3634,517 @@
 </dgm:dataModel>
 </file>
 
+<file path=ppt/diagrams/data2.xml><?xml version="1.0" encoding="utf-8"?>
+<dgm:dataModel xmlns:dgm="http://schemas.openxmlformats.org/drawingml/2006/diagram" xmlns:a="http://schemas.openxmlformats.org/drawingml/2006/main">
+  <dgm:ptLst>
+    <dgm:pt modelId="{5C96162C-D6FD-454C-A098-B8A44B5F19C4}" type="doc">
+      <dgm:prSet loTypeId="urn:microsoft.com/office/officeart/2005/8/layout/hList1" loCatId="list" qsTypeId="urn:microsoft.com/office/officeart/2005/8/quickstyle/simple1" qsCatId="simple" csTypeId="urn:microsoft.com/office/officeart/2005/8/colors/accent1_2" csCatId="accent1" phldr="1"/>
+      <dgm:spPr/>
+      <dgm:t>
+        <a:bodyPr/>
+        <a:lstStyle/>
+        <a:p>
+          <a:endParaRPr lang="en-US"/>
+        </a:p>
+      </dgm:t>
+    </dgm:pt>
+    <dgm:pt modelId="{4ECE62C5-2290-4016-BDF1-6F0ED77F225A}">
+      <dgm:prSet/>
+      <dgm:spPr>
+        <a:solidFill>
+          <a:schemeClr val="tx1">
+            <a:lumMod val="75000"/>
+            <a:lumOff val="25000"/>
+          </a:schemeClr>
+        </a:solidFill>
+        <a:ln>
+          <a:solidFill>
+            <a:schemeClr val="tx1">
+              <a:lumMod val="75000"/>
+              <a:lumOff val="25000"/>
+            </a:schemeClr>
+          </a:solidFill>
+        </a:ln>
+      </dgm:spPr>
+      <dgm:t>
+        <a:bodyPr/>
+        <a:lstStyle/>
+        <a:p>
+          <a:r>
+            <a:rPr lang="en-GB" dirty="0"/>
+            <a:t>Positive</a:t>
+          </a:r>
+          <a:endParaRPr lang="en-US" dirty="0"/>
+        </a:p>
+      </dgm:t>
+    </dgm:pt>
+    <dgm:pt modelId="{C33BCCFD-758B-4100-93D4-91ECDEF187D7}" type="parTrans" cxnId="{7B4DFCB4-4310-4266-B142-5E7213B066F2}">
+      <dgm:prSet/>
+      <dgm:spPr/>
+      <dgm:t>
+        <a:bodyPr/>
+        <a:lstStyle/>
+        <a:p>
+          <a:endParaRPr lang="en-US"/>
+        </a:p>
+      </dgm:t>
+    </dgm:pt>
+    <dgm:pt modelId="{B4E07B12-B5E2-423A-B219-9CB4676F2FB9}" type="sibTrans" cxnId="{7B4DFCB4-4310-4266-B142-5E7213B066F2}">
+      <dgm:prSet/>
+      <dgm:spPr/>
+      <dgm:t>
+        <a:bodyPr/>
+        <a:lstStyle/>
+        <a:p>
+          <a:endParaRPr lang="en-US"/>
+        </a:p>
+      </dgm:t>
+    </dgm:pt>
+    <dgm:pt modelId="{5841EAA6-02B4-4171-A94A-2C70D0A5D0A0}">
+      <dgm:prSet/>
+      <dgm:spPr/>
+      <dgm:t>
+        <a:bodyPr/>
+        <a:lstStyle/>
+        <a:p>
+          <a:r>
+            <a:rPr lang="en-GB"/>
+            <a:t>Great project idea.</a:t>
+          </a:r>
+          <a:endParaRPr lang="en-US"/>
+        </a:p>
+      </dgm:t>
+    </dgm:pt>
+    <dgm:pt modelId="{080A1311-2213-4226-825A-665A3EB5E215}" type="parTrans" cxnId="{F8649988-17A3-4B6F-B043-A904ABD77006}">
+      <dgm:prSet/>
+      <dgm:spPr/>
+      <dgm:t>
+        <a:bodyPr/>
+        <a:lstStyle/>
+        <a:p>
+          <a:endParaRPr lang="en-US"/>
+        </a:p>
+      </dgm:t>
+    </dgm:pt>
+    <dgm:pt modelId="{7852EA6B-7285-4F86-9F54-D6B25E21FEF3}" type="sibTrans" cxnId="{F8649988-17A3-4B6F-B043-A904ABD77006}">
+      <dgm:prSet/>
+      <dgm:spPr/>
+      <dgm:t>
+        <a:bodyPr/>
+        <a:lstStyle/>
+        <a:p>
+          <a:endParaRPr lang="en-US"/>
+        </a:p>
+      </dgm:t>
+    </dgm:pt>
+    <dgm:pt modelId="{16A8AA0E-E7D1-4F47-B772-5BC5868D30ED}">
+      <dgm:prSet/>
+      <dgm:spPr/>
+      <dgm:t>
+        <a:bodyPr/>
+        <a:lstStyle/>
+        <a:p>
+          <a:r>
+            <a:rPr lang="en-GB"/>
+            <a:t>Loved the autonomy and independence.</a:t>
+          </a:r>
+          <a:endParaRPr lang="en-US"/>
+        </a:p>
+      </dgm:t>
+    </dgm:pt>
+    <dgm:pt modelId="{3C31D7DB-410E-429C-8339-4E6CCD28344F}" type="parTrans" cxnId="{D5D11018-4AB9-4F5A-81B0-26165AFE84C3}">
+      <dgm:prSet/>
+      <dgm:spPr/>
+      <dgm:t>
+        <a:bodyPr/>
+        <a:lstStyle/>
+        <a:p>
+          <a:endParaRPr lang="en-US"/>
+        </a:p>
+      </dgm:t>
+    </dgm:pt>
+    <dgm:pt modelId="{6B00DC4A-CD20-4372-902A-2A9C6BA3CE64}" type="sibTrans" cxnId="{D5D11018-4AB9-4F5A-81B0-26165AFE84C3}">
+      <dgm:prSet/>
+      <dgm:spPr/>
+      <dgm:t>
+        <a:bodyPr/>
+        <a:lstStyle/>
+        <a:p>
+          <a:endParaRPr lang="en-US"/>
+        </a:p>
+      </dgm:t>
+    </dgm:pt>
+    <dgm:pt modelId="{4820EBE2-D1B2-4CD8-81F9-DE6F836C3B69}">
+      <dgm:prSet/>
+      <dgm:spPr/>
+      <dgm:t>
+        <a:bodyPr/>
+        <a:lstStyle/>
+        <a:p>
+          <a:r>
+            <a:rPr lang="en-GB"/>
+            <a:t>Facilities more than adequate.</a:t>
+          </a:r>
+          <a:endParaRPr lang="en-US"/>
+        </a:p>
+      </dgm:t>
+    </dgm:pt>
+    <dgm:pt modelId="{7633A3E5-1263-4F66-BF31-3AEF8944C9B9}" type="parTrans" cxnId="{B01A11D2-FC78-4947-9B3B-BEC5C1B72601}">
+      <dgm:prSet/>
+      <dgm:spPr/>
+      <dgm:t>
+        <a:bodyPr/>
+        <a:lstStyle/>
+        <a:p>
+          <a:endParaRPr lang="en-US"/>
+        </a:p>
+      </dgm:t>
+    </dgm:pt>
+    <dgm:pt modelId="{FC0128CB-8A88-48BF-BD00-1B044D92F1FF}" type="sibTrans" cxnId="{B01A11D2-FC78-4947-9B3B-BEC5C1B72601}">
+      <dgm:prSet/>
+      <dgm:spPr/>
+      <dgm:t>
+        <a:bodyPr/>
+        <a:lstStyle/>
+        <a:p>
+          <a:endParaRPr lang="en-US"/>
+        </a:p>
+      </dgm:t>
+    </dgm:pt>
+    <dgm:pt modelId="{8D649F9E-73DE-45D3-9C9C-AE9CB5B2E895}">
+      <dgm:prSet/>
+      <dgm:spPr/>
+      <dgm:t>
+        <a:bodyPr/>
+        <a:lstStyle/>
+        <a:p>
+          <a:r>
+            <a:rPr lang="en-GB" dirty="0"/>
+            <a:t>Beautiful location.</a:t>
+          </a:r>
+          <a:endParaRPr lang="en-US" dirty="0"/>
+        </a:p>
+      </dgm:t>
+    </dgm:pt>
+    <dgm:pt modelId="{74FA88CB-B3BA-48C9-AB7D-231078D0E0E0}" type="parTrans" cxnId="{FEE6678A-108F-439B-9305-A115919A8A29}">
+      <dgm:prSet/>
+      <dgm:spPr/>
+      <dgm:t>
+        <a:bodyPr/>
+        <a:lstStyle/>
+        <a:p>
+          <a:endParaRPr lang="en-US"/>
+        </a:p>
+      </dgm:t>
+    </dgm:pt>
+    <dgm:pt modelId="{C3B811E3-4A81-4F19-906D-29C3C434E80C}" type="sibTrans" cxnId="{FEE6678A-108F-439B-9305-A115919A8A29}">
+      <dgm:prSet/>
+      <dgm:spPr/>
+      <dgm:t>
+        <a:bodyPr/>
+        <a:lstStyle/>
+        <a:p>
+          <a:endParaRPr lang="en-US"/>
+        </a:p>
+      </dgm:t>
+    </dgm:pt>
+    <dgm:pt modelId="{1E85E0BA-BF1F-461F-B672-DA19F9B6578E}">
+      <dgm:prSet/>
+      <dgm:spPr/>
+      <dgm:t>
+        <a:bodyPr/>
+        <a:lstStyle/>
+        <a:p>
+          <a:r>
+            <a:rPr lang="en-GB"/>
+            <a:t>Friendly bunch.</a:t>
+          </a:r>
+          <a:endParaRPr lang="en-US"/>
+        </a:p>
+      </dgm:t>
+    </dgm:pt>
+    <dgm:pt modelId="{9E0ECA76-672B-4987-B280-DB01126C5D10}" type="parTrans" cxnId="{ED5B450B-8C8D-4E5A-B503-54DAA790F083}">
+      <dgm:prSet/>
+      <dgm:spPr/>
+      <dgm:t>
+        <a:bodyPr/>
+        <a:lstStyle/>
+        <a:p>
+          <a:endParaRPr lang="en-US"/>
+        </a:p>
+      </dgm:t>
+    </dgm:pt>
+    <dgm:pt modelId="{280B0BC8-556F-4646-906A-04CDD5F4E763}" type="sibTrans" cxnId="{ED5B450B-8C8D-4E5A-B503-54DAA790F083}">
+      <dgm:prSet/>
+      <dgm:spPr/>
+      <dgm:t>
+        <a:bodyPr/>
+        <a:lstStyle/>
+        <a:p>
+          <a:endParaRPr lang="en-US"/>
+        </a:p>
+      </dgm:t>
+    </dgm:pt>
+    <dgm:pt modelId="{4ABA251C-D073-4123-AE23-043F89FE9F02}">
+      <dgm:prSet/>
+      <dgm:spPr/>
+      <dgm:t>
+        <a:bodyPr/>
+        <a:lstStyle/>
+        <a:p>
+          <a:r>
+            <a:rPr lang="en-GB" dirty="0"/>
+            <a:t>Never left wanting.</a:t>
+          </a:r>
+          <a:endParaRPr lang="en-US" dirty="0"/>
+        </a:p>
+      </dgm:t>
+    </dgm:pt>
+    <dgm:pt modelId="{CE85F21C-E302-499F-9420-5D55E762C940}" type="parTrans" cxnId="{2C92F060-7795-4EBC-AC4B-8CFA37C23520}">
+      <dgm:prSet/>
+      <dgm:spPr/>
+      <dgm:t>
+        <a:bodyPr/>
+        <a:lstStyle/>
+        <a:p>
+          <a:endParaRPr lang="en-US"/>
+        </a:p>
+      </dgm:t>
+    </dgm:pt>
+    <dgm:pt modelId="{BF97BE37-51C4-4276-9D1D-E39D40C3D26F}" type="sibTrans" cxnId="{2C92F060-7795-4EBC-AC4B-8CFA37C23520}">
+      <dgm:prSet/>
+      <dgm:spPr/>
+      <dgm:t>
+        <a:bodyPr/>
+        <a:lstStyle/>
+        <a:p>
+          <a:endParaRPr lang="en-US"/>
+        </a:p>
+      </dgm:t>
+    </dgm:pt>
+    <dgm:pt modelId="{22BF23F0-746F-4E60-B2EC-004540C6E328}">
+      <dgm:prSet/>
+      <dgm:spPr>
+        <a:solidFill>
+          <a:schemeClr val="tx1">
+            <a:lumMod val="75000"/>
+            <a:lumOff val="25000"/>
+          </a:schemeClr>
+        </a:solidFill>
+        <a:ln>
+          <a:solidFill>
+            <a:schemeClr val="tx1">
+              <a:lumMod val="75000"/>
+              <a:lumOff val="25000"/>
+            </a:schemeClr>
+          </a:solidFill>
+        </a:ln>
+      </dgm:spPr>
+      <dgm:t>
+        <a:bodyPr/>
+        <a:lstStyle/>
+        <a:p>
+          <a:r>
+            <a:rPr lang="en-GB"/>
+            <a:t>Constructive</a:t>
+          </a:r>
+          <a:endParaRPr lang="en-US"/>
+        </a:p>
+      </dgm:t>
+    </dgm:pt>
+    <dgm:pt modelId="{3E74A384-E385-4DBC-8840-F9B22DF8095F}" type="parTrans" cxnId="{B0D3677E-5052-4EF1-923C-8AD9E225DCFC}">
+      <dgm:prSet/>
+      <dgm:spPr/>
+      <dgm:t>
+        <a:bodyPr/>
+        <a:lstStyle/>
+        <a:p>
+          <a:endParaRPr lang="en-US"/>
+        </a:p>
+      </dgm:t>
+    </dgm:pt>
+    <dgm:pt modelId="{972B2133-D859-4DE1-A1B1-2EB67073DD1B}" type="sibTrans" cxnId="{B0D3677E-5052-4EF1-923C-8AD9E225DCFC}">
+      <dgm:prSet/>
+      <dgm:spPr/>
+      <dgm:t>
+        <a:bodyPr/>
+        <a:lstStyle/>
+        <a:p>
+          <a:endParaRPr lang="en-US"/>
+        </a:p>
+      </dgm:t>
+    </dgm:pt>
+    <dgm:pt modelId="{1721DA41-FB09-4211-9901-1CADDCB4381A}">
+      <dgm:prSet/>
+      <dgm:spPr/>
+      <dgm:t>
+        <a:bodyPr/>
+        <a:lstStyle/>
+        <a:p>
+          <a:r>
+            <a:rPr lang="en-US" dirty="0"/>
+            <a:t>Never really knew some people’s names.</a:t>
+          </a:r>
+        </a:p>
+      </dgm:t>
+    </dgm:pt>
+    <dgm:pt modelId="{62247747-2221-4867-90C6-880F99EB9221}" type="parTrans" cxnId="{E86BA869-1DE9-49BF-B6A9-8D0A88C90A5F}">
+      <dgm:prSet/>
+      <dgm:spPr/>
+      <dgm:t>
+        <a:bodyPr/>
+        <a:lstStyle/>
+        <a:p>
+          <a:endParaRPr lang="en-US"/>
+        </a:p>
+      </dgm:t>
+    </dgm:pt>
+    <dgm:pt modelId="{CF14C206-9E58-4E03-A859-D069BBDCD0EF}" type="sibTrans" cxnId="{E86BA869-1DE9-49BF-B6A9-8D0A88C90A5F}">
+      <dgm:prSet/>
+      <dgm:spPr/>
+      <dgm:t>
+        <a:bodyPr/>
+        <a:lstStyle/>
+        <a:p>
+          <a:endParaRPr lang="en-US"/>
+        </a:p>
+      </dgm:t>
+    </dgm:pt>
+    <dgm:pt modelId="{10B905FB-4AFD-4E60-89CD-BB6FC07F226D}">
+      <dgm:prSet/>
+      <dgm:spPr/>
+      <dgm:t>
+        <a:bodyPr/>
+        <a:lstStyle/>
+        <a:p>
+          <a:r>
+            <a:rPr lang="en-US" dirty="0"/>
+            <a:t>Easy to contact.</a:t>
+          </a:r>
+        </a:p>
+      </dgm:t>
+    </dgm:pt>
+    <dgm:pt modelId="{20282C05-B731-49A5-8585-3FEF5F291AAA}" type="parTrans" cxnId="{68BAB993-75F9-413F-B21C-BC610ACD915D}">
+      <dgm:prSet/>
+      <dgm:spPr/>
+      <dgm:t>
+        <a:bodyPr/>
+        <a:lstStyle/>
+        <a:p>
+          <a:endParaRPr lang="en-GB"/>
+        </a:p>
+      </dgm:t>
+    </dgm:pt>
+    <dgm:pt modelId="{60378743-4AD3-4102-9B3E-026D6E6C0AA2}" type="sibTrans" cxnId="{68BAB993-75F9-413F-B21C-BC610ACD915D}">
+      <dgm:prSet/>
+      <dgm:spPr/>
+      <dgm:t>
+        <a:bodyPr/>
+        <a:lstStyle/>
+        <a:p>
+          <a:endParaRPr lang="en-GB"/>
+        </a:p>
+      </dgm:t>
+    </dgm:pt>
+    <dgm:pt modelId="{705DB8BD-6A18-44E9-B849-FE77BDFEF528}" type="pres">
+      <dgm:prSet presAssocID="{5C96162C-D6FD-454C-A098-B8A44B5F19C4}" presName="Name0" presStyleCnt="0">
+        <dgm:presLayoutVars>
+          <dgm:dir/>
+          <dgm:animLvl val="lvl"/>
+          <dgm:resizeHandles val="exact"/>
+        </dgm:presLayoutVars>
+      </dgm:prSet>
+      <dgm:spPr/>
+    </dgm:pt>
+    <dgm:pt modelId="{742A262A-BE4A-4554-B451-D8DD7E9DFE72}" type="pres">
+      <dgm:prSet presAssocID="{4ECE62C5-2290-4016-BDF1-6F0ED77F225A}" presName="composite" presStyleCnt="0"/>
+      <dgm:spPr/>
+    </dgm:pt>
+    <dgm:pt modelId="{673EA13D-6C86-48D9-AD66-086F553C4BAD}" type="pres">
+      <dgm:prSet presAssocID="{4ECE62C5-2290-4016-BDF1-6F0ED77F225A}" presName="parTx" presStyleLbl="alignNode1" presStyleIdx="0" presStyleCnt="2">
+        <dgm:presLayoutVars>
+          <dgm:chMax val="0"/>
+          <dgm:chPref val="0"/>
+          <dgm:bulletEnabled val="1"/>
+        </dgm:presLayoutVars>
+      </dgm:prSet>
+      <dgm:spPr/>
+    </dgm:pt>
+    <dgm:pt modelId="{7A227A24-A301-4172-B010-5D34BE58747F}" type="pres">
+      <dgm:prSet presAssocID="{4ECE62C5-2290-4016-BDF1-6F0ED77F225A}" presName="desTx" presStyleLbl="alignAccFollowNode1" presStyleIdx="0" presStyleCnt="2">
+        <dgm:presLayoutVars>
+          <dgm:bulletEnabled val="1"/>
+        </dgm:presLayoutVars>
+      </dgm:prSet>
+      <dgm:spPr/>
+    </dgm:pt>
+    <dgm:pt modelId="{2A13A426-A41B-4EAD-8262-2A7080125E9D}" type="pres">
+      <dgm:prSet presAssocID="{B4E07B12-B5E2-423A-B219-9CB4676F2FB9}" presName="space" presStyleCnt="0"/>
+      <dgm:spPr/>
+    </dgm:pt>
+    <dgm:pt modelId="{62488E95-51FF-4422-8237-A7A709EB4DF4}" type="pres">
+      <dgm:prSet presAssocID="{22BF23F0-746F-4E60-B2EC-004540C6E328}" presName="composite" presStyleCnt="0"/>
+      <dgm:spPr/>
+    </dgm:pt>
+    <dgm:pt modelId="{B8713774-B135-4E4E-A89F-E3AB75F1774A}" type="pres">
+      <dgm:prSet presAssocID="{22BF23F0-746F-4E60-B2EC-004540C6E328}" presName="parTx" presStyleLbl="alignNode1" presStyleIdx="1" presStyleCnt="2">
+        <dgm:presLayoutVars>
+          <dgm:chMax val="0"/>
+          <dgm:chPref val="0"/>
+          <dgm:bulletEnabled val="1"/>
+        </dgm:presLayoutVars>
+      </dgm:prSet>
+      <dgm:spPr/>
+    </dgm:pt>
+    <dgm:pt modelId="{A5E57F1C-F00D-4C16-85AC-100BEDF0E01F}" type="pres">
+      <dgm:prSet presAssocID="{22BF23F0-746F-4E60-B2EC-004540C6E328}" presName="desTx" presStyleLbl="alignAccFollowNode1" presStyleIdx="1" presStyleCnt="2">
+        <dgm:presLayoutVars>
+          <dgm:bulletEnabled val="1"/>
+        </dgm:presLayoutVars>
+      </dgm:prSet>
+      <dgm:spPr/>
+    </dgm:pt>
+  </dgm:ptLst>
+  <dgm:cxnLst>
+    <dgm:cxn modelId="{D184E503-D84D-4158-9079-3BA1EC694938}" type="presOf" srcId="{4820EBE2-D1B2-4CD8-81F9-DE6F836C3B69}" destId="{7A227A24-A301-4172-B010-5D34BE58747F}" srcOrd="0" destOrd="2" presId="urn:microsoft.com/office/officeart/2005/8/layout/hList1"/>
+    <dgm:cxn modelId="{ED5B450B-8C8D-4E5A-B503-54DAA790F083}" srcId="{4ECE62C5-2290-4016-BDF1-6F0ED77F225A}" destId="{1E85E0BA-BF1F-461F-B672-DA19F9B6578E}" srcOrd="4" destOrd="0" parTransId="{9E0ECA76-672B-4987-B280-DB01126C5D10}" sibTransId="{280B0BC8-556F-4646-906A-04CDD5F4E763}"/>
+    <dgm:cxn modelId="{46482E13-B63F-4906-B145-6CF98823785F}" type="presOf" srcId="{1721DA41-FB09-4211-9901-1CADDCB4381A}" destId="{A5E57F1C-F00D-4C16-85AC-100BEDF0E01F}" srcOrd="0" destOrd="0" presId="urn:microsoft.com/office/officeart/2005/8/layout/hList1"/>
+    <dgm:cxn modelId="{D5D11018-4AB9-4F5A-81B0-26165AFE84C3}" srcId="{4ECE62C5-2290-4016-BDF1-6F0ED77F225A}" destId="{16A8AA0E-E7D1-4F47-B772-5BC5868D30ED}" srcOrd="1" destOrd="0" parTransId="{3C31D7DB-410E-429C-8339-4E6CCD28344F}" sibTransId="{6B00DC4A-CD20-4372-902A-2A9C6BA3CE64}"/>
+    <dgm:cxn modelId="{39E0F840-D035-419F-A1DD-12F72E1954B8}" type="presOf" srcId="{22BF23F0-746F-4E60-B2EC-004540C6E328}" destId="{B8713774-B135-4E4E-A89F-E3AB75F1774A}" srcOrd="0" destOrd="0" presId="urn:microsoft.com/office/officeart/2005/8/layout/hList1"/>
+    <dgm:cxn modelId="{2C92F060-7795-4EBC-AC4B-8CFA37C23520}" srcId="{4ECE62C5-2290-4016-BDF1-6F0ED77F225A}" destId="{4ABA251C-D073-4123-AE23-043F89FE9F02}" srcOrd="5" destOrd="0" parTransId="{CE85F21C-E302-499F-9420-5D55E762C940}" sibTransId="{BF97BE37-51C4-4276-9D1D-E39D40C3D26F}"/>
+    <dgm:cxn modelId="{E86BA869-1DE9-49BF-B6A9-8D0A88C90A5F}" srcId="{22BF23F0-746F-4E60-B2EC-004540C6E328}" destId="{1721DA41-FB09-4211-9901-1CADDCB4381A}" srcOrd="0" destOrd="0" parTransId="{62247747-2221-4867-90C6-880F99EB9221}" sibTransId="{CF14C206-9E58-4E03-A859-D069BBDCD0EF}"/>
+    <dgm:cxn modelId="{DB389F6D-3FE4-4258-9372-0323103B560E}" type="presOf" srcId="{1E85E0BA-BF1F-461F-B672-DA19F9B6578E}" destId="{7A227A24-A301-4172-B010-5D34BE58747F}" srcOrd="0" destOrd="4" presId="urn:microsoft.com/office/officeart/2005/8/layout/hList1"/>
+    <dgm:cxn modelId="{B0D3677E-5052-4EF1-923C-8AD9E225DCFC}" srcId="{5C96162C-D6FD-454C-A098-B8A44B5F19C4}" destId="{22BF23F0-746F-4E60-B2EC-004540C6E328}" srcOrd="1" destOrd="0" parTransId="{3E74A384-E385-4DBC-8840-F9B22DF8095F}" sibTransId="{972B2133-D859-4DE1-A1B1-2EB67073DD1B}"/>
+    <dgm:cxn modelId="{73057685-C011-4976-A697-7EE4288284AC}" type="presOf" srcId="{5C96162C-D6FD-454C-A098-B8A44B5F19C4}" destId="{705DB8BD-6A18-44E9-B849-FE77BDFEF528}" srcOrd="0" destOrd="0" presId="urn:microsoft.com/office/officeart/2005/8/layout/hList1"/>
+    <dgm:cxn modelId="{F8649988-17A3-4B6F-B043-A904ABD77006}" srcId="{4ECE62C5-2290-4016-BDF1-6F0ED77F225A}" destId="{5841EAA6-02B4-4171-A94A-2C70D0A5D0A0}" srcOrd="0" destOrd="0" parTransId="{080A1311-2213-4226-825A-665A3EB5E215}" sibTransId="{7852EA6B-7285-4F86-9F54-D6B25E21FEF3}"/>
+    <dgm:cxn modelId="{FEE6678A-108F-439B-9305-A115919A8A29}" srcId="{4ECE62C5-2290-4016-BDF1-6F0ED77F225A}" destId="{8D649F9E-73DE-45D3-9C9C-AE9CB5B2E895}" srcOrd="3" destOrd="0" parTransId="{74FA88CB-B3BA-48C9-AB7D-231078D0E0E0}" sibTransId="{C3B811E3-4A81-4F19-906D-29C3C434E80C}"/>
+    <dgm:cxn modelId="{8E3B488E-6C03-45F0-B6DF-F961F1899F64}" type="presOf" srcId="{4ECE62C5-2290-4016-BDF1-6F0ED77F225A}" destId="{673EA13D-6C86-48D9-AD66-086F553C4BAD}" srcOrd="0" destOrd="0" presId="urn:microsoft.com/office/officeart/2005/8/layout/hList1"/>
+    <dgm:cxn modelId="{68BAB993-75F9-413F-B21C-BC610ACD915D}" srcId="{4ECE62C5-2290-4016-BDF1-6F0ED77F225A}" destId="{10B905FB-4AFD-4E60-89CD-BB6FC07F226D}" srcOrd="6" destOrd="0" parTransId="{20282C05-B731-49A5-8585-3FEF5F291AAA}" sibTransId="{60378743-4AD3-4102-9B3E-026D6E6C0AA2}"/>
+    <dgm:cxn modelId="{7B4DFCB4-4310-4266-B142-5E7213B066F2}" srcId="{5C96162C-D6FD-454C-A098-B8A44B5F19C4}" destId="{4ECE62C5-2290-4016-BDF1-6F0ED77F225A}" srcOrd="0" destOrd="0" parTransId="{C33BCCFD-758B-4100-93D4-91ECDEF187D7}" sibTransId="{B4E07B12-B5E2-423A-B219-9CB4676F2FB9}"/>
+    <dgm:cxn modelId="{DA8808B8-4F1E-48D2-9EE6-AEB03B529D82}" type="presOf" srcId="{10B905FB-4AFD-4E60-89CD-BB6FC07F226D}" destId="{7A227A24-A301-4172-B010-5D34BE58747F}" srcOrd="0" destOrd="6" presId="urn:microsoft.com/office/officeart/2005/8/layout/hList1"/>
+    <dgm:cxn modelId="{CE4FE8BE-2268-4045-8EFB-7D92D0E9B1A1}" type="presOf" srcId="{4ABA251C-D073-4123-AE23-043F89FE9F02}" destId="{7A227A24-A301-4172-B010-5D34BE58747F}" srcOrd="0" destOrd="5" presId="urn:microsoft.com/office/officeart/2005/8/layout/hList1"/>
+    <dgm:cxn modelId="{B01A11D2-FC78-4947-9B3B-BEC5C1B72601}" srcId="{4ECE62C5-2290-4016-BDF1-6F0ED77F225A}" destId="{4820EBE2-D1B2-4CD8-81F9-DE6F836C3B69}" srcOrd="2" destOrd="0" parTransId="{7633A3E5-1263-4F66-BF31-3AEF8944C9B9}" sibTransId="{FC0128CB-8A88-48BF-BD00-1B044D92F1FF}"/>
+    <dgm:cxn modelId="{E686EDEB-FF60-4E3B-83D3-EEAF46409F17}" type="presOf" srcId="{16A8AA0E-E7D1-4F47-B772-5BC5868D30ED}" destId="{7A227A24-A301-4172-B010-5D34BE58747F}" srcOrd="0" destOrd="1" presId="urn:microsoft.com/office/officeart/2005/8/layout/hList1"/>
+    <dgm:cxn modelId="{57D65DF3-E209-4DAC-AB72-1D5F98D20784}" type="presOf" srcId="{8D649F9E-73DE-45D3-9C9C-AE9CB5B2E895}" destId="{7A227A24-A301-4172-B010-5D34BE58747F}" srcOrd="0" destOrd="3" presId="urn:microsoft.com/office/officeart/2005/8/layout/hList1"/>
+    <dgm:cxn modelId="{D23D18F9-C471-442A-8D44-D6A5875F5DA6}" type="presOf" srcId="{5841EAA6-02B4-4171-A94A-2C70D0A5D0A0}" destId="{7A227A24-A301-4172-B010-5D34BE58747F}" srcOrd="0" destOrd="0" presId="urn:microsoft.com/office/officeart/2005/8/layout/hList1"/>
+    <dgm:cxn modelId="{03A33B9A-6344-4A3D-BB9C-24C7E470104E}" type="presParOf" srcId="{705DB8BD-6A18-44E9-B849-FE77BDFEF528}" destId="{742A262A-BE4A-4554-B451-D8DD7E9DFE72}" srcOrd="0" destOrd="0" presId="urn:microsoft.com/office/officeart/2005/8/layout/hList1"/>
+    <dgm:cxn modelId="{87390995-7F5D-4E56-8BEC-A68BD326D768}" type="presParOf" srcId="{742A262A-BE4A-4554-B451-D8DD7E9DFE72}" destId="{673EA13D-6C86-48D9-AD66-086F553C4BAD}" srcOrd="0" destOrd="0" presId="urn:microsoft.com/office/officeart/2005/8/layout/hList1"/>
+    <dgm:cxn modelId="{784B7FB9-790E-464C-A0D9-D0914560941F}" type="presParOf" srcId="{742A262A-BE4A-4554-B451-D8DD7E9DFE72}" destId="{7A227A24-A301-4172-B010-5D34BE58747F}" srcOrd="1" destOrd="0" presId="urn:microsoft.com/office/officeart/2005/8/layout/hList1"/>
+    <dgm:cxn modelId="{855B1762-B363-47F4-BCA4-4CC31BEF9ADF}" type="presParOf" srcId="{705DB8BD-6A18-44E9-B849-FE77BDFEF528}" destId="{2A13A426-A41B-4EAD-8262-2A7080125E9D}" srcOrd="1" destOrd="0" presId="urn:microsoft.com/office/officeart/2005/8/layout/hList1"/>
+    <dgm:cxn modelId="{7F5B08FB-5FBD-4B20-BC26-81AB073DA076}" type="presParOf" srcId="{705DB8BD-6A18-44E9-B849-FE77BDFEF528}" destId="{62488E95-51FF-4422-8237-A7A709EB4DF4}" srcOrd="2" destOrd="0" presId="urn:microsoft.com/office/officeart/2005/8/layout/hList1"/>
+    <dgm:cxn modelId="{E688EBA3-C72A-4514-B1CE-6BFAFBFE85FC}" type="presParOf" srcId="{62488E95-51FF-4422-8237-A7A709EB4DF4}" destId="{B8713774-B135-4E4E-A89F-E3AB75F1774A}" srcOrd="0" destOrd="0" presId="urn:microsoft.com/office/officeart/2005/8/layout/hList1"/>
+    <dgm:cxn modelId="{C627C8FC-6333-4348-8C59-6A48B5EA60D1}" type="presParOf" srcId="{62488E95-51FF-4422-8237-A7A709EB4DF4}" destId="{A5E57F1C-F00D-4C16-85AC-100BEDF0E01F}" srcOrd="1" destOrd="0" presId="urn:microsoft.com/office/officeart/2005/8/layout/hList1"/>
+  </dgm:cxnLst>
+  <dgm:bg/>
+  <dgm:whole/>
+  <dgm:extLst>
+    <a:ext uri="http://schemas.microsoft.com/office/drawing/2008/diagram">
+      <dsp:dataModelExt xmlns:dsp="http://schemas.microsoft.com/office/drawing/2008/diagram" relId="rId6" minVer="http://schemas.openxmlformats.org/drawingml/2006/diagram"/>
+    </a:ext>
+  </dgm:extLst>
+</dgm:dataModel>
+</file>
+
 <file path=ppt/diagrams/drawing1.xml><?xml version="1.0" encoding="utf-8"?>
 <dsp:drawing xmlns:dgm="http://schemas.openxmlformats.org/drawingml/2006/diagram" xmlns:dsp="http://schemas.microsoft.com/office/drawing/2008/diagram" xmlns:a="http://schemas.openxmlformats.org/drawingml/2006/main">
   <dsp:spTree>
@@ -2254,6 +4743,442 @@
 </dsp:drawing>
 </file>
 
+<file path=ppt/diagrams/drawing2.xml><?xml version="1.0" encoding="utf-8"?>
+<dsp:drawing xmlns:dgm="http://schemas.openxmlformats.org/drawingml/2006/diagram" xmlns:dsp="http://schemas.microsoft.com/office/drawing/2008/diagram" xmlns:a="http://schemas.openxmlformats.org/drawingml/2006/main">
+  <dsp:spTree>
+    <dsp:nvGrpSpPr>
+      <dsp:cNvPr id="0" name=""/>
+      <dsp:cNvGrpSpPr/>
+    </dsp:nvGrpSpPr>
+    <dsp:grpSpPr/>
+    <dsp:sp modelId="{673EA13D-6C86-48D9-AD66-086F553C4BAD}">
+      <dsp:nvSpPr>
+        <dsp:cNvPr id="0" name=""/>
+        <dsp:cNvSpPr/>
+      </dsp:nvSpPr>
+      <dsp:spPr>
+        <a:xfrm>
+          <a:off x="48" y="38667"/>
+          <a:ext cx="4617194" cy="662400"/>
+        </a:xfrm>
+        <a:prstGeom prst="rect">
+          <a:avLst/>
+        </a:prstGeom>
+        <a:solidFill>
+          <a:schemeClr val="tx1">
+            <a:lumMod val="75000"/>
+            <a:lumOff val="25000"/>
+          </a:schemeClr>
+        </a:solidFill>
+        <a:ln w="19050" cap="flat" cmpd="sng" algn="ctr">
+          <a:solidFill>
+            <a:schemeClr val="tx1">
+              <a:lumMod val="75000"/>
+              <a:lumOff val="25000"/>
+            </a:schemeClr>
+          </a:solidFill>
+          <a:prstDash val="solid"/>
+          <a:miter lim="800000"/>
+        </a:ln>
+        <a:effectLst/>
+      </dsp:spPr>
+      <dsp:style>
+        <a:lnRef idx="2">
+          <a:scrgbClr r="0" g="0" b="0"/>
+        </a:lnRef>
+        <a:fillRef idx="1">
+          <a:scrgbClr r="0" g="0" b="0"/>
+        </a:fillRef>
+        <a:effectRef idx="0">
+          <a:scrgbClr r="0" g="0" b="0"/>
+        </a:effectRef>
+        <a:fontRef idx="minor">
+          <a:schemeClr val="lt1"/>
+        </a:fontRef>
+      </dsp:style>
+      <dsp:txBody>
+        <a:bodyPr spcFirstLastPara="0" vert="horz" wrap="square" lIns="163576" tIns="93472" rIns="163576" bIns="93472" numCol="1" spcCol="1270" anchor="ctr" anchorCtr="0">
+          <a:noAutofit/>
+        </a:bodyPr>
+        <a:lstStyle/>
+        <a:p>
+          <a:pPr marL="0" lvl="0" indent="0" algn="ctr" defTabSz="1022350">
+            <a:lnSpc>
+              <a:spcPct val="90000"/>
+            </a:lnSpc>
+            <a:spcBef>
+              <a:spcPct val="0"/>
+            </a:spcBef>
+            <a:spcAft>
+              <a:spcPct val="35000"/>
+            </a:spcAft>
+            <a:buNone/>
+          </a:pPr>
+          <a:r>
+            <a:rPr lang="en-GB" sz="2300" kern="1200" dirty="0"/>
+            <a:t>Positive</a:t>
+          </a:r>
+          <a:endParaRPr lang="en-US" sz="2300" kern="1200" dirty="0"/>
+        </a:p>
+      </dsp:txBody>
+      <dsp:txXfrm>
+        <a:off x="48" y="38667"/>
+        <a:ext cx="4617194" cy="662400"/>
+      </dsp:txXfrm>
+    </dsp:sp>
+    <dsp:sp modelId="{7A227A24-A301-4172-B010-5D34BE58747F}">
+      <dsp:nvSpPr>
+        <dsp:cNvPr id="0" name=""/>
+        <dsp:cNvSpPr/>
+      </dsp:nvSpPr>
+      <dsp:spPr>
+        <a:xfrm>
+          <a:off x="48" y="701067"/>
+          <a:ext cx="4617194" cy="3219885"/>
+        </a:xfrm>
+        <a:prstGeom prst="rect">
+          <a:avLst/>
+        </a:prstGeom>
+        <a:solidFill>
+          <a:schemeClr val="accent1">
+            <a:alpha val="90000"/>
+            <a:tint val="40000"/>
+            <a:hueOff val="0"/>
+            <a:satOff val="0"/>
+            <a:lumOff val="0"/>
+            <a:alphaOff val="0"/>
+          </a:schemeClr>
+        </a:solidFill>
+        <a:ln w="19050" cap="flat" cmpd="sng" algn="ctr">
+          <a:solidFill>
+            <a:schemeClr val="accent1">
+              <a:alpha val="90000"/>
+              <a:tint val="40000"/>
+              <a:hueOff val="0"/>
+              <a:satOff val="0"/>
+              <a:lumOff val="0"/>
+              <a:alphaOff val="0"/>
+            </a:schemeClr>
+          </a:solidFill>
+          <a:prstDash val="solid"/>
+          <a:miter lim="800000"/>
+        </a:ln>
+        <a:effectLst/>
+      </dsp:spPr>
+      <dsp:style>
+        <a:lnRef idx="2">
+          <a:scrgbClr r="0" g="0" b="0"/>
+        </a:lnRef>
+        <a:fillRef idx="1">
+          <a:scrgbClr r="0" g="0" b="0"/>
+        </a:fillRef>
+        <a:effectRef idx="0">
+          <a:scrgbClr r="0" g="0" b="0"/>
+        </a:effectRef>
+        <a:fontRef idx="minor"/>
+      </dsp:style>
+      <dsp:txBody>
+        <a:bodyPr spcFirstLastPara="0" vert="horz" wrap="square" lIns="122682" tIns="122682" rIns="163576" bIns="184023" numCol="1" spcCol="1270" anchor="t" anchorCtr="0">
+          <a:noAutofit/>
+        </a:bodyPr>
+        <a:lstStyle/>
+        <a:p>
+          <a:pPr marL="228600" lvl="1" indent="-228600" algn="l" defTabSz="1022350">
+            <a:lnSpc>
+              <a:spcPct val="90000"/>
+            </a:lnSpc>
+            <a:spcBef>
+              <a:spcPct val="0"/>
+            </a:spcBef>
+            <a:spcAft>
+              <a:spcPct val="15000"/>
+            </a:spcAft>
+            <a:buChar char="•"/>
+          </a:pPr>
+          <a:r>
+            <a:rPr lang="en-GB" sz="2300" kern="1200"/>
+            <a:t>Great project idea.</a:t>
+          </a:r>
+          <a:endParaRPr lang="en-US" sz="2300" kern="1200"/>
+        </a:p>
+        <a:p>
+          <a:pPr marL="228600" lvl="1" indent="-228600" algn="l" defTabSz="1022350">
+            <a:lnSpc>
+              <a:spcPct val="90000"/>
+            </a:lnSpc>
+            <a:spcBef>
+              <a:spcPct val="0"/>
+            </a:spcBef>
+            <a:spcAft>
+              <a:spcPct val="15000"/>
+            </a:spcAft>
+            <a:buChar char="•"/>
+          </a:pPr>
+          <a:r>
+            <a:rPr lang="en-GB" sz="2300" kern="1200"/>
+            <a:t>Loved the autonomy and independence.</a:t>
+          </a:r>
+          <a:endParaRPr lang="en-US" sz="2300" kern="1200"/>
+        </a:p>
+        <a:p>
+          <a:pPr marL="228600" lvl="1" indent="-228600" algn="l" defTabSz="1022350">
+            <a:lnSpc>
+              <a:spcPct val="90000"/>
+            </a:lnSpc>
+            <a:spcBef>
+              <a:spcPct val="0"/>
+            </a:spcBef>
+            <a:spcAft>
+              <a:spcPct val="15000"/>
+            </a:spcAft>
+            <a:buChar char="•"/>
+          </a:pPr>
+          <a:r>
+            <a:rPr lang="en-GB" sz="2300" kern="1200"/>
+            <a:t>Facilities more than adequate.</a:t>
+          </a:r>
+          <a:endParaRPr lang="en-US" sz="2300" kern="1200"/>
+        </a:p>
+        <a:p>
+          <a:pPr marL="228600" lvl="1" indent="-228600" algn="l" defTabSz="1022350">
+            <a:lnSpc>
+              <a:spcPct val="90000"/>
+            </a:lnSpc>
+            <a:spcBef>
+              <a:spcPct val="0"/>
+            </a:spcBef>
+            <a:spcAft>
+              <a:spcPct val="15000"/>
+            </a:spcAft>
+            <a:buChar char="•"/>
+          </a:pPr>
+          <a:r>
+            <a:rPr lang="en-GB" sz="2300" kern="1200" dirty="0"/>
+            <a:t>Beautiful location.</a:t>
+          </a:r>
+          <a:endParaRPr lang="en-US" sz="2300" kern="1200" dirty="0"/>
+        </a:p>
+        <a:p>
+          <a:pPr marL="228600" lvl="1" indent="-228600" algn="l" defTabSz="1022350">
+            <a:lnSpc>
+              <a:spcPct val="90000"/>
+            </a:lnSpc>
+            <a:spcBef>
+              <a:spcPct val="0"/>
+            </a:spcBef>
+            <a:spcAft>
+              <a:spcPct val="15000"/>
+            </a:spcAft>
+            <a:buChar char="•"/>
+          </a:pPr>
+          <a:r>
+            <a:rPr lang="en-GB" sz="2300" kern="1200"/>
+            <a:t>Friendly bunch.</a:t>
+          </a:r>
+          <a:endParaRPr lang="en-US" sz="2300" kern="1200"/>
+        </a:p>
+        <a:p>
+          <a:pPr marL="228600" lvl="1" indent="-228600" algn="l" defTabSz="1022350">
+            <a:lnSpc>
+              <a:spcPct val="90000"/>
+            </a:lnSpc>
+            <a:spcBef>
+              <a:spcPct val="0"/>
+            </a:spcBef>
+            <a:spcAft>
+              <a:spcPct val="15000"/>
+            </a:spcAft>
+            <a:buChar char="•"/>
+          </a:pPr>
+          <a:r>
+            <a:rPr lang="en-GB" sz="2300" kern="1200" dirty="0"/>
+            <a:t>Never left wanting.</a:t>
+          </a:r>
+          <a:endParaRPr lang="en-US" sz="2300" kern="1200" dirty="0"/>
+        </a:p>
+        <a:p>
+          <a:pPr marL="228600" lvl="1" indent="-228600" algn="l" defTabSz="1022350">
+            <a:lnSpc>
+              <a:spcPct val="90000"/>
+            </a:lnSpc>
+            <a:spcBef>
+              <a:spcPct val="0"/>
+            </a:spcBef>
+            <a:spcAft>
+              <a:spcPct val="15000"/>
+            </a:spcAft>
+            <a:buChar char="•"/>
+          </a:pPr>
+          <a:r>
+            <a:rPr lang="en-US" sz="2300" kern="1200" dirty="0"/>
+            <a:t>Easy to contact.</a:t>
+          </a:r>
+        </a:p>
+      </dsp:txBody>
+      <dsp:txXfrm>
+        <a:off x="48" y="701067"/>
+        <a:ext cx="4617194" cy="3219885"/>
+      </dsp:txXfrm>
+    </dsp:sp>
+    <dsp:sp modelId="{B8713774-B135-4E4E-A89F-E3AB75F1774A}">
+      <dsp:nvSpPr>
+        <dsp:cNvPr id="0" name=""/>
+        <dsp:cNvSpPr/>
+      </dsp:nvSpPr>
+      <dsp:spPr>
+        <a:xfrm>
+          <a:off x="5263650" y="38667"/>
+          <a:ext cx="4617194" cy="662400"/>
+        </a:xfrm>
+        <a:prstGeom prst="rect">
+          <a:avLst/>
+        </a:prstGeom>
+        <a:solidFill>
+          <a:schemeClr val="tx1">
+            <a:lumMod val="75000"/>
+            <a:lumOff val="25000"/>
+          </a:schemeClr>
+        </a:solidFill>
+        <a:ln w="19050" cap="flat" cmpd="sng" algn="ctr">
+          <a:solidFill>
+            <a:schemeClr val="tx1">
+              <a:lumMod val="75000"/>
+              <a:lumOff val="25000"/>
+            </a:schemeClr>
+          </a:solidFill>
+          <a:prstDash val="solid"/>
+          <a:miter lim="800000"/>
+        </a:ln>
+        <a:effectLst/>
+      </dsp:spPr>
+      <dsp:style>
+        <a:lnRef idx="2">
+          <a:scrgbClr r="0" g="0" b="0"/>
+        </a:lnRef>
+        <a:fillRef idx="1">
+          <a:scrgbClr r="0" g="0" b="0"/>
+        </a:fillRef>
+        <a:effectRef idx="0">
+          <a:scrgbClr r="0" g="0" b="0"/>
+        </a:effectRef>
+        <a:fontRef idx="minor">
+          <a:schemeClr val="lt1"/>
+        </a:fontRef>
+      </dsp:style>
+      <dsp:txBody>
+        <a:bodyPr spcFirstLastPara="0" vert="horz" wrap="square" lIns="163576" tIns="93472" rIns="163576" bIns="93472" numCol="1" spcCol="1270" anchor="ctr" anchorCtr="0">
+          <a:noAutofit/>
+        </a:bodyPr>
+        <a:lstStyle/>
+        <a:p>
+          <a:pPr marL="0" lvl="0" indent="0" algn="ctr" defTabSz="1022350">
+            <a:lnSpc>
+              <a:spcPct val="90000"/>
+            </a:lnSpc>
+            <a:spcBef>
+              <a:spcPct val="0"/>
+            </a:spcBef>
+            <a:spcAft>
+              <a:spcPct val="35000"/>
+            </a:spcAft>
+            <a:buNone/>
+          </a:pPr>
+          <a:r>
+            <a:rPr lang="en-GB" sz="2300" kern="1200"/>
+            <a:t>Constructive</a:t>
+          </a:r>
+          <a:endParaRPr lang="en-US" sz="2300" kern="1200"/>
+        </a:p>
+      </dsp:txBody>
+      <dsp:txXfrm>
+        <a:off x="5263650" y="38667"/>
+        <a:ext cx="4617194" cy="662400"/>
+      </dsp:txXfrm>
+    </dsp:sp>
+    <dsp:sp modelId="{A5E57F1C-F00D-4C16-85AC-100BEDF0E01F}">
+      <dsp:nvSpPr>
+        <dsp:cNvPr id="0" name=""/>
+        <dsp:cNvSpPr/>
+      </dsp:nvSpPr>
+      <dsp:spPr>
+        <a:xfrm>
+          <a:off x="5263650" y="701067"/>
+          <a:ext cx="4617194" cy="3219885"/>
+        </a:xfrm>
+        <a:prstGeom prst="rect">
+          <a:avLst/>
+        </a:prstGeom>
+        <a:solidFill>
+          <a:schemeClr val="accent1">
+            <a:alpha val="90000"/>
+            <a:tint val="40000"/>
+            <a:hueOff val="0"/>
+            <a:satOff val="0"/>
+            <a:lumOff val="0"/>
+            <a:alphaOff val="0"/>
+          </a:schemeClr>
+        </a:solidFill>
+        <a:ln w="19050" cap="flat" cmpd="sng" algn="ctr">
+          <a:solidFill>
+            <a:schemeClr val="accent1">
+              <a:alpha val="90000"/>
+              <a:tint val="40000"/>
+              <a:hueOff val="0"/>
+              <a:satOff val="0"/>
+              <a:lumOff val="0"/>
+              <a:alphaOff val="0"/>
+            </a:schemeClr>
+          </a:solidFill>
+          <a:prstDash val="solid"/>
+          <a:miter lim="800000"/>
+        </a:ln>
+        <a:effectLst/>
+      </dsp:spPr>
+      <dsp:style>
+        <a:lnRef idx="2">
+          <a:scrgbClr r="0" g="0" b="0"/>
+        </a:lnRef>
+        <a:fillRef idx="1">
+          <a:scrgbClr r="0" g="0" b="0"/>
+        </a:fillRef>
+        <a:effectRef idx="0">
+          <a:scrgbClr r="0" g="0" b="0"/>
+        </a:effectRef>
+        <a:fontRef idx="minor"/>
+      </dsp:style>
+      <dsp:txBody>
+        <a:bodyPr spcFirstLastPara="0" vert="horz" wrap="square" lIns="122682" tIns="122682" rIns="163576" bIns="184023" numCol="1" spcCol="1270" anchor="t" anchorCtr="0">
+          <a:noAutofit/>
+        </a:bodyPr>
+        <a:lstStyle/>
+        <a:p>
+          <a:pPr marL="228600" lvl="1" indent="-228600" algn="l" defTabSz="1022350">
+            <a:lnSpc>
+              <a:spcPct val="90000"/>
+            </a:lnSpc>
+            <a:spcBef>
+              <a:spcPct val="0"/>
+            </a:spcBef>
+            <a:spcAft>
+              <a:spcPct val="15000"/>
+            </a:spcAft>
+            <a:buChar char="•"/>
+          </a:pPr>
+          <a:r>
+            <a:rPr lang="en-US" sz="2300" kern="1200" dirty="0"/>
+            <a:t>Never really knew some people’s names.</a:t>
+          </a:r>
+        </a:p>
+      </dsp:txBody>
+      <dsp:txXfrm>
+        <a:off x="5263650" y="701067"/>
+        <a:ext cx="4617194" cy="3219885"/>
+      </dsp:txXfrm>
+    </dsp:sp>
+  </dsp:spTree>
+</dsp:drawing>
+</file>
+
 <file path=ppt/diagrams/layout1.xml><?xml version="1.0" encoding="utf-8"?>
 <dgm:layoutDef xmlns:dgm="http://schemas.openxmlformats.org/drawingml/2006/diagram" xmlns:a="http://schemas.openxmlformats.org/drawingml/2006/main" uniqueId="urn:microsoft.com/office/officeart/2005/8/layout/list1">
   <dgm:title val=""/>
@@ -2479,7 +5404,1258 @@
 </dgm:layoutDef>
 </file>
 
+<file path=ppt/diagrams/layout2.xml><?xml version="1.0" encoding="utf-8"?>
+<dgm:layoutDef xmlns:dgm="http://schemas.openxmlformats.org/drawingml/2006/diagram" xmlns:a="http://schemas.openxmlformats.org/drawingml/2006/main" uniqueId="urn:microsoft.com/office/officeart/2005/8/layout/hList1">
+  <dgm:title val=""/>
+  <dgm:desc val=""/>
+  <dgm:catLst>
+    <dgm:cat type="list" pri="5000"/>
+    <dgm:cat type="convert" pri="5000"/>
+  </dgm:catLst>
+  <dgm:sampData>
+    <dgm:dataModel>
+      <dgm:ptLst>
+        <dgm:pt modelId="0" type="doc"/>
+        <dgm:pt modelId="1">
+          <dgm:prSet phldr="1"/>
+        </dgm:pt>
+        <dgm:pt modelId="11">
+          <dgm:prSet phldr="1"/>
+        </dgm:pt>
+        <dgm:pt modelId="12">
+          <dgm:prSet phldr="1"/>
+        </dgm:pt>
+        <dgm:pt modelId="2">
+          <dgm:prSet phldr="1"/>
+        </dgm:pt>
+        <dgm:pt modelId="21">
+          <dgm:prSet phldr="1"/>
+        </dgm:pt>
+        <dgm:pt modelId="22">
+          <dgm:prSet phldr="1"/>
+        </dgm:pt>
+        <dgm:pt modelId="3">
+          <dgm:prSet phldr="1"/>
+        </dgm:pt>
+        <dgm:pt modelId="31">
+          <dgm:prSet phldr="1"/>
+        </dgm:pt>
+        <dgm:pt modelId="32">
+          <dgm:prSet phldr="1"/>
+        </dgm:pt>
+      </dgm:ptLst>
+      <dgm:cxnLst>
+        <dgm:cxn modelId="4" srcId="0" destId="1" srcOrd="0" destOrd="0"/>
+        <dgm:cxn modelId="5" srcId="0" destId="2" srcOrd="1" destOrd="0"/>
+        <dgm:cxn modelId="6" srcId="0" destId="3" srcOrd="2" destOrd="0"/>
+        <dgm:cxn modelId="13" srcId="1" destId="11" srcOrd="0" destOrd="0"/>
+        <dgm:cxn modelId="14" srcId="1" destId="12" srcOrd="1" destOrd="0"/>
+        <dgm:cxn modelId="23" srcId="2" destId="21" srcOrd="0" destOrd="0"/>
+        <dgm:cxn modelId="24" srcId="2" destId="22" srcOrd="1" destOrd="0"/>
+        <dgm:cxn modelId="33" srcId="3" destId="31" srcOrd="0" destOrd="0"/>
+        <dgm:cxn modelId="34" srcId="3" destId="32" srcOrd="1" destOrd="0"/>
+      </dgm:cxnLst>
+      <dgm:bg/>
+      <dgm:whole/>
+    </dgm:dataModel>
+  </dgm:sampData>
+  <dgm:styleData>
+    <dgm:dataModel>
+      <dgm:ptLst>
+        <dgm:pt modelId="0" type="doc"/>
+        <dgm:pt modelId="1">
+          <dgm:prSet phldr="1"/>
+        </dgm:pt>
+        <dgm:pt modelId="2">
+          <dgm:prSet phldr="1"/>
+        </dgm:pt>
+      </dgm:ptLst>
+      <dgm:cxnLst>
+        <dgm:cxn modelId="3" srcId="0" destId="1" srcOrd="0" destOrd="0"/>
+        <dgm:cxn modelId="4" srcId="0" destId="2" srcOrd="1" destOrd="0"/>
+      </dgm:cxnLst>
+      <dgm:bg/>
+      <dgm:whole/>
+    </dgm:dataModel>
+  </dgm:styleData>
+  <dgm:clrData>
+    <dgm:dataModel>
+      <dgm:ptLst>
+        <dgm:pt modelId="0" type="doc"/>
+        <dgm:pt modelId="1">
+          <dgm:prSet phldr="1"/>
+        </dgm:pt>
+        <dgm:pt modelId="2">
+          <dgm:prSet phldr="1"/>
+        </dgm:pt>
+        <dgm:pt modelId="3">
+          <dgm:prSet phldr="1"/>
+        </dgm:pt>
+        <dgm:pt modelId="4">
+          <dgm:prSet phldr="1"/>
+        </dgm:pt>
+      </dgm:ptLst>
+      <dgm:cxnLst>
+        <dgm:cxn modelId="5" srcId="0" destId="1" srcOrd="0" destOrd="0"/>
+        <dgm:cxn modelId="6" srcId="0" destId="2" srcOrd="1" destOrd="0"/>
+        <dgm:cxn modelId="7" srcId="0" destId="3" srcOrd="2" destOrd="0"/>
+        <dgm:cxn modelId="8" srcId="0" destId="4" srcOrd="3" destOrd="0"/>
+      </dgm:cxnLst>
+      <dgm:bg/>
+      <dgm:whole/>
+    </dgm:dataModel>
+  </dgm:clrData>
+  <dgm:layoutNode name="Name0">
+    <dgm:varLst>
+      <dgm:dir/>
+      <dgm:animLvl val="lvl"/>
+      <dgm:resizeHandles val="exact"/>
+    </dgm:varLst>
+    <dgm:choose name="Name1">
+      <dgm:if name="Name2" func="var" arg="dir" op="equ" val="norm">
+        <dgm:alg type="lin"/>
+      </dgm:if>
+      <dgm:else name="Name3">
+        <dgm:alg type="lin">
+          <dgm:param type="linDir" val="fromR"/>
+        </dgm:alg>
+      </dgm:else>
+    </dgm:choose>
+    <dgm:shape xmlns:r="http://schemas.openxmlformats.org/officeDocument/2006/relationships" r:blip="">
+      <dgm:adjLst/>
+    </dgm:shape>
+    <dgm:presOf/>
+    <dgm:constrLst>
+      <dgm:constr type="h" for="ch" forName="composite" refType="h"/>
+      <dgm:constr type="w" for="ch" forName="composite" refType="w"/>
+      <dgm:constr type="w" for="des" forName="parTx"/>
+      <dgm:constr type="h" for="des" forName="parTx" op="equ"/>
+      <dgm:constr type="w" for="des" forName="desTx"/>
+      <dgm:constr type="h" for="des" forName="desTx" op="equ"/>
+      <dgm:constr type="primFontSz" for="des" forName="parTx" val="65"/>
+      <dgm:constr type="secFontSz" for="des" forName="desTx" refType="primFontSz" refFor="des" refForName="parTx" op="equ"/>
+      <dgm:constr type="h" for="des" forName="parTx" refType="primFontSz" refFor="des" refForName="parTx" fact="0.8"/>
+      <dgm:constr type="h" for="des" forName="desTx" refType="primFontSz" refFor="des" refForName="parTx" fact="1.22"/>
+      <dgm:constr type="w" for="ch" forName="space" refType="w" refFor="ch" refForName="composite" op="equ" fact="0.14"/>
+    </dgm:constrLst>
+    <dgm:ruleLst>
+      <dgm:rule type="w" for="ch" forName="composite" val="0" fact="NaN" max="NaN"/>
+      <dgm:rule type="primFontSz" for="des" forName="parTx" val="5" fact="NaN" max="NaN"/>
+    </dgm:ruleLst>
+    <dgm:forEach name="Name4" axis="ch" ptType="node">
+      <dgm:layoutNode name="composite">
+        <dgm:alg type="composite"/>
+        <dgm:shape xmlns:r="http://schemas.openxmlformats.org/officeDocument/2006/relationships" r:blip="">
+          <dgm:adjLst/>
+        </dgm:shape>
+        <dgm:presOf/>
+        <dgm:constrLst>
+          <dgm:constr type="l" for="ch" forName="parTx"/>
+          <dgm:constr type="w" for="ch" forName="parTx" refType="w"/>
+          <dgm:constr type="t" for="ch" forName="parTx"/>
+          <dgm:constr type="l" for="ch" forName="desTx"/>
+          <dgm:constr type="w" for="ch" forName="desTx" refType="w" refFor="ch" refForName="parTx"/>
+          <dgm:constr type="t" for="ch" forName="desTx" refType="h" refFor="ch" refForName="parTx"/>
+        </dgm:constrLst>
+        <dgm:ruleLst>
+          <dgm:rule type="h" val="INF" fact="NaN" max="NaN"/>
+        </dgm:ruleLst>
+        <dgm:layoutNode name="parTx" styleLbl="alignNode1">
+          <dgm:varLst>
+            <dgm:chMax val="0"/>
+            <dgm:chPref val="0"/>
+            <dgm:bulletEnabled val="1"/>
+          </dgm:varLst>
+          <dgm:alg type="tx"/>
+          <dgm:shape xmlns:r="http://schemas.openxmlformats.org/officeDocument/2006/relationships" type="rect" r:blip="">
+            <dgm:adjLst/>
+          </dgm:shape>
+          <dgm:presOf axis="self" ptType="node"/>
+          <dgm:constrLst>
+            <dgm:constr type="h" refType="w" op="lte" fact="0.4"/>
+            <dgm:constr type="h"/>
+            <dgm:constr type="tMarg" refType="primFontSz" fact="0.32"/>
+            <dgm:constr type="bMarg" refType="primFontSz" fact="0.32"/>
+          </dgm:constrLst>
+          <dgm:ruleLst>
+            <dgm:rule type="h" val="INF" fact="NaN" max="NaN"/>
+          </dgm:ruleLst>
+        </dgm:layoutNode>
+        <dgm:layoutNode name="desTx" styleLbl="alignAccFollowNode1">
+          <dgm:varLst>
+            <dgm:bulletEnabled val="1"/>
+          </dgm:varLst>
+          <dgm:alg type="tx">
+            <dgm:param type="stBulletLvl" val="1"/>
+          </dgm:alg>
+          <dgm:shape xmlns:r="http://schemas.openxmlformats.org/officeDocument/2006/relationships" type="rect" r:blip="">
+            <dgm:adjLst/>
+          </dgm:shape>
+          <dgm:presOf axis="des" ptType="node"/>
+          <dgm:constrLst>
+            <dgm:constr type="secFontSz" val="65"/>
+            <dgm:constr type="primFontSz" refType="secFontSz"/>
+            <dgm:constr type="h"/>
+            <dgm:constr type="lMarg" refType="primFontSz" fact="0.42"/>
+            <dgm:constr type="tMarg" refType="primFontSz" fact="0.42"/>
+            <dgm:constr type="bMarg" refType="primFontSz" fact="0.63"/>
+          </dgm:constrLst>
+          <dgm:ruleLst>
+            <dgm:rule type="h" val="INF" fact="NaN" max="NaN"/>
+          </dgm:ruleLst>
+        </dgm:layoutNode>
+      </dgm:layoutNode>
+      <dgm:forEach name="Name5" axis="followSib" ptType="sibTrans" cnt="1">
+        <dgm:layoutNode name="space">
+          <dgm:alg type="sp"/>
+          <dgm:shape xmlns:r="http://schemas.openxmlformats.org/officeDocument/2006/relationships" r:blip="">
+            <dgm:adjLst/>
+          </dgm:shape>
+          <dgm:presOf/>
+          <dgm:constrLst/>
+          <dgm:ruleLst/>
+        </dgm:layoutNode>
+      </dgm:forEach>
+    </dgm:forEach>
+  </dgm:layoutNode>
+</dgm:layoutDef>
+</file>
+
 <file path=ppt/diagrams/quickStyle1.xml><?xml version="1.0" encoding="utf-8"?>
+<dgm:styleDef xmlns:dgm="http://schemas.openxmlformats.org/drawingml/2006/diagram" xmlns:a="http://schemas.openxmlformats.org/drawingml/2006/main" uniqueId="urn:microsoft.com/office/officeart/2005/8/quickstyle/simple1">
+  <dgm:title val=""/>
+  <dgm:desc val=""/>
+  <dgm:catLst>
+    <dgm:cat type="simple" pri="10100"/>
+  </dgm:catLst>
+  <dgm:scene3d>
+    <a:camera prst="orthographicFront"/>
+    <a:lightRig rig="threePt" dir="t"/>
+  </dgm:scene3d>
+  <dgm:styleLbl name="node0">
+    <dgm:scene3d>
+      <a:camera prst="orthographicFront"/>
+      <a:lightRig rig="threePt" dir="t"/>
+    </dgm:scene3d>
+    <dgm:sp3d/>
+    <dgm:txPr/>
+    <dgm:style>
+      <a:lnRef idx="2">
+        <a:scrgbClr r="0" g="0" b="0"/>
+      </a:lnRef>
+      <a:fillRef idx="1">
+        <a:scrgbClr r="0" g="0" b="0"/>
+      </a:fillRef>
+      <a:effectRef idx="0">
+        <a:scrgbClr r="0" g="0" b="0"/>
+      </a:effectRef>
+      <a:fontRef idx="minor">
+        <a:schemeClr val="lt1"/>
+      </a:fontRef>
+    </dgm:style>
+  </dgm:styleLbl>
+  <dgm:styleLbl name="lnNode1">
+    <dgm:scene3d>
+      <a:camera prst="orthographicFront"/>
+      <a:lightRig rig="threePt" dir="t"/>
+    </dgm:scene3d>
+    <dgm:sp3d/>
+    <dgm:txPr/>
+    <dgm:style>
+      <a:lnRef idx="2">
+        <a:scrgbClr r="0" g="0" b="0"/>
+      </a:lnRef>
+      <a:fillRef idx="1">
+        <a:scrgbClr r="0" g="0" b="0"/>
+      </a:fillRef>
+      <a:effectRef idx="0">
+        <a:scrgbClr r="0" g="0" b="0"/>
+      </a:effectRef>
+      <a:fontRef idx="minor">
+        <a:schemeClr val="lt1"/>
+      </a:fontRef>
+    </dgm:style>
+  </dgm:styleLbl>
+  <dgm:styleLbl name="vennNode1">
+    <dgm:scene3d>
+      <a:camera prst="orthographicFront"/>
+      <a:lightRig rig="threePt" dir="t"/>
+    </dgm:scene3d>
+    <dgm:sp3d/>
+    <dgm:txPr/>
+    <dgm:style>
+      <a:lnRef idx="2">
+        <a:scrgbClr r="0" g="0" b="0"/>
+      </a:lnRef>
+      <a:fillRef idx="1">
+        <a:scrgbClr r="0" g="0" b="0"/>
+      </a:fillRef>
+      <a:effectRef idx="0">
+        <a:scrgbClr r="0" g="0" b="0"/>
+      </a:effectRef>
+      <a:fontRef idx="minor">
+        <a:schemeClr val="tx1"/>
+      </a:fontRef>
+    </dgm:style>
+  </dgm:styleLbl>
+  <dgm:styleLbl name="alignNode1">
+    <dgm:scene3d>
+      <a:camera prst="orthographicFront"/>
+      <a:lightRig rig="threePt" dir="t"/>
+    </dgm:scene3d>
+    <dgm:sp3d/>
+    <dgm:txPr/>
+    <dgm:style>
+      <a:lnRef idx="2">
+        <a:scrgbClr r="0" g="0" b="0"/>
+      </a:lnRef>
+      <a:fillRef idx="1">
+        <a:scrgbClr r="0" g="0" b="0"/>
+      </a:fillRef>
+      <a:effectRef idx="0">
+        <a:scrgbClr r="0" g="0" b="0"/>
+      </a:effectRef>
+      <a:fontRef idx="minor">
+        <a:schemeClr val="lt1"/>
+      </a:fontRef>
+    </dgm:style>
+  </dgm:styleLbl>
+  <dgm:styleLbl name="node1">
+    <dgm:scene3d>
+      <a:camera prst="orthographicFront"/>
+      <a:lightRig rig="threePt" dir="t"/>
+    </dgm:scene3d>
+    <dgm:sp3d/>
+    <dgm:txPr/>
+    <dgm:style>
+      <a:lnRef idx="2">
+        <a:scrgbClr r="0" g="0" b="0"/>
+      </a:lnRef>
+      <a:fillRef idx="1">
+        <a:scrgbClr r="0" g="0" b="0"/>
+      </a:fillRef>
+      <a:effectRef idx="0">
+        <a:scrgbClr r="0" g="0" b="0"/>
+      </a:effectRef>
+      <a:fontRef idx="minor">
+        <a:schemeClr val="lt1"/>
+      </a:fontRef>
+    </dgm:style>
+  </dgm:styleLbl>
+  <dgm:styleLbl name="node2">
+    <dgm:scene3d>
+      <a:camera prst="orthographicFront"/>
+      <a:lightRig rig="threePt" dir="t"/>
+    </dgm:scene3d>
+    <dgm:sp3d/>
+    <dgm:txPr/>
+    <dgm:style>
+      <a:lnRef idx="2">
+        <a:scrgbClr r="0" g="0" b="0"/>
+      </a:lnRef>
+      <a:fillRef idx="1">
+        <a:scrgbClr r="0" g="0" b="0"/>
+      </a:fillRef>
+      <a:effectRef idx="0">
+        <a:scrgbClr r="0" g="0" b="0"/>
+      </a:effectRef>
+      <a:fontRef idx="minor">
+        <a:schemeClr val="lt1"/>
+      </a:fontRef>
+    </dgm:style>
+  </dgm:styleLbl>
+  <dgm:styleLbl name="node3">
+    <dgm:scene3d>
+      <a:camera prst="orthographicFront"/>
+      <a:lightRig rig="threePt" dir="t"/>
+    </dgm:scene3d>
+    <dgm:sp3d/>
+    <dgm:txPr/>
+    <dgm:style>
+      <a:lnRef idx="2">
+        <a:scrgbClr r="0" g="0" b="0"/>
+      </a:lnRef>
+      <a:fillRef idx="1">
+        <a:scrgbClr r="0" g="0" b="0"/>
+      </a:fillRef>
+      <a:effectRef idx="0">
+        <a:scrgbClr r="0" g="0" b="0"/>
+      </a:effectRef>
+      <a:fontRef idx="minor">
+        <a:schemeClr val="lt1"/>
+      </a:fontRef>
+    </dgm:style>
+  </dgm:styleLbl>
+  <dgm:styleLbl name="node4">
+    <dgm:scene3d>
+      <a:camera prst="orthographicFront"/>
+      <a:lightRig rig="threePt" dir="t"/>
+    </dgm:scene3d>
+    <dgm:sp3d/>
+    <dgm:txPr/>
+    <dgm:style>
+      <a:lnRef idx="2">
+        <a:scrgbClr r="0" g="0" b="0"/>
+      </a:lnRef>
+      <a:fillRef idx="1">
+        <a:scrgbClr r="0" g="0" b="0"/>
+      </a:fillRef>
+      <a:effectRef idx="0">
+        <a:scrgbClr r="0" g="0" b="0"/>
+      </a:effectRef>
+      <a:fontRef idx="minor">
+        <a:schemeClr val="lt1"/>
+      </a:fontRef>
+    </dgm:style>
+  </dgm:styleLbl>
+  <dgm:styleLbl name="fgImgPlace1">
+    <dgm:scene3d>
+      <a:camera prst="orthographicFront"/>
+      <a:lightRig rig="threePt" dir="t"/>
+    </dgm:scene3d>
+    <dgm:sp3d/>
+    <dgm:txPr/>
+    <dgm:style>
+      <a:lnRef idx="2">
+        <a:scrgbClr r="0" g="0" b="0"/>
+      </a:lnRef>
+      <a:fillRef idx="1">
+        <a:scrgbClr r="0" g="0" b="0"/>
+      </a:fillRef>
+      <a:effectRef idx="0">
+        <a:scrgbClr r="0" g="0" b="0"/>
+      </a:effectRef>
+      <a:fontRef idx="minor"/>
+    </dgm:style>
+  </dgm:styleLbl>
+  <dgm:styleLbl name="alignImgPlace1">
+    <dgm:scene3d>
+      <a:camera prst="orthographicFront"/>
+      <a:lightRig rig="threePt" dir="t"/>
+    </dgm:scene3d>
+    <dgm:sp3d/>
+    <dgm:txPr/>
+    <dgm:style>
+      <a:lnRef idx="2">
+        <a:scrgbClr r="0" g="0" b="0"/>
+      </a:lnRef>
+      <a:fillRef idx="1">
+        <a:scrgbClr r="0" g="0" b="0"/>
+      </a:fillRef>
+      <a:effectRef idx="0">
+        <a:scrgbClr r="0" g="0" b="0"/>
+      </a:effectRef>
+      <a:fontRef idx="minor"/>
+    </dgm:style>
+  </dgm:styleLbl>
+  <dgm:styleLbl name="bgImgPlace1">
+    <dgm:scene3d>
+      <a:camera prst="orthographicFront"/>
+      <a:lightRig rig="threePt" dir="t"/>
+    </dgm:scene3d>
+    <dgm:sp3d/>
+    <dgm:txPr/>
+    <dgm:style>
+      <a:lnRef idx="2">
+        <a:scrgbClr r="0" g="0" b="0"/>
+      </a:lnRef>
+      <a:fillRef idx="1">
+        <a:scrgbClr r="0" g="0" b="0"/>
+      </a:fillRef>
+      <a:effectRef idx="0">
+        <a:scrgbClr r="0" g="0" b="0"/>
+      </a:effectRef>
+      <a:fontRef idx="minor"/>
+    </dgm:style>
+  </dgm:styleLbl>
+  <dgm:styleLbl name="sibTrans2D1">
+    <dgm:scene3d>
+      <a:camera prst="orthographicFront"/>
+      <a:lightRig rig="threePt" dir="t"/>
+    </dgm:scene3d>
+    <dgm:sp3d/>
+    <dgm:txPr/>
+    <dgm:style>
+      <a:lnRef idx="0">
+        <a:scrgbClr r="0" g="0" b="0"/>
+      </a:lnRef>
+      <a:fillRef idx="1">
+        <a:scrgbClr r="0" g="0" b="0"/>
+      </a:fillRef>
+      <a:effectRef idx="0">
+        <a:scrgbClr r="0" g="0" b="0"/>
+      </a:effectRef>
+      <a:fontRef idx="minor">
+        <a:schemeClr val="lt1"/>
+      </a:fontRef>
+    </dgm:style>
+  </dgm:styleLbl>
+  <dgm:styleLbl name="fgSibTrans2D1">
+    <dgm:scene3d>
+      <a:camera prst="orthographicFront"/>
+      <a:lightRig rig="threePt" dir="t"/>
+    </dgm:scene3d>
+    <dgm:sp3d/>
+    <dgm:txPr/>
+    <dgm:style>
+      <a:lnRef idx="0">
+        <a:scrgbClr r="0" g="0" b="0"/>
+      </a:lnRef>
+      <a:fillRef idx="1">
+        <a:scrgbClr r="0" g="0" b="0"/>
+      </a:fillRef>
+      <a:effectRef idx="0">
+        <a:scrgbClr r="0" g="0" b="0"/>
+      </a:effectRef>
+      <a:fontRef idx="minor">
+        <a:schemeClr val="lt1"/>
+      </a:fontRef>
+    </dgm:style>
+  </dgm:styleLbl>
+  <dgm:styleLbl name="bgSibTrans2D1">
+    <dgm:scene3d>
+      <a:camera prst="orthographicFront"/>
+      <a:lightRig rig="threePt" dir="t"/>
+    </dgm:scene3d>
+    <dgm:sp3d/>
+    <dgm:txPr/>
+    <dgm:style>
+      <a:lnRef idx="0">
+        <a:scrgbClr r="0" g="0" b="0"/>
+      </a:lnRef>
+      <a:fillRef idx="1">
+        <a:scrgbClr r="0" g="0" b="0"/>
+      </a:fillRef>
+      <a:effectRef idx="0">
+        <a:scrgbClr r="0" g="0" b="0"/>
+      </a:effectRef>
+      <a:fontRef idx="minor">
+        <a:schemeClr val="lt1"/>
+      </a:fontRef>
+    </dgm:style>
+  </dgm:styleLbl>
+  <dgm:styleLbl name="sibTrans1D1">
+    <dgm:scene3d>
+      <a:camera prst="orthographicFront"/>
+      <a:lightRig rig="threePt" dir="t"/>
+    </dgm:scene3d>
+    <dgm:sp3d/>
+    <dgm:txPr/>
+    <dgm:style>
+      <a:lnRef idx="1">
+        <a:scrgbClr r="0" g="0" b="0"/>
+      </a:lnRef>
+      <a:fillRef idx="0">
+        <a:scrgbClr r="0" g="0" b="0"/>
+      </a:fillRef>
+      <a:effectRef idx="0">
+        <a:scrgbClr r="0" g="0" b="0"/>
+      </a:effectRef>
+      <a:fontRef idx="minor"/>
+    </dgm:style>
+  </dgm:styleLbl>
+  <dgm:styleLbl name="callout">
+    <dgm:scene3d>
+      <a:camera prst="orthographicFront"/>
+      <a:lightRig rig="threePt" dir="t"/>
+    </dgm:scene3d>
+    <dgm:sp3d/>
+    <dgm:txPr/>
+    <dgm:style>
+      <a:lnRef idx="2">
+        <a:scrgbClr r="0" g="0" b="0"/>
+      </a:lnRef>
+      <a:fillRef idx="1">
+        <a:scrgbClr r="0" g="0" b="0"/>
+      </a:fillRef>
+      <a:effectRef idx="0">
+        <a:scrgbClr r="0" g="0" b="0"/>
+      </a:effectRef>
+      <a:fontRef idx="minor"/>
+    </dgm:style>
+  </dgm:styleLbl>
+  <dgm:styleLbl name="asst0">
+    <dgm:scene3d>
+      <a:camera prst="orthographicFront"/>
+      <a:lightRig rig="threePt" dir="t"/>
+    </dgm:scene3d>
+    <dgm:sp3d/>
+    <dgm:txPr/>
+    <dgm:style>
+      <a:lnRef idx="2">
+        <a:scrgbClr r="0" g="0" b="0"/>
+      </a:lnRef>
+      <a:fillRef idx="1">
+        <a:scrgbClr r="0" g="0" b="0"/>
+      </a:fillRef>
+      <a:effectRef idx="0">
+        <a:scrgbClr r="0" g="0" b="0"/>
+      </a:effectRef>
+      <a:fontRef idx="minor">
+        <a:schemeClr val="lt1"/>
+      </a:fontRef>
+    </dgm:style>
+  </dgm:styleLbl>
+  <dgm:styleLbl name="asst1">
+    <dgm:scene3d>
+      <a:camera prst="orthographicFront"/>
+      <a:lightRig rig="threePt" dir="t"/>
+    </dgm:scene3d>
+    <dgm:sp3d/>
+    <dgm:txPr/>
+    <dgm:style>
+      <a:lnRef idx="2">
+        <a:scrgbClr r="0" g="0" b="0"/>
+      </a:lnRef>
+      <a:fillRef idx="1">
+        <a:scrgbClr r="0" g="0" b="0"/>
+      </a:fillRef>
+      <a:effectRef idx="0">
+        <a:scrgbClr r="0" g="0" b="0"/>
+      </a:effectRef>
+      <a:fontRef idx="minor">
+        <a:schemeClr val="lt1"/>
+      </a:fontRef>
+    </dgm:style>
+  </dgm:styleLbl>
+  <dgm:styleLbl name="asst2">
+    <dgm:scene3d>
+      <a:camera prst="orthographicFront"/>
+      <a:lightRig rig="threePt" dir="t"/>
+    </dgm:scene3d>
+    <dgm:sp3d/>
+    <dgm:txPr/>
+    <dgm:style>
+      <a:lnRef idx="2">
+        <a:scrgbClr r="0" g="0" b="0"/>
+      </a:lnRef>
+      <a:fillRef idx="1">
+        <a:scrgbClr r="0" g="0" b="0"/>
+      </a:fillRef>
+      <a:effectRef idx="0">
+        <a:scrgbClr r="0" g="0" b="0"/>
+      </a:effectRef>
+      <a:fontRef idx="minor">
+        <a:schemeClr val="lt1"/>
+      </a:fontRef>
+    </dgm:style>
+  </dgm:styleLbl>
+  <dgm:styleLbl name="asst3">
+    <dgm:scene3d>
+      <a:camera prst="orthographicFront"/>
+      <a:lightRig rig="threePt" dir="t"/>
+    </dgm:scene3d>
+    <dgm:sp3d/>
+    <dgm:txPr/>
+    <dgm:style>
+      <a:lnRef idx="2">
+        <a:scrgbClr r="0" g="0" b="0"/>
+      </a:lnRef>
+      <a:fillRef idx="1">
+        <a:scrgbClr r="0" g="0" b="0"/>
+      </a:fillRef>
+      <a:effectRef idx="0">
+        <a:scrgbClr r="0" g="0" b="0"/>
+      </a:effectRef>
+      <a:fontRef idx="minor">
+        <a:schemeClr val="lt1"/>
+      </a:fontRef>
+    </dgm:style>
+  </dgm:styleLbl>
+  <dgm:styleLbl name="asst4">
+    <dgm:scene3d>
+      <a:camera prst="orthographicFront"/>
+      <a:lightRig rig="threePt" dir="t"/>
+    </dgm:scene3d>
+    <dgm:sp3d/>
+    <dgm:txPr/>
+    <dgm:style>
+      <a:lnRef idx="2">
+        <a:scrgbClr r="0" g="0" b="0"/>
+      </a:lnRef>
+      <a:fillRef idx="1">
+        <a:scrgbClr r="0" g="0" b="0"/>
+      </a:fillRef>
+      <a:effectRef idx="0">
+        <a:scrgbClr r="0" g="0" b="0"/>
+      </a:effectRef>
+      <a:fontRef idx="minor">
+        <a:schemeClr val="lt1"/>
+      </a:fontRef>
+    </dgm:style>
+  </dgm:styleLbl>
+  <dgm:styleLbl name="parChTrans2D1">
+    <dgm:scene3d>
+      <a:camera prst="orthographicFront"/>
+      <a:lightRig rig="threePt" dir="t"/>
+    </dgm:scene3d>
+    <dgm:sp3d/>
+    <dgm:txPr/>
+    <dgm:style>
+      <a:lnRef idx="2">
+        <a:scrgbClr r="0" g="0" b="0"/>
+      </a:lnRef>
+      <a:fillRef idx="1">
+        <a:scrgbClr r="0" g="0" b="0"/>
+      </a:fillRef>
+      <a:effectRef idx="0">
+        <a:scrgbClr r="0" g="0" b="0"/>
+      </a:effectRef>
+      <a:fontRef idx="minor">
+        <a:schemeClr val="lt1"/>
+      </a:fontRef>
+    </dgm:style>
+  </dgm:styleLbl>
+  <dgm:styleLbl name="parChTrans2D2">
+    <dgm:scene3d>
+      <a:camera prst="orthographicFront"/>
+      <a:lightRig rig="threePt" dir="t"/>
+    </dgm:scene3d>
+    <dgm:sp3d/>
+    <dgm:txPr/>
+    <dgm:style>
+      <a:lnRef idx="2">
+        <a:scrgbClr r="0" g="0" b="0"/>
+      </a:lnRef>
+      <a:fillRef idx="1">
+        <a:scrgbClr r="0" g="0" b="0"/>
+      </a:fillRef>
+      <a:effectRef idx="0">
+        <a:scrgbClr r="0" g="0" b="0"/>
+      </a:effectRef>
+      <a:fontRef idx="minor">
+        <a:schemeClr val="lt1"/>
+      </a:fontRef>
+    </dgm:style>
+  </dgm:styleLbl>
+  <dgm:styleLbl name="parChTrans2D3">
+    <dgm:scene3d>
+      <a:camera prst="orthographicFront"/>
+      <a:lightRig rig="threePt" dir="t"/>
+    </dgm:scene3d>
+    <dgm:sp3d/>
+    <dgm:txPr/>
+    <dgm:style>
+      <a:lnRef idx="2">
+        <a:scrgbClr r="0" g="0" b="0"/>
+      </a:lnRef>
+      <a:fillRef idx="1">
+        <a:scrgbClr r="0" g="0" b="0"/>
+      </a:fillRef>
+      <a:effectRef idx="0">
+        <a:scrgbClr r="0" g="0" b="0"/>
+      </a:effectRef>
+      <a:fontRef idx="minor">
+        <a:schemeClr val="lt1"/>
+      </a:fontRef>
+    </dgm:style>
+  </dgm:styleLbl>
+  <dgm:styleLbl name="parChTrans2D4">
+    <dgm:scene3d>
+      <a:camera prst="orthographicFront"/>
+      <a:lightRig rig="threePt" dir="t"/>
+    </dgm:scene3d>
+    <dgm:sp3d/>
+    <dgm:txPr/>
+    <dgm:style>
+      <a:lnRef idx="2">
+        <a:scrgbClr r="0" g="0" b="0"/>
+      </a:lnRef>
+      <a:fillRef idx="1">
+        <a:scrgbClr r="0" g="0" b="0"/>
+      </a:fillRef>
+      <a:effectRef idx="0">
+        <a:scrgbClr r="0" g="0" b="0"/>
+      </a:effectRef>
+      <a:fontRef idx="minor">
+        <a:schemeClr val="lt1"/>
+      </a:fontRef>
+    </dgm:style>
+  </dgm:styleLbl>
+  <dgm:styleLbl name="parChTrans1D1">
+    <dgm:scene3d>
+      <a:camera prst="orthographicFront"/>
+      <a:lightRig rig="threePt" dir="t"/>
+    </dgm:scene3d>
+    <dgm:sp3d/>
+    <dgm:txPr/>
+    <dgm:style>
+      <a:lnRef idx="2">
+        <a:scrgbClr r="0" g="0" b="0"/>
+      </a:lnRef>
+      <a:fillRef idx="0">
+        <a:scrgbClr r="0" g="0" b="0"/>
+      </a:fillRef>
+      <a:effectRef idx="0">
+        <a:scrgbClr r="0" g="0" b="0"/>
+      </a:effectRef>
+      <a:fontRef idx="minor"/>
+    </dgm:style>
+  </dgm:styleLbl>
+  <dgm:styleLbl name="parChTrans1D2">
+    <dgm:scene3d>
+      <a:camera prst="orthographicFront"/>
+      <a:lightRig rig="threePt" dir="t"/>
+    </dgm:scene3d>
+    <dgm:sp3d/>
+    <dgm:txPr/>
+    <dgm:style>
+      <a:lnRef idx="2">
+        <a:scrgbClr r="0" g="0" b="0"/>
+      </a:lnRef>
+      <a:fillRef idx="0">
+        <a:scrgbClr r="0" g="0" b="0"/>
+      </a:fillRef>
+      <a:effectRef idx="0">
+        <a:scrgbClr r="0" g="0" b="0"/>
+      </a:effectRef>
+      <a:fontRef idx="minor"/>
+    </dgm:style>
+  </dgm:styleLbl>
+  <dgm:styleLbl name="parChTrans1D3">
+    <dgm:scene3d>
+      <a:camera prst="orthographicFront"/>
+      <a:lightRig rig="threePt" dir="t"/>
+    </dgm:scene3d>
+    <dgm:sp3d/>
+    <dgm:txPr/>
+    <dgm:style>
+      <a:lnRef idx="2">
+        <a:scrgbClr r="0" g="0" b="0"/>
+      </a:lnRef>
+      <a:fillRef idx="0">
+        <a:scrgbClr r="0" g="0" b="0"/>
+      </a:fillRef>
+      <a:effectRef idx="0">
+        <a:scrgbClr r="0" g="0" b="0"/>
+      </a:effectRef>
+      <a:fontRef idx="minor"/>
+    </dgm:style>
+  </dgm:styleLbl>
+  <dgm:styleLbl name="parChTrans1D4">
+    <dgm:scene3d>
+      <a:camera prst="orthographicFront"/>
+      <a:lightRig rig="threePt" dir="t"/>
+    </dgm:scene3d>
+    <dgm:sp3d/>
+    <dgm:txPr/>
+    <dgm:style>
+      <a:lnRef idx="2">
+        <a:scrgbClr r="0" g="0" b="0"/>
+      </a:lnRef>
+      <a:fillRef idx="0">
+        <a:scrgbClr r="0" g="0" b="0"/>
+      </a:fillRef>
+      <a:effectRef idx="0">
+        <a:scrgbClr r="0" g="0" b="0"/>
+      </a:effectRef>
+      <a:fontRef idx="minor"/>
+    </dgm:style>
+  </dgm:styleLbl>
+  <dgm:styleLbl name="fgAcc1">
+    <dgm:scene3d>
+      <a:camera prst="orthographicFront"/>
+      <a:lightRig rig="threePt" dir="t"/>
+    </dgm:scene3d>
+    <dgm:sp3d/>
+    <dgm:txPr/>
+    <dgm:style>
+      <a:lnRef idx="2">
+        <a:scrgbClr r="0" g="0" b="0"/>
+      </a:lnRef>
+      <a:fillRef idx="1">
+        <a:scrgbClr r="0" g="0" b="0"/>
+      </a:fillRef>
+      <a:effectRef idx="0">
+        <a:scrgbClr r="0" g="0" b="0"/>
+      </a:effectRef>
+      <a:fontRef idx="minor"/>
+    </dgm:style>
+  </dgm:styleLbl>
+  <dgm:styleLbl name="conFgAcc1">
+    <dgm:scene3d>
+      <a:camera prst="orthographicFront"/>
+      <a:lightRig rig="threePt" dir="t"/>
+    </dgm:scene3d>
+    <dgm:sp3d/>
+    <dgm:txPr/>
+    <dgm:style>
+      <a:lnRef idx="2">
+        <a:scrgbClr r="0" g="0" b="0"/>
+      </a:lnRef>
+      <a:fillRef idx="1">
+        <a:scrgbClr r="0" g="0" b="0"/>
+      </a:fillRef>
+      <a:effectRef idx="0">
+        <a:scrgbClr r="0" g="0" b="0"/>
+      </a:effectRef>
+      <a:fontRef idx="minor"/>
+    </dgm:style>
+  </dgm:styleLbl>
+  <dgm:styleLbl name="alignAcc1">
+    <dgm:scene3d>
+      <a:camera prst="orthographicFront"/>
+      <a:lightRig rig="threePt" dir="t"/>
+    </dgm:scene3d>
+    <dgm:sp3d/>
+    <dgm:txPr/>
+    <dgm:style>
+      <a:lnRef idx="2">
+        <a:scrgbClr r="0" g="0" b="0"/>
+      </a:lnRef>
+      <a:fillRef idx="1">
+        <a:scrgbClr r="0" g="0" b="0"/>
+      </a:fillRef>
+      <a:effectRef idx="0">
+        <a:scrgbClr r="0" g="0" b="0"/>
+      </a:effectRef>
+      <a:fontRef idx="minor"/>
+    </dgm:style>
+  </dgm:styleLbl>
+  <dgm:styleLbl name="trAlignAcc1">
+    <dgm:scene3d>
+      <a:camera prst="orthographicFront"/>
+      <a:lightRig rig="threePt" dir="t"/>
+    </dgm:scene3d>
+    <dgm:sp3d/>
+    <dgm:txPr/>
+    <dgm:style>
+      <a:lnRef idx="1">
+        <a:scrgbClr r="0" g="0" b="0"/>
+      </a:lnRef>
+      <a:fillRef idx="1">
+        <a:scrgbClr r="0" g="0" b="0"/>
+      </a:fillRef>
+      <a:effectRef idx="0">
+        <a:scrgbClr r="0" g="0" b="0"/>
+      </a:effectRef>
+      <a:fontRef idx="minor"/>
+    </dgm:style>
+  </dgm:styleLbl>
+  <dgm:styleLbl name="bgAcc1">
+    <dgm:scene3d>
+      <a:camera prst="orthographicFront"/>
+      <a:lightRig rig="threePt" dir="t"/>
+    </dgm:scene3d>
+    <dgm:sp3d/>
+    <dgm:txPr/>
+    <dgm:style>
+      <a:lnRef idx="2">
+        <a:scrgbClr r="0" g="0" b="0"/>
+      </a:lnRef>
+      <a:fillRef idx="1">
+        <a:scrgbClr r="0" g="0" b="0"/>
+      </a:fillRef>
+      <a:effectRef idx="0">
+        <a:scrgbClr r="0" g="0" b="0"/>
+      </a:effectRef>
+      <a:fontRef idx="minor"/>
+    </dgm:style>
+  </dgm:styleLbl>
+  <dgm:styleLbl name="solidFgAcc1">
+    <dgm:scene3d>
+      <a:camera prst="orthographicFront"/>
+      <a:lightRig rig="threePt" dir="t"/>
+    </dgm:scene3d>
+    <dgm:sp3d/>
+    <dgm:txPr/>
+    <dgm:style>
+      <a:lnRef idx="2">
+        <a:scrgbClr r="0" g="0" b="0"/>
+      </a:lnRef>
+      <a:fillRef idx="1">
+        <a:scrgbClr r="0" g="0" b="0"/>
+      </a:fillRef>
+      <a:effectRef idx="0">
+        <a:scrgbClr r="0" g="0" b="0"/>
+      </a:effectRef>
+      <a:fontRef idx="minor"/>
+    </dgm:style>
+  </dgm:styleLbl>
+  <dgm:styleLbl name="solidAlignAcc1">
+    <dgm:scene3d>
+      <a:camera prst="orthographicFront"/>
+      <a:lightRig rig="threePt" dir="t"/>
+    </dgm:scene3d>
+    <dgm:sp3d/>
+    <dgm:txPr/>
+    <dgm:style>
+      <a:lnRef idx="2">
+        <a:scrgbClr r="0" g="0" b="0"/>
+      </a:lnRef>
+      <a:fillRef idx="1">
+        <a:scrgbClr r="0" g="0" b="0"/>
+      </a:fillRef>
+      <a:effectRef idx="0">
+        <a:scrgbClr r="0" g="0" b="0"/>
+      </a:effectRef>
+      <a:fontRef idx="minor"/>
+    </dgm:style>
+  </dgm:styleLbl>
+  <dgm:styleLbl name="solidBgAcc1">
+    <dgm:scene3d>
+      <a:camera prst="orthographicFront"/>
+      <a:lightRig rig="threePt" dir="t"/>
+    </dgm:scene3d>
+    <dgm:sp3d/>
+    <dgm:txPr/>
+    <dgm:style>
+      <a:lnRef idx="2">
+        <a:scrgbClr r="0" g="0" b="0"/>
+      </a:lnRef>
+      <a:fillRef idx="1">
+        <a:scrgbClr r="0" g="0" b="0"/>
+      </a:fillRef>
+      <a:effectRef idx="0">
+        <a:scrgbClr r="0" g="0" b="0"/>
+      </a:effectRef>
+      <a:fontRef idx="minor"/>
+    </dgm:style>
+  </dgm:styleLbl>
+  <dgm:styleLbl name="fgAccFollowNode1">
+    <dgm:scene3d>
+      <a:camera prst="orthographicFront"/>
+      <a:lightRig rig="threePt" dir="t"/>
+    </dgm:scene3d>
+    <dgm:sp3d/>
+    <dgm:txPr/>
+    <dgm:style>
+      <a:lnRef idx="2">
+        <a:scrgbClr r="0" g="0" b="0"/>
+      </a:lnRef>
+      <a:fillRef idx="1">
+        <a:scrgbClr r="0" g="0" b="0"/>
+      </a:fillRef>
+      <a:effectRef idx="0">
+        <a:scrgbClr r="0" g="0" b="0"/>
+      </a:effectRef>
+      <a:fontRef idx="minor"/>
+    </dgm:style>
+  </dgm:styleLbl>
+  <dgm:styleLbl name="alignAccFollowNode1">
+    <dgm:scene3d>
+      <a:camera prst="orthographicFront"/>
+      <a:lightRig rig="threePt" dir="t"/>
+    </dgm:scene3d>
+    <dgm:sp3d/>
+    <dgm:txPr/>
+    <dgm:style>
+      <a:lnRef idx="2">
+        <a:scrgbClr r="0" g="0" b="0"/>
+      </a:lnRef>
+      <a:fillRef idx="1">
+        <a:scrgbClr r="0" g="0" b="0"/>
+      </a:fillRef>
+      <a:effectRef idx="0">
+        <a:scrgbClr r="0" g="0" b="0"/>
+      </a:effectRef>
+      <a:fontRef idx="minor"/>
+    </dgm:style>
+  </dgm:styleLbl>
+  <dgm:styleLbl name="bgAccFollowNode1">
+    <dgm:scene3d>
+      <a:camera prst="orthographicFront"/>
+      <a:lightRig rig="threePt" dir="t"/>
+    </dgm:scene3d>
+    <dgm:sp3d/>
+    <dgm:txPr/>
+    <dgm:style>
+      <a:lnRef idx="2">
+        <a:scrgbClr r="0" g="0" b="0"/>
+      </a:lnRef>
+      <a:fillRef idx="1">
+        <a:scrgbClr r="0" g="0" b="0"/>
+      </a:fillRef>
+      <a:effectRef idx="0">
+        <a:scrgbClr r="0" g="0" b="0"/>
+      </a:effectRef>
+      <a:fontRef idx="minor"/>
+    </dgm:style>
+  </dgm:styleLbl>
+  <dgm:styleLbl name="fgAcc0">
+    <dgm:scene3d>
+      <a:camera prst="orthographicFront"/>
+      <a:lightRig rig="threePt" dir="t"/>
+    </dgm:scene3d>
+    <dgm:sp3d/>
+    <dgm:txPr/>
+    <dgm:style>
+      <a:lnRef idx="2">
+        <a:scrgbClr r="0" g="0" b="0"/>
+      </a:lnRef>
+      <a:fillRef idx="1">
+        <a:scrgbClr r="0" g="0" b="0"/>
+      </a:fillRef>
+      <a:effectRef idx="0">
+        <a:scrgbClr r="0" g="0" b="0"/>
+      </a:effectRef>
+      <a:fontRef idx="minor"/>
+    </dgm:style>
+  </dgm:styleLbl>
+  <dgm:styleLbl name="fgAcc2">
+    <dgm:scene3d>
+      <a:camera prst="orthographicFront"/>
+      <a:lightRig rig="threePt" dir="t"/>
+    </dgm:scene3d>
+    <dgm:sp3d/>
+    <dgm:txPr/>
+    <dgm:style>
+      <a:lnRef idx="2">
+        <a:scrgbClr r="0" g="0" b="0"/>
+      </a:lnRef>
+      <a:fillRef idx="1">
+        <a:scrgbClr r="0" g="0" b="0"/>
+      </a:fillRef>
+      <a:effectRef idx="0">
+        <a:scrgbClr r="0" g="0" b="0"/>
+      </a:effectRef>
+      <a:fontRef idx="minor"/>
+    </dgm:style>
+  </dgm:styleLbl>
+  <dgm:styleLbl name="fgAcc3">
+    <dgm:scene3d>
+      <a:camera prst="orthographicFront"/>
+      <a:lightRig rig="threePt" dir="t"/>
+    </dgm:scene3d>
+    <dgm:sp3d/>
+    <dgm:txPr/>
+    <dgm:style>
+      <a:lnRef idx="2">
+        <a:scrgbClr r="0" g="0" b="0"/>
+      </a:lnRef>
+      <a:fillRef idx="1">
+        <a:scrgbClr r="0" g="0" b="0"/>
+      </a:fillRef>
+      <a:effectRef idx="0">
+        <a:scrgbClr r="0" g="0" b="0"/>
+      </a:effectRef>
+      <a:fontRef idx="minor"/>
+    </dgm:style>
+  </dgm:styleLbl>
+  <dgm:styleLbl name="fgAcc4">
+    <dgm:scene3d>
+      <a:camera prst="orthographicFront"/>
+      <a:lightRig rig="threePt" dir="t"/>
+    </dgm:scene3d>
+    <dgm:sp3d/>
+    <dgm:txPr/>
+    <dgm:style>
+      <a:lnRef idx="2">
+        <a:scrgbClr r="0" g="0" b="0"/>
+      </a:lnRef>
+      <a:fillRef idx="1">
+        <a:scrgbClr r="0" g="0" b="0"/>
+      </a:fillRef>
+      <a:effectRef idx="0">
+        <a:scrgbClr r="0" g="0" b="0"/>
+      </a:effectRef>
+      <a:fontRef idx="minor"/>
+    </dgm:style>
+  </dgm:styleLbl>
+  <dgm:styleLbl name="bgShp">
+    <dgm:scene3d>
+      <a:camera prst="orthographicFront"/>
+      <a:lightRig rig="threePt" dir="t"/>
+    </dgm:scene3d>
+    <dgm:sp3d/>
+    <dgm:txPr/>
+    <dgm:style>
+      <a:lnRef idx="0">
+        <a:scrgbClr r="0" g="0" b="0"/>
+      </a:lnRef>
+      <a:fillRef idx="1">
+        <a:scrgbClr r="0" g="0" b="0"/>
+      </a:fillRef>
+      <a:effectRef idx="0">
+        <a:scrgbClr r="0" g="0" b="0"/>
+      </a:effectRef>
+      <a:fontRef idx="minor"/>
+    </dgm:style>
+  </dgm:styleLbl>
+  <dgm:styleLbl name="dkBgShp">
+    <dgm:scene3d>
+      <a:camera prst="orthographicFront"/>
+      <a:lightRig rig="threePt" dir="t"/>
+    </dgm:scene3d>
+    <dgm:sp3d/>
+    <dgm:txPr/>
+    <dgm:style>
+      <a:lnRef idx="0">
+        <a:scrgbClr r="0" g="0" b="0"/>
+      </a:lnRef>
+      <a:fillRef idx="1">
+        <a:scrgbClr r="0" g="0" b="0"/>
+      </a:fillRef>
+      <a:effectRef idx="0">
+        <a:scrgbClr r="0" g="0" b="0"/>
+      </a:effectRef>
+      <a:fontRef idx="minor"/>
+    </dgm:style>
+  </dgm:styleLbl>
+  <dgm:styleLbl name="trBgShp">
+    <dgm:scene3d>
+      <a:camera prst="orthographicFront"/>
+      <a:lightRig rig="threePt" dir="t"/>
+    </dgm:scene3d>
+    <dgm:sp3d/>
+    <dgm:txPr/>
+    <dgm:style>
+      <a:lnRef idx="0">
+        <a:scrgbClr r="0" g="0" b="0"/>
+      </a:lnRef>
+      <a:fillRef idx="1">
+        <a:scrgbClr r="0" g="0" b="0"/>
+      </a:fillRef>
+      <a:effectRef idx="0">
+        <a:scrgbClr r="0" g="0" b="0"/>
+      </a:effectRef>
+      <a:fontRef idx="minor"/>
+    </dgm:style>
+  </dgm:styleLbl>
+  <dgm:styleLbl name="fgShp">
+    <dgm:scene3d>
+      <a:camera prst="orthographicFront"/>
+      <a:lightRig rig="threePt" dir="t"/>
+    </dgm:scene3d>
+    <dgm:sp3d/>
+    <dgm:txPr/>
+    <dgm:style>
+      <a:lnRef idx="2">
+        <a:scrgbClr r="0" g="0" b="0"/>
+      </a:lnRef>
+      <a:fillRef idx="1">
+        <a:scrgbClr r="0" g="0" b="0"/>
+      </a:fillRef>
+      <a:effectRef idx="0">
+        <a:scrgbClr r="0" g="0" b="0"/>
+      </a:effectRef>
+      <a:fontRef idx="minor"/>
+    </dgm:style>
+  </dgm:styleLbl>
+  <dgm:styleLbl name="revTx">
+    <dgm:scene3d>
+      <a:camera prst="orthographicFront"/>
+      <a:lightRig rig="threePt" dir="t"/>
+    </dgm:scene3d>
+    <dgm:sp3d/>
+    <dgm:txPr/>
+    <dgm:style>
+      <a:lnRef idx="0">
+        <a:scrgbClr r="0" g="0" b="0"/>
+      </a:lnRef>
+      <a:fillRef idx="0">
+        <a:scrgbClr r="0" g="0" b="0"/>
+      </a:fillRef>
+      <a:effectRef idx="0">
+        <a:scrgbClr r="0" g="0" b="0"/>
+      </a:effectRef>
+      <a:fontRef idx="minor"/>
+    </dgm:style>
+  </dgm:styleLbl>
+</dgm:styleDef>
+</file>
+
+<file path=ppt/diagrams/quickStyle2.xml><?xml version="1.0" encoding="utf-8"?>
 <dgm:styleDef xmlns:dgm="http://schemas.openxmlformats.org/drawingml/2006/diagram" xmlns:a="http://schemas.openxmlformats.org/drawingml/2006/main" uniqueId="urn:microsoft.com/office/officeart/2005/8/quickstyle/simple1">
   <dgm:title val=""/>
   <dgm:desc val=""/>
@@ -6852,7 +11028,7 @@
           <a:p>
             <a:pPr algn="l"/>
             <a:r>
-              <a:rPr lang="en-GB" sz="6200">
+              <a:rPr lang="en-GB" sz="6200" dirty="0">
                 <a:solidFill>
                   <a:schemeClr val="bg1"/>
                 </a:solidFill>
@@ -6987,6 +11163,39 @@
           <a:p>
             <a:pPr algn="ctr"/>
             <a:endParaRPr lang="en-US"/>
+          </a:p>
+        </p:txBody>
+      </p:sp>
+      <p:sp>
+        <p:nvSpPr>
+          <p:cNvPr id="5" name="Subtitle 3">
+            <a:extLst>
+              <a:ext uri="{FF2B5EF4-FFF2-40B4-BE49-F238E27FC236}">
+                <a16:creationId xmlns:a16="http://schemas.microsoft.com/office/drawing/2014/main" id="{65A88138-2DF9-ABFD-FB1B-5AA2759989DC}"/>
+              </a:ext>
+            </a:extLst>
+          </p:cNvPr>
+          <p:cNvSpPr>
+            <a:spLocks noGrp="1"/>
+          </p:cNvSpPr>
+          <p:nvPr>
+            <p:ph type="subTitle" idx="1"/>
+          </p:nvPr>
+        </p:nvSpPr>
+        <p:spPr>
+          <a:xfrm>
+            <a:off x="120074" y="4239608"/>
+            <a:ext cx="4064000" cy="628217"/>
+          </a:xfrm>
+        </p:spPr>
+        <p:txBody>
+          <a:bodyPr/>
+          <a:lstStyle/>
+          <a:p>
+            <a:r>
+              <a:rPr lang="en-GB" dirty="0"/>
+              <a:t>Liam Driscoll</a:t>
+            </a:r>
           </a:p>
         </p:txBody>
       </p:sp>
@@ -8848,7 +13057,7 @@
           <a:p>
             <a:r>
               <a:rPr lang="en-GB" sz="2400" dirty="0"/>
-              <a:t>Currently only processes reports from penetration tests that output as XML.</a:t>
+              <a:t>Currently only processes reports from pen-tests that output as XML.</a:t>
             </a:r>
           </a:p>
           <a:p>
@@ -9457,68 +13666,37 @@
           </a:p>
         </p:txBody>
       </p:sp>
-      <p:sp>
-        <p:nvSpPr>
-          <p:cNvPr id="3" name="Content Placeholder 2">
+      <p:graphicFrame>
+        <p:nvGraphicFramePr>
+          <p:cNvPr id="14" name="Content Placeholder 2">
             <a:extLst>
               <a:ext uri="{FF2B5EF4-FFF2-40B4-BE49-F238E27FC236}">
-                <a16:creationId xmlns:a16="http://schemas.microsoft.com/office/drawing/2014/main" id="{21968073-9636-E97F-CA5D-6A6F7A5B1AE8}"/>
+                <a16:creationId xmlns:a16="http://schemas.microsoft.com/office/drawing/2014/main" id="{3BF562FD-B185-243F-75B7-29C1F79464EE}"/>
               </a:ext>
             </a:extLst>
           </p:cNvPr>
-          <p:cNvSpPr>
-            <a:spLocks noGrp="1"/>
-          </p:cNvSpPr>
+          <p:cNvGraphicFramePr>
+            <a:graphicFrameLocks noGrp="1"/>
+          </p:cNvGraphicFramePr>
           <p:nvPr>
             <p:ph idx="1"/>
+            <p:extLst>
+              <p:ext uri="{D42A27DB-BD31-4B8C-83A1-F6EECF244321}">
+                <p14:modId xmlns:p14="http://schemas.microsoft.com/office/powerpoint/2010/main" val="4047692900"/>
+              </p:ext>
+            </p:extLst>
           </p:nvPr>
-        </p:nvSpPr>
-        <p:spPr>
-          <a:xfrm>
-            <a:off x="1155548" y="2217343"/>
-            <a:ext cx="9880893" cy="3959619"/>
-          </a:xfrm>
-        </p:spPr>
-        <p:txBody>
-          <a:bodyPr>
-            <a:normAutofit/>
-          </a:bodyPr>
-          <a:lstStyle/>
-          <a:p>
-            <a:r>
-              <a:rPr lang="en-GB" sz="2400" dirty="0"/>
-              <a:t>Great project idea.</a:t>
-            </a:r>
-          </a:p>
-          <a:p>
-            <a:r>
-              <a:rPr lang="en-GB" sz="2400" dirty="0"/>
-              <a:t>Loved the autonomy and independence.</a:t>
-            </a:r>
-          </a:p>
-          <a:p>
-            <a:r>
-              <a:rPr lang="en-GB" sz="2400" dirty="0"/>
-              <a:t>Facilities more than adequate.</a:t>
-            </a:r>
-          </a:p>
-          <a:p>
-            <a:r>
-              <a:rPr lang="en-GB" sz="2400" dirty="0"/>
-              <a:t>Beautiful location.</a:t>
-            </a:r>
-          </a:p>
-          <a:p>
-            <a:r>
-              <a:rPr lang="en-GB" sz="2400" dirty="0"/>
-              <a:t>Friendly bunch.</a:t>
-            </a:r>
-          </a:p>
-          <a:p>
-            <a:endParaRPr lang="en-GB" sz="2400" dirty="0"/>
-          </a:p>
-        </p:txBody>
-      </p:sp>
+        </p:nvGraphicFramePr>
+        <p:xfrm>
+          <a:off x="1155548" y="2217343"/>
+          <a:ext cx="9880893" cy="3959619"/>
+        </p:xfrm>
+        <a:graphic>
+          <a:graphicData uri="http://schemas.openxmlformats.org/drawingml/2006/diagram">
+            <dgm:relIds xmlns:dgm="http://schemas.openxmlformats.org/drawingml/2006/diagram" xmlns:r="http://schemas.openxmlformats.org/officeDocument/2006/relationships" r:dm="rId2" r:lo="rId3" r:qs="rId4" r:cs="rId5"/>
+          </a:graphicData>
+        </a:graphic>
+      </p:graphicFrame>
     </p:spTree>
     <p:extLst>
       <p:ext uri="{BB962C8B-B14F-4D97-AF65-F5344CB8AC3E}">
